--- a/PPT soal kelompok 4.pptx
+++ b/PPT soal kelompok 4.pptx
@@ -5,7 +5,7 @@
     <p:sldMasterId id="2147483701" r:id="rId1"/>
   </p:sldMasterIdLst>
   <p:notesMasterIdLst>
-    <p:notesMasterId r:id="rId24"/>
+    <p:notesMasterId r:id="rId23"/>
   </p:notesMasterIdLst>
   <p:sldIdLst>
     <p:sldId id="256" r:id="rId2"/>
@@ -29,29 +29,28 @@
     <p:sldId id="338" r:id="rId20"/>
     <p:sldId id="280" r:id="rId21"/>
     <p:sldId id="312" r:id="rId22"/>
-    <p:sldId id="318" r:id="rId23"/>
   </p:sldIdLst>
   <p:sldSz cx="9144000" cy="5143500" type="screen16x9"/>
   <p:notesSz cx="6858000" cy="9144000"/>
   <p:embeddedFontLst>
     <p:embeddedFont>
       <p:font typeface="Kulim Park" panose="020B0604020202020204" charset="0"/>
-      <p:regular r:id="rId25"/>
-      <p:bold r:id="rId26"/>
-      <p:italic r:id="rId27"/>
-      <p:boldItalic r:id="rId28"/>
+      <p:regular r:id="rId24"/>
+      <p:bold r:id="rId25"/>
+      <p:italic r:id="rId26"/>
+      <p:boldItalic r:id="rId27"/>
     </p:embeddedFont>
     <p:embeddedFont>
       <p:font typeface="Kulim Park SemiBold" panose="020B0604020202020204" charset="0"/>
-      <p:regular r:id="rId29"/>
-      <p:bold r:id="rId30"/>
-      <p:italic r:id="rId31"/>
-      <p:boldItalic r:id="rId32"/>
+      <p:regular r:id="rId28"/>
+      <p:bold r:id="rId29"/>
+      <p:italic r:id="rId30"/>
+      <p:boldItalic r:id="rId31"/>
     </p:embeddedFont>
     <p:embeddedFont>
       <p:font typeface="Manrope" panose="020B0604020202020204" charset="0"/>
-      <p:regular r:id="rId33"/>
-      <p:bold r:id="rId34"/>
+      <p:regular r:id="rId32"/>
+      <p:bold r:id="rId33"/>
     </p:embeddedFont>
   </p:embeddedFontLst>
   <p:defaultTextStyle>
@@ -2249,110 +2248,6 @@
 </p:notes>
 </file>
 
-<file path=ppt/notesSlides/notesSlide22.xml><?xml version="1.0" encoding="utf-8"?>
-<p:notes xmlns:a="http://schemas.openxmlformats.org/drawingml/2006/main" xmlns:r="http://schemas.openxmlformats.org/officeDocument/2006/relationships" xmlns:p="http://schemas.openxmlformats.org/presentationml/2006/main" showMasterSp="0" showMasterPhAnim="0">
-  <p:cSld>
-    <p:spTree>
-      <p:nvGrpSpPr>
-        <p:cNvPr id="1" name="Shape 1840"/>
-        <p:cNvGrpSpPr/>
-        <p:nvPr/>
-      </p:nvGrpSpPr>
-      <p:grpSpPr>
-        <a:xfrm>
-          <a:off x="0" y="0"/>
-          <a:ext cx="0" cy="0"/>
-          <a:chOff x="0" y="0"/>
-          <a:chExt cx="0" cy="0"/>
-        </a:xfrm>
-      </p:grpSpPr>
-      <p:sp>
-        <p:nvSpPr>
-          <p:cNvPr id="1841" name="Google Shape;1841;gead6129809_0_406:notes"/>
-          <p:cNvSpPr>
-            <a:spLocks noGrp="1" noRot="1" noChangeAspect="1"/>
-          </p:cNvSpPr>
-          <p:nvPr>
-            <p:ph type="sldImg" idx="2"/>
-          </p:nvPr>
-        </p:nvSpPr>
-        <p:spPr>
-          <a:xfrm>
-            <a:off x="381000" y="685800"/>
-            <a:ext cx="6096000" cy="3429000"/>
-          </a:xfrm>
-          <a:custGeom>
-            <a:avLst/>
-            <a:gdLst/>
-            <a:ahLst/>
-            <a:cxnLst/>
-            <a:rect l="l" t="t" r="r" b="b"/>
-            <a:pathLst>
-              <a:path w="120000" h="120000" extrusionOk="0">
-                <a:moveTo>
-                  <a:pt x="0" y="0"/>
-                </a:moveTo>
-                <a:lnTo>
-                  <a:pt x="120000" y="0"/>
-                </a:lnTo>
-                <a:lnTo>
-                  <a:pt x="120000" y="120000"/>
-                </a:lnTo>
-                <a:lnTo>
-                  <a:pt x="0" y="120000"/>
-                </a:lnTo>
-                <a:close/>
-              </a:path>
-            </a:pathLst>
-          </a:custGeom>
-        </p:spPr>
-      </p:sp>
-      <p:sp>
-        <p:nvSpPr>
-          <p:cNvPr id="1842" name="Google Shape;1842;gead6129809_0_406:notes"/>
-          <p:cNvSpPr txBox="1">
-            <a:spLocks noGrp="1"/>
-          </p:cNvSpPr>
-          <p:nvPr>
-            <p:ph type="body" idx="1"/>
-          </p:nvPr>
-        </p:nvSpPr>
-        <p:spPr>
-          <a:xfrm>
-            <a:off x="685800" y="4343400"/>
-            <a:ext cx="5486400" cy="4114800"/>
-          </a:xfrm>
-          <a:prstGeom prst="rect">
-            <a:avLst/>
-          </a:prstGeom>
-        </p:spPr>
-        <p:txBody>
-          <a:bodyPr spcFirstLastPara="1" wrap="square" lIns="91425" tIns="91425" rIns="91425" bIns="91425" anchor="t" anchorCtr="0">
-            <a:noAutofit/>
-          </a:bodyPr>
-          <a:lstStyle/>
-          <a:p>
-            <a:pPr marL="0" lvl="0" indent="0" algn="l" rtl="0">
-              <a:spcBef>
-                <a:spcPts val="0"/>
-              </a:spcBef>
-              <a:spcAft>
-                <a:spcPts val="0"/>
-              </a:spcAft>
-              <a:buNone/>
-            </a:pPr>
-            <a:endParaRPr/>
-          </a:p>
-        </p:txBody>
-      </p:sp>
-    </p:spTree>
-  </p:cSld>
-  <p:clrMapOvr>
-    <a:masterClrMapping/>
-  </p:clrMapOvr>
-</p:notes>
-</file>
-
 <file path=ppt/notesSlides/notesSlide3.xml><?xml version="1.0" encoding="utf-8"?>
 <p:notes xmlns:a="http://schemas.openxmlformats.org/drawingml/2006/main" xmlns:r="http://schemas.openxmlformats.org/officeDocument/2006/relationships" xmlns:p="http://schemas.openxmlformats.org/presentationml/2006/main" showMasterSp="0" showMasterPhAnim="0">
   <p:cSld>
@@ -4273,558 +4168,6 @@
 </file>
 
 <file path=ppt/slideLayouts/slideLayout10.xml><?xml version="1.0" encoding="utf-8"?>
-<p:sldLayout xmlns:a="http://schemas.openxmlformats.org/drawingml/2006/main" xmlns:r="http://schemas.openxmlformats.org/officeDocument/2006/relationships" xmlns:p="http://schemas.openxmlformats.org/presentationml/2006/main" matchingName="Title and text 1">
-  <p:cSld name="CUSTOM_13">
-    <p:spTree>
-      <p:nvGrpSpPr>
-        <p:cNvPr id="1" name="Shape 212"/>
-        <p:cNvGrpSpPr/>
-        <p:nvPr/>
-      </p:nvGrpSpPr>
-      <p:grpSpPr>
-        <a:xfrm>
-          <a:off x="0" y="0"/>
-          <a:ext cx="0" cy="0"/>
-          <a:chOff x="0" y="0"/>
-          <a:chExt cx="0" cy="0"/>
-        </a:xfrm>
-      </p:grpSpPr>
-      <p:sp>
-        <p:nvSpPr>
-          <p:cNvPr id="213" name="Google Shape;213;p24"/>
-          <p:cNvSpPr/>
-          <p:nvPr/>
-        </p:nvSpPr>
-        <p:spPr>
-          <a:xfrm rot="4102360" flipH="1">
-            <a:off x="-2758583" y="4129685"/>
-            <a:ext cx="7471578" cy="4771747"/>
-          </a:xfrm>
-          <a:custGeom>
-            <a:avLst/>
-            <a:gdLst/>
-            <a:ahLst/>
-            <a:cxnLst/>
-            <a:rect l="l" t="t" r="r" b="b"/>
-            <a:pathLst>
-              <a:path w="87791" h="56068" extrusionOk="0">
-                <a:moveTo>
-                  <a:pt x="55192" y="1"/>
-                </a:moveTo>
-                <a:cubicBezTo>
-                  <a:pt x="51710" y="1"/>
-                  <a:pt x="48020" y="921"/>
-                  <a:pt x="44301" y="3305"/>
-                </a:cubicBezTo>
-                <a:cubicBezTo>
-                  <a:pt x="27981" y="13772"/>
-                  <a:pt x="23752" y="23750"/>
-                  <a:pt x="23752" y="23750"/>
-                </a:cubicBezTo>
-                <a:cubicBezTo>
-                  <a:pt x="23752" y="23750"/>
-                  <a:pt x="23199" y="30455"/>
-                  <a:pt x="15945" y="30455"/>
-                </a:cubicBezTo>
-                <a:cubicBezTo>
-                  <a:pt x="15648" y="30455"/>
-                  <a:pt x="15339" y="30443"/>
-                  <a:pt x="15019" y="30420"/>
-                </a:cubicBezTo>
-                <a:cubicBezTo>
-                  <a:pt x="13947" y="30341"/>
-                  <a:pt x="12915" y="30303"/>
-                  <a:pt x="11930" y="30303"/>
-                </a:cubicBezTo>
-                <a:cubicBezTo>
-                  <a:pt x="5447" y="30303"/>
-                  <a:pt x="1013" y="31926"/>
-                  <a:pt x="541" y="33999"/>
-                </a:cubicBezTo>
-                <a:cubicBezTo>
-                  <a:pt x="1" y="36384"/>
-                  <a:pt x="5151" y="43216"/>
-                  <a:pt x="11333" y="45926"/>
-                </a:cubicBezTo>
-                <a:cubicBezTo>
-                  <a:pt x="16519" y="48202"/>
-                  <a:pt x="23841" y="53453"/>
-                  <a:pt x="30900" y="53453"/>
-                </a:cubicBezTo>
-                <a:cubicBezTo>
-                  <a:pt x="32256" y="53453"/>
-                  <a:pt x="33602" y="53259"/>
-                  <a:pt x="34921" y="52814"/>
-                </a:cubicBezTo>
-                <a:cubicBezTo>
-                  <a:pt x="43110" y="50048"/>
-                  <a:pt x="85188" y="56067"/>
-                  <a:pt x="86489" y="38010"/>
-                </a:cubicBezTo>
-                <a:cubicBezTo>
-                  <a:pt x="87791" y="19953"/>
-                  <a:pt x="76403" y="10573"/>
-                  <a:pt x="76403" y="10573"/>
-                </a:cubicBezTo>
-                <a:cubicBezTo>
-                  <a:pt x="76403" y="10573"/>
-                  <a:pt x="66995" y="1"/>
-                  <a:pt x="55192" y="1"/>
-                </a:cubicBezTo>
-                <a:close/>
-              </a:path>
-            </a:pathLst>
-          </a:custGeom>
-          <a:solidFill>
-            <a:schemeClr val="accent1">
-              <a:alpha val="46370"/>
-            </a:schemeClr>
-          </a:solidFill>
-          <a:ln>
-            <a:noFill/>
-          </a:ln>
-        </p:spPr>
-        <p:txBody>
-          <a:bodyPr spcFirstLastPara="1" wrap="square" lIns="91425" tIns="91425" rIns="91425" bIns="91425" anchor="ctr" anchorCtr="0">
-            <a:noAutofit/>
-          </a:bodyPr>
-          <a:lstStyle/>
-          <a:p>
-            <a:pPr marL="0" lvl="0" indent="0" algn="l" rtl="0">
-              <a:spcBef>
-                <a:spcPts val="0"/>
-              </a:spcBef>
-              <a:spcAft>
-                <a:spcPts val="0"/>
-              </a:spcAft>
-              <a:buNone/>
-            </a:pPr>
-            <a:endParaRPr/>
-          </a:p>
-        </p:txBody>
-      </p:sp>
-      <p:sp>
-        <p:nvSpPr>
-          <p:cNvPr id="214" name="Google Shape;214;p24"/>
-          <p:cNvSpPr/>
-          <p:nvPr/>
-        </p:nvSpPr>
-        <p:spPr>
-          <a:xfrm rot="813319">
-            <a:off x="-4313552" y="-1737023"/>
-            <a:ext cx="6402109" cy="5689153"/>
-          </a:xfrm>
-          <a:custGeom>
-            <a:avLst/>
-            <a:gdLst/>
-            <a:ahLst/>
-            <a:cxnLst/>
-            <a:rect l="l" t="t" r="r" b="b"/>
-            <a:pathLst>
-              <a:path w="31788" h="28248" extrusionOk="0">
-                <a:moveTo>
-                  <a:pt x="16729" y="0"/>
-                </a:moveTo>
-                <a:cubicBezTo>
-                  <a:pt x="16601" y="0"/>
-                  <a:pt x="16474" y="1"/>
-                  <a:pt x="16346" y="2"/>
-                </a:cubicBezTo>
-                <a:cubicBezTo>
-                  <a:pt x="16060" y="2"/>
-                  <a:pt x="15764" y="5"/>
-                  <a:pt x="15461" y="9"/>
-                </a:cubicBezTo>
-                <a:cubicBezTo>
-                  <a:pt x="11690" y="44"/>
-                  <a:pt x="7009" y="207"/>
-                  <a:pt x="4237" y="2881"/>
-                </a:cubicBezTo>
-                <a:cubicBezTo>
-                  <a:pt x="2392" y="4661"/>
-                  <a:pt x="2135" y="8048"/>
-                  <a:pt x="1618" y="10410"/>
-                </a:cubicBezTo>
-                <a:cubicBezTo>
-                  <a:pt x="938" y="13517"/>
-                  <a:pt x="381" y="16657"/>
-                  <a:pt x="219" y="19839"/>
-                </a:cubicBezTo>
-                <a:cubicBezTo>
-                  <a:pt x="1" y="24133"/>
-                  <a:pt x="1988" y="26141"/>
-                  <a:pt x="6130" y="26720"/>
-                </a:cubicBezTo>
-                <a:cubicBezTo>
-                  <a:pt x="9755" y="27227"/>
-                  <a:pt x="13382" y="27712"/>
-                  <a:pt x="17036" y="27956"/>
-                </a:cubicBezTo>
-                <a:cubicBezTo>
-                  <a:pt x="18561" y="28056"/>
-                  <a:pt x="20165" y="28248"/>
-                  <a:pt x="21749" y="28248"/>
-                </a:cubicBezTo>
-                <a:cubicBezTo>
-                  <a:pt x="23047" y="28248"/>
-                  <a:pt x="24332" y="28119"/>
-                  <a:pt x="25547" y="27706"/>
-                </a:cubicBezTo>
-                <a:cubicBezTo>
-                  <a:pt x="28287" y="26775"/>
-                  <a:pt x="29435" y="24198"/>
-                  <a:pt x="29933" y="21508"/>
-                </a:cubicBezTo>
-                <a:cubicBezTo>
-                  <a:pt x="30554" y="18140"/>
-                  <a:pt x="30847" y="14721"/>
-                  <a:pt x="31348" y="11337"/>
-                </a:cubicBezTo>
-                <a:cubicBezTo>
-                  <a:pt x="31787" y="8393"/>
-                  <a:pt x="31569" y="5097"/>
-                  <a:pt x="28963" y="3194"/>
-                </a:cubicBezTo>
-                <a:cubicBezTo>
-                  <a:pt x="25477" y="645"/>
-                  <a:pt x="20958" y="0"/>
-                  <a:pt x="16729" y="0"/>
-                </a:cubicBezTo>
-                <a:close/>
-              </a:path>
-            </a:pathLst>
-          </a:custGeom>
-          <a:solidFill>
-            <a:schemeClr val="dk2">
-              <a:alpha val="6700"/>
-            </a:schemeClr>
-          </a:solidFill>
-          <a:ln>
-            <a:noFill/>
-          </a:ln>
-        </p:spPr>
-        <p:txBody>
-          <a:bodyPr spcFirstLastPara="1" wrap="square" lIns="91425" tIns="91425" rIns="91425" bIns="91425" anchor="ctr" anchorCtr="0">
-            <a:noAutofit/>
-          </a:bodyPr>
-          <a:lstStyle/>
-          <a:p>
-            <a:pPr marL="0" lvl="0" indent="0" algn="l" rtl="0">
-              <a:spcBef>
-                <a:spcPts val="0"/>
-              </a:spcBef>
-              <a:spcAft>
-                <a:spcPts val="0"/>
-              </a:spcAft>
-              <a:buNone/>
-            </a:pPr>
-            <a:endParaRPr/>
-          </a:p>
-        </p:txBody>
-      </p:sp>
-      <p:sp>
-        <p:nvSpPr>
-          <p:cNvPr id="215" name="Google Shape;215;p24"/>
-          <p:cNvSpPr txBox="1">
-            <a:spLocks noGrp="1"/>
-          </p:cNvSpPr>
-          <p:nvPr>
-            <p:ph type="subTitle" idx="1"/>
-          </p:nvPr>
-        </p:nvSpPr>
-        <p:spPr>
-          <a:xfrm>
-            <a:off x="723300" y="3021075"/>
-            <a:ext cx="3394200" cy="1135500"/>
-          </a:xfrm>
-          <a:prstGeom prst="rect">
-            <a:avLst/>
-          </a:prstGeom>
-        </p:spPr>
-        <p:txBody>
-          <a:bodyPr spcFirstLastPara="1" wrap="square" lIns="91425" tIns="91425" rIns="91425" bIns="91425" anchor="t" anchorCtr="0">
-            <a:noAutofit/>
-          </a:bodyPr>
-          <a:lstStyle>
-            <a:lvl1pPr lvl="0" rtl="0">
-              <a:lnSpc>
-                <a:spcPct val="100000"/>
-              </a:lnSpc>
-              <a:spcBef>
-                <a:spcPts val="0"/>
-              </a:spcBef>
-              <a:spcAft>
-                <a:spcPts val="0"/>
-              </a:spcAft>
-              <a:buSzPts val="1600"/>
-              <a:buNone/>
-              <a:defRPr sz="1600"/>
-            </a:lvl1pPr>
-            <a:lvl2pPr lvl="1" algn="ctr" rtl="0">
-              <a:lnSpc>
-                <a:spcPct val="100000"/>
-              </a:lnSpc>
-              <a:spcBef>
-                <a:spcPts val="0"/>
-              </a:spcBef>
-              <a:spcAft>
-                <a:spcPts val="0"/>
-              </a:spcAft>
-              <a:buSzPts val="1600"/>
-              <a:buNone/>
-              <a:defRPr/>
-            </a:lvl2pPr>
-            <a:lvl3pPr lvl="2" algn="ctr" rtl="0">
-              <a:lnSpc>
-                <a:spcPct val="100000"/>
-              </a:lnSpc>
-              <a:spcBef>
-                <a:spcPts val="0"/>
-              </a:spcBef>
-              <a:spcAft>
-                <a:spcPts val="0"/>
-              </a:spcAft>
-              <a:buSzPts val="1600"/>
-              <a:buNone/>
-              <a:defRPr/>
-            </a:lvl3pPr>
-            <a:lvl4pPr lvl="3" algn="ctr" rtl="0">
-              <a:lnSpc>
-                <a:spcPct val="100000"/>
-              </a:lnSpc>
-              <a:spcBef>
-                <a:spcPts val="0"/>
-              </a:spcBef>
-              <a:spcAft>
-                <a:spcPts val="0"/>
-              </a:spcAft>
-              <a:buSzPts val="1600"/>
-              <a:buNone/>
-              <a:defRPr/>
-            </a:lvl4pPr>
-            <a:lvl5pPr lvl="4" algn="ctr" rtl="0">
-              <a:lnSpc>
-                <a:spcPct val="100000"/>
-              </a:lnSpc>
-              <a:spcBef>
-                <a:spcPts val="0"/>
-              </a:spcBef>
-              <a:spcAft>
-                <a:spcPts val="0"/>
-              </a:spcAft>
-              <a:buSzPts val="1600"/>
-              <a:buNone/>
-              <a:defRPr/>
-            </a:lvl5pPr>
-            <a:lvl6pPr lvl="5" algn="ctr" rtl="0">
-              <a:lnSpc>
-                <a:spcPct val="100000"/>
-              </a:lnSpc>
-              <a:spcBef>
-                <a:spcPts val="0"/>
-              </a:spcBef>
-              <a:spcAft>
-                <a:spcPts val="0"/>
-              </a:spcAft>
-              <a:buSzPts val="1600"/>
-              <a:buNone/>
-              <a:defRPr/>
-            </a:lvl6pPr>
-            <a:lvl7pPr lvl="6" algn="ctr" rtl="0">
-              <a:lnSpc>
-                <a:spcPct val="100000"/>
-              </a:lnSpc>
-              <a:spcBef>
-                <a:spcPts val="0"/>
-              </a:spcBef>
-              <a:spcAft>
-                <a:spcPts val="0"/>
-              </a:spcAft>
-              <a:buSzPts val="1600"/>
-              <a:buNone/>
-              <a:defRPr/>
-            </a:lvl7pPr>
-            <a:lvl8pPr lvl="7" algn="ctr" rtl="0">
-              <a:lnSpc>
-                <a:spcPct val="100000"/>
-              </a:lnSpc>
-              <a:spcBef>
-                <a:spcPts val="0"/>
-              </a:spcBef>
-              <a:spcAft>
-                <a:spcPts val="0"/>
-              </a:spcAft>
-              <a:buSzPts val="1600"/>
-              <a:buNone/>
-              <a:defRPr/>
-            </a:lvl8pPr>
-            <a:lvl9pPr lvl="8" algn="ctr" rtl="0">
-              <a:lnSpc>
-                <a:spcPct val="100000"/>
-              </a:lnSpc>
-              <a:spcBef>
-                <a:spcPts val="0"/>
-              </a:spcBef>
-              <a:spcAft>
-                <a:spcPts val="0"/>
-              </a:spcAft>
-              <a:buSzPts val="1600"/>
-              <a:buNone/>
-              <a:defRPr/>
-            </a:lvl9pPr>
-          </a:lstStyle>
-          <a:p>
-            <a:endParaRPr/>
-          </a:p>
-        </p:txBody>
-      </p:sp>
-      <p:sp>
-        <p:nvSpPr>
-          <p:cNvPr id="216" name="Google Shape;216;p24"/>
-          <p:cNvSpPr txBox="1">
-            <a:spLocks noGrp="1"/>
-          </p:cNvSpPr>
-          <p:nvPr>
-            <p:ph type="title"/>
-          </p:nvPr>
-        </p:nvSpPr>
-        <p:spPr>
-          <a:xfrm flipH="1">
-            <a:off x="719825" y="986925"/>
-            <a:ext cx="2888400" cy="1917300"/>
-          </a:xfrm>
-          <a:prstGeom prst="rect">
-            <a:avLst/>
-          </a:prstGeom>
-          <a:noFill/>
-          <a:ln>
-            <a:noFill/>
-          </a:ln>
-        </p:spPr>
-        <p:txBody>
-          <a:bodyPr spcFirstLastPara="1" wrap="square" lIns="91425" tIns="91425" rIns="91425" bIns="91425" anchor="b" anchorCtr="0">
-            <a:noAutofit/>
-          </a:bodyPr>
-          <a:lstStyle>
-            <a:lvl1pPr lvl="0" algn="l" rtl="0">
-              <a:spcBef>
-                <a:spcPts val="0"/>
-              </a:spcBef>
-              <a:spcAft>
-                <a:spcPts val="0"/>
-              </a:spcAft>
-              <a:buSzPts val="2800"/>
-              <a:buNone/>
-              <a:defRPr sz="3000">
-                <a:latin typeface="Kulim Park"/>
-                <a:ea typeface="Kulim Park"/>
-                <a:cs typeface="Kulim Park"/>
-                <a:sym typeface="Kulim Park"/>
-              </a:defRPr>
-            </a:lvl1pPr>
-            <a:lvl2pPr lvl="1" rtl="0">
-              <a:spcBef>
-                <a:spcPts val="0"/>
-              </a:spcBef>
-              <a:spcAft>
-                <a:spcPts val="0"/>
-              </a:spcAft>
-              <a:buSzPts val="3500"/>
-              <a:buNone/>
-              <a:defRPr/>
-            </a:lvl2pPr>
-            <a:lvl3pPr lvl="2" rtl="0">
-              <a:spcBef>
-                <a:spcPts val="0"/>
-              </a:spcBef>
-              <a:spcAft>
-                <a:spcPts val="0"/>
-              </a:spcAft>
-              <a:buSzPts val="3500"/>
-              <a:buNone/>
-              <a:defRPr/>
-            </a:lvl3pPr>
-            <a:lvl4pPr lvl="3" rtl="0">
-              <a:spcBef>
-                <a:spcPts val="0"/>
-              </a:spcBef>
-              <a:spcAft>
-                <a:spcPts val="0"/>
-              </a:spcAft>
-              <a:buSzPts val="3500"/>
-              <a:buNone/>
-              <a:defRPr/>
-            </a:lvl4pPr>
-            <a:lvl5pPr lvl="4" rtl="0">
-              <a:spcBef>
-                <a:spcPts val="0"/>
-              </a:spcBef>
-              <a:spcAft>
-                <a:spcPts val="0"/>
-              </a:spcAft>
-              <a:buSzPts val="3500"/>
-              <a:buNone/>
-              <a:defRPr/>
-            </a:lvl5pPr>
-            <a:lvl6pPr lvl="5" rtl="0">
-              <a:spcBef>
-                <a:spcPts val="0"/>
-              </a:spcBef>
-              <a:spcAft>
-                <a:spcPts val="0"/>
-              </a:spcAft>
-              <a:buSzPts val="3500"/>
-              <a:buNone/>
-              <a:defRPr/>
-            </a:lvl6pPr>
-            <a:lvl7pPr lvl="6" rtl="0">
-              <a:spcBef>
-                <a:spcPts val="0"/>
-              </a:spcBef>
-              <a:spcAft>
-                <a:spcPts val="0"/>
-              </a:spcAft>
-              <a:buSzPts val="3500"/>
-              <a:buNone/>
-              <a:defRPr/>
-            </a:lvl7pPr>
-            <a:lvl8pPr lvl="7" rtl="0">
-              <a:spcBef>
-                <a:spcPts val="0"/>
-              </a:spcBef>
-              <a:spcAft>
-                <a:spcPts val="0"/>
-              </a:spcAft>
-              <a:buSzPts val="3500"/>
-              <a:buNone/>
-              <a:defRPr/>
-            </a:lvl8pPr>
-            <a:lvl9pPr lvl="8" rtl="0">
-              <a:spcBef>
-                <a:spcPts val="0"/>
-              </a:spcBef>
-              <a:spcAft>
-                <a:spcPts val="0"/>
-              </a:spcAft>
-              <a:buSzPts val="3500"/>
-              <a:buNone/>
-              <a:defRPr/>
-            </a:lvl9pPr>
-          </a:lstStyle>
-          <a:p>
-            <a:endParaRPr/>
-          </a:p>
-        </p:txBody>
-      </p:sp>
-    </p:spTree>
-  </p:cSld>
-  <p:clrMapOvr>
-    <a:masterClrMapping/>
-  </p:clrMapOvr>
-</p:sldLayout>
-</file>
-
-<file path=ppt/slideLayouts/slideLayout11.xml><?xml version="1.0" encoding="utf-8"?>
 <p:sldLayout xmlns:a="http://schemas.openxmlformats.org/drawingml/2006/main" xmlns:r="http://schemas.openxmlformats.org/officeDocument/2006/relationships" xmlns:p="http://schemas.openxmlformats.org/presentationml/2006/main" matchingName="Title and text 5">
   <p:cSld name="CUSTOM_25">
     <p:spTree>
@@ -5376,7 +4719,7 @@
 </p:sldLayout>
 </file>
 
-<file path=ppt/slideLayouts/slideLayout12.xml><?xml version="1.0" encoding="utf-8"?>
+<file path=ppt/slideLayouts/slideLayout11.xml><?xml version="1.0" encoding="utf-8"?>
 <p:sldLayout xmlns:a="http://schemas.openxmlformats.org/drawingml/2006/main" xmlns:r="http://schemas.openxmlformats.org/officeDocument/2006/relationships" xmlns:p="http://schemas.openxmlformats.org/presentationml/2006/main" matchingName="Background">
   <p:cSld name="CUSTOM_9">
     <p:spTree>
@@ -6016,7 +5359,7 @@
 </p:sldLayout>
 </file>
 
-<file path=ppt/slideLayouts/slideLayout13.xml><?xml version="1.0" encoding="utf-8"?>
+<file path=ppt/slideLayouts/slideLayout12.xml><?xml version="1.0" encoding="utf-8"?>
 <p:sldLayout xmlns:a="http://schemas.openxmlformats.org/drawingml/2006/main" xmlns:r="http://schemas.openxmlformats.org/officeDocument/2006/relationships" xmlns:p="http://schemas.openxmlformats.org/presentationml/2006/main" matchingName="Background 1">
   <p:cSld name="CUSTOM_9_1">
     <p:spTree>
@@ -6572,7 +5915,7 @@
 </p:sldLayout>
 </file>
 
-<file path=ppt/slideLayouts/slideLayout14.xml><?xml version="1.0" encoding="utf-8"?>
+<file path=ppt/slideLayouts/slideLayout13.xml><?xml version="1.0" encoding="utf-8"?>
 <p:sldLayout xmlns:a="http://schemas.openxmlformats.org/drawingml/2006/main" xmlns:r="http://schemas.openxmlformats.org/officeDocument/2006/relationships" xmlns:p="http://schemas.openxmlformats.org/presentationml/2006/main" matchingName="Background 2">
   <p:cSld name="CUSTOM_36">
     <p:spTree>
@@ -7446,7 +6789,7 @@
 </p:sldLayout>
 </file>
 
-<file path=ppt/slideLayouts/slideLayout15.xml><?xml version="1.0" encoding="utf-8"?>
+<file path=ppt/slideLayouts/slideLayout14.xml><?xml version="1.0" encoding="utf-8"?>
 <p:sldLayout xmlns:a="http://schemas.openxmlformats.org/drawingml/2006/main" xmlns:r="http://schemas.openxmlformats.org/officeDocument/2006/relationships" xmlns:p="http://schemas.openxmlformats.org/presentationml/2006/main" matchingName="Background 3">
   <p:cSld name="CUSTOM_37">
     <p:spTree>
@@ -14079,884 +13422,6 @@
 </file>
 
 <file path=ppt/slideLayouts/slideLayout8.xml><?xml version="1.0" encoding="utf-8"?>
-<p:sldLayout xmlns:a="http://schemas.openxmlformats.org/drawingml/2006/main" xmlns:r="http://schemas.openxmlformats.org/officeDocument/2006/relationships" xmlns:p="http://schemas.openxmlformats.org/presentationml/2006/main" matchingName="Title only 1">
-  <p:cSld name="CUSTOM_16">
-    <p:spTree>
-      <p:nvGrpSpPr>
-        <p:cNvPr id="1" name="Shape 183"/>
-        <p:cNvGrpSpPr/>
-        <p:nvPr/>
-      </p:nvGrpSpPr>
-      <p:grpSpPr>
-        <a:xfrm>
-          <a:off x="0" y="0"/>
-          <a:ext cx="0" cy="0"/>
-          <a:chOff x="0" y="0"/>
-          <a:chExt cx="0" cy="0"/>
-        </a:xfrm>
-      </p:grpSpPr>
-      <p:sp>
-        <p:nvSpPr>
-          <p:cNvPr id="184" name="Google Shape;184;p20"/>
-          <p:cNvSpPr/>
-          <p:nvPr/>
-        </p:nvSpPr>
-        <p:spPr>
-          <a:xfrm rot="-3394465">
-            <a:off x="-2929870" y="3433218"/>
-            <a:ext cx="8703343" cy="5558223"/>
-          </a:xfrm>
-          <a:custGeom>
-            <a:avLst/>
-            <a:gdLst/>
-            <a:ahLst/>
-            <a:cxnLst/>
-            <a:rect l="l" t="t" r="r" b="b"/>
-            <a:pathLst>
-              <a:path w="87791" h="56068" extrusionOk="0">
-                <a:moveTo>
-                  <a:pt x="55192" y="1"/>
-                </a:moveTo>
-                <a:cubicBezTo>
-                  <a:pt x="51710" y="1"/>
-                  <a:pt x="48020" y="921"/>
-                  <a:pt x="44301" y="3305"/>
-                </a:cubicBezTo>
-                <a:cubicBezTo>
-                  <a:pt x="27981" y="13772"/>
-                  <a:pt x="23752" y="23750"/>
-                  <a:pt x="23752" y="23750"/>
-                </a:cubicBezTo>
-                <a:cubicBezTo>
-                  <a:pt x="23752" y="23750"/>
-                  <a:pt x="23199" y="30455"/>
-                  <a:pt x="15945" y="30455"/>
-                </a:cubicBezTo>
-                <a:cubicBezTo>
-                  <a:pt x="15648" y="30455"/>
-                  <a:pt x="15339" y="30443"/>
-                  <a:pt x="15019" y="30420"/>
-                </a:cubicBezTo>
-                <a:cubicBezTo>
-                  <a:pt x="13947" y="30341"/>
-                  <a:pt x="12915" y="30303"/>
-                  <a:pt x="11930" y="30303"/>
-                </a:cubicBezTo>
-                <a:cubicBezTo>
-                  <a:pt x="5447" y="30303"/>
-                  <a:pt x="1013" y="31926"/>
-                  <a:pt x="541" y="33999"/>
-                </a:cubicBezTo>
-                <a:cubicBezTo>
-                  <a:pt x="1" y="36384"/>
-                  <a:pt x="5151" y="43216"/>
-                  <a:pt x="11333" y="45926"/>
-                </a:cubicBezTo>
-                <a:cubicBezTo>
-                  <a:pt x="16519" y="48202"/>
-                  <a:pt x="23841" y="53453"/>
-                  <a:pt x="30900" y="53453"/>
-                </a:cubicBezTo>
-                <a:cubicBezTo>
-                  <a:pt x="32256" y="53453"/>
-                  <a:pt x="33602" y="53259"/>
-                  <a:pt x="34921" y="52814"/>
-                </a:cubicBezTo>
-                <a:cubicBezTo>
-                  <a:pt x="43110" y="50048"/>
-                  <a:pt x="85188" y="56067"/>
-                  <a:pt x="86489" y="38010"/>
-                </a:cubicBezTo>
-                <a:cubicBezTo>
-                  <a:pt x="87791" y="19953"/>
-                  <a:pt x="76403" y="10573"/>
-                  <a:pt x="76403" y="10573"/>
-                </a:cubicBezTo>
-                <a:cubicBezTo>
-                  <a:pt x="76403" y="10573"/>
-                  <a:pt x="66995" y="1"/>
-                  <a:pt x="55192" y="1"/>
-                </a:cubicBezTo>
-                <a:close/>
-              </a:path>
-            </a:pathLst>
-          </a:custGeom>
-          <a:solidFill>
-            <a:schemeClr val="accent1">
-              <a:alpha val="46370"/>
-            </a:schemeClr>
-          </a:solidFill>
-          <a:ln>
-            <a:noFill/>
-          </a:ln>
-        </p:spPr>
-        <p:txBody>
-          <a:bodyPr spcFirstLastPara="1" wrap="square" lIns="91425" tIns="91425" rIns="91425" bIns="91425" anchor="ctr" anchorCtr="0">
-            <a:noAutofit/>
-          </a:bodyPr>
-          <a:lstStyle/>
-          <a:p>
-            <a:pPr marL="0" lvl="0" indent="0" algn="l" rtl="0">
-              <a:spcBef>
-                <a:spcPts val="0"/>
-              </a:spcBef>
-              <a:spcAft>
-                <a:spcPts val="0"/>
-              </a:spcAft>
-              <a:buNone/>
-            </a:pPr>
-            <a:endParaRPr/>
-          </a:p>
-        </p:txBody>
-      </p:sp>
-      <p:sp>
-        <p:nvSpPr>
-          <p:cNvPr id="185" name="Google Shape;185;p20"/>
-          <p:cNvSpPr/>
-          <p:nvPr/>
-        </p:nvSpPr>
-        <p:spPr>
-          <a:xfrm flipH="1">
-            <a:off x="-4081962" y="-1243497"/>
-            <a:ext cx="7065492" cy="5396392"/>
-          </a:xfrm>
-          <a:custGeom>
-            <a:avLst/>
-            <a:gdLst/>
-            <a:ahLst/>
-            <a:cxnLst/>
-            <a:rect l="l" t="t" r="r" b="b"/>
-            <a:pathLst>
-              <a:path w="38799" h="29633" extrusionOk="0">
-                <a:moveTo>
-                  <a:pt x="24862" y="1"/>
-                </a:moveTo>
-                <a:cubicBezTo>
-                  <a:pt x="17606" y="1"/>
-                  <a:pt x="2522" y="6530"/>
-                  <a:pt x="2408" y="6818"/>
-                </a:cubicBezTo>
-                <a:cubicBezTo>
-                  <a:pt x="0" y="12908"/>
-                  <a:pt x="709" y="23105"/>
-                  <a:pt x="5362" y="28314"/>
-                </a:cubicBezTo>
-                <a:cubicBezTo>
-                  <a:pt x="6190" y="29241"/>
-                  <a:pt x="7638" y="29632"/>
-                  <a:pt x="9471" y="29632"/>
-                </a:cubicBezTo>
-                <a:cubicBezTo>
-                  <a:pt x="17936" y="29632"/>
-                  <a:pt x="34625" y="21288"/>
-                  <a:pt x="36508" y="18846"/>
-                </a:cubicBezTo>
-                <a:cubicBezTo>
-                  <a:pt x="38798" y="15872"/>
-                  <a:pt x="32779" y="1993"/>
-                  <a:pt x="26923" y="249"/>
-                </a:cubicBezTo>
-                <a:cubicBezTo>
-                  <a:pt x="26348" y="78"/>
-                  <a:pt x="25651" y="1"/>
-                  <a:pt x="24862" y="1"/>
-                </a:cubicBezTo>
-                <a:close/>
-              </a:path>
-            </a:pathLst>
-          </a:custGeom>
-          <a:solidFill>
-            <a:schemeClr val="accent3">
-              <a:alpha val="25880"/>
-            </a:schemeClr>
-          </a:solidFill>
-          <a:ln>
-            <a:noFill/>
-          </a:ln>
-        </p:spPr>
-        <p:txBody>
-          <a:bodyPr spcFirstLastPara="1" wrap="square" lIns="91425" tIns="91425" rIns="91425" bIns="91425" anchor="ctr" anchorCtr="0">
-            <a:noAutofit/>
-          </a:bodyPr>
-          <a:lstStyle/>
-          <a:p>
-            <a:pPr marL="0" lvl="0" indent="0" algn="l" rtl="0">
-              <a:spcBef>
-                <a:spcPts val="0"/>
-              </a:spcBef>
-              <a:spcAft>
-                <a:spcPts val="0"/>
-              </a:spcAft>
-              <a:buNone/>
-            </a:pPr>
-            <a:endParaRPr/>
-          </a:p>
-        </p:txBody>
-      </p:sp>
-      <p:sp>
-        <p:nvSpPr>
-          <p:cNvPr id="186" name="Google Shape;186;p20"/>
-          <p:cNvSpPr/>
-          <p:nvPr/>
-        </p:nvSpPr>
-        <p:spPr>
-          <a:xfrm rot="-3952094" flipH="1">
-            <a:off x="-3954406" y="-32116"/>
-            <a:ext cx="7826127" cy="2877868"/>
-          </a:xfrm>
-          <a:custGeom>
-            <a:avLst/>
-            <a:gdLst/>
-            <a:ahLst/>
-            <a:cxnLst/>
-            <a:rect l="l" t="t" r="r" b="b"/>
-            <a:pathLst>
-              <a:path w="76674" h="28195" fill="none" extrusionOk="0">
-                <a:moveTo>
-                  <a:pt x="76673" y="0"/>
-                </a:moveTo>
-                <a:cubicBezTo>
-                  <a:pt x="76673" y="0"/>
-                  <a:pt x="67374" y="14124"/>
-                  <a:pt x="60786" y="16430"/>
-                </a:cubicBezTo>
-                <a:cubicBezTo>
-                  <a:pt x="52981" y="19160"/>
-                  <a:pt x="39856" y="7047"/>
-                  <a:pt x="24779" y="17621"/>
-                </a:cubicBezTo>
-                <a:cubicBezTo>
-                  <a:pt x="9706" y="28195"/>
-                  <a:pt x="1302" y="23045"/>
-                  <a:pt x="1" y="9868"/>
-                </a:cubicBezTo>
-              </a:path>
-            </a:pathLst>
-          </a:custGeom>
-          <a:noFill/>
-          <a:ln w="28575" cap="flat" cmpd="sng">
-            <a:solidFill>
-              <a:schemeClr val="accent3"/>
-            </a:solidFill>
-            <a:prstDash val="solid"/>
-            <a:miter lim="3253"/>
-            <a:headEnd type="none" w="sm" len="sm"/>
-            <a:tailEnd type="none" w="sm" len="sm"/>
-          </a:ln>
-        </p:spPr>
-        <p:txBody>
-          <a:bodyPr spcFirstLastPara="1" wrap="square" lIns="91425" tIns="91425" rIns="91425" bIns="91425" anchor="ctr" anchorCtr="0">
-            <a:noAutofit/>
-          </a:bodyPr>
-          <a:lstStyle/>
-          <a:p>
-            <a:pPr marL="0" lvl="0" indent="0" algn="l" rtl="0">
-              <a:spcBef>
-                <a:spcPts val="0"/>
-              </a:spcBef>
-              <a:spcAft>
-                <a:spcPts val="0"/>
-              </a:spcAft>
-              <a:buNone/>
-            </a:pPr>
-            <a:endParaRPr/>
-          </a:p>
-        </p:txBody>
-      </p:sp>
-      <p:sp>
-        <p:nvSpPr>
-          <p:cNvPr id="187" name="Google Shape;187;p20"/>
-          <p:cNvSpPr/>
-          <p:nvPr/>
-        </p:nvSpPr>
-        <p:spPr>
-          <a:xfrm rot="649760">
-            <a:off x="-3199069" y="-713258"/>
-            <a:ext cx="4974484" cy="1490372"/>
-          </a:xfrm>
-          <a:custGeom>
-            <a:avLst/>
-            <a:gdLst/>
-            <a:ahLst/>
-            <a:cxnLst/>
-            <a:rect l="l" t="t" r="r" b="b"/>
-            <a:pathLst>
-              <a:path w="49165" h="14730" extrusionOk="0">
-                <a:moveTo>
-                  <a:pt x="10042" y="1"/>
-                </a:moveTo>
-                <a:cubicBezTo>
-                  <a:pt x="7738" y="1"/>
-                  <a:pt x="5495" y="326"/>
-                  <a:pt x="4009" y="1712"/>
-                </a:cubicBezTo>
-                <a:cubicBezTo>
-                  <a:pt x="1833" y="3743"/>
-                  <a:pt x="1312" y="7198"/>
-                  <a:pt x="759" y="9976"/>
-                </a:cubicBezTo>
-                <a:cubicBezTo>
-                  <a:pt x="1" y="13802"/>
-                  <a:pt x="5815" y="14642"/>
-                  <a:pt x="11014" y="14723"/>
-                </a:cubicBezTo>
-                <a:cubicBezTo>
-                  <a:pt x="11312" y="14728"/>
-                  <a:pt x="11609" y="14730"/>
-                  <a:pt x="11901" y="14730"/>
-                </a:cubicBezTo>
-                <a:cubicBezTo>
-                  <a:pt x="14717" y="14730"/>
-                  <a:pt x="17219" y="14537"/>
-                  <a:pt x="18198" y="14531"/>
-                </a:cubicBezTo>
-                <a:cubicBezTo>
-                  <a:pt x="20643" y="14515"/>
-                  <a:pt x="23088" y="14508"/>
-                  <a:pt x="25533" y="14508"/>
-                </a:cubicBezTo>
-                <a:cubicBezTo>
-                  <a:pt x="31860" y="14508"/>
-                  <a:pt x="38186" y="14553"/>
-                  <a:pt x="44512" y="14593"/>
-                </a:cubicBezTo>
-                <a:cubicBezTo>
-                  <a:pt x="44551" y="14593"/>
-                  <a:pt x="44589" y="14594"/>
-                  <a:pt x="44628" y="14594"/>
-                </a:cubicBezTo>
-                <a:cubicBezTo>
-                  <a:pt x="45065" y="14594"/>
-                  <a:pt x="45520" y="14568"/>
-                  <a:pt x="45879" y="14323"/>
-                </a:cubicBezTo>
-                <a:cubicBezTo>
-                  <a:pt x="46214" y="14095"/>
-                  <a:pt x="46403" y="13708"/>
-                  <a:pt x="46569" y="13337"/>
-                </a:cubicBezTo>
-                <a:cubicBezTo>
-                  <a:pt x="47681" y="10865"/>
-                  <a:pt x="49165" y="7692"/>
-                  <a:pt x="48504" y="4911"/>
-                </a:cubicBezTo>
-                <a:cubicBezTo>
-                  <a:pt x="47559" y="915"/>
-                  <a:pt x="42091" y="691"/>
-                  <a:pt x="37832" y="691"/>
-                </a:cubicBezTo>
-                <a:cubicBezTo>
-                  <a:pt x="37295" y="691"/>
-                  <a:pt x="36777" y="694"/>
-                  <a:pt x="36289" y="694"/>
-                </a:cubicBezTo>
-                <a:cubicBezTo>
-                  <a:pt x="35639" y="694"/>
-                  <a:pt x="35044" y="688"/>
-                  <a:pt x="34531" y="658"/>
-                </a:cubicBezTo>
-                <a:cubicBezTo>
-                  <a:pt x="29340" y="361"/>
-                  <a:pt x="24149" y="242"/>
-                  <a:pt x="18952" y="242"/>
-                </a:cubicBezTo>
-                <a:cubicBezTo>
-                  <a:pt x="17950" y="242"/>
-                  <a:pt x="16949" y="246"/>
-                  <a:pt x="15946" y="255"/>
-                </a:cubicBezTo>
-                <a:cubicBezTo>
-                  <a:pt x="15904" y="255"/>
-                  <a:pt x="15862" y="255"/>
-                  <a:pt x="15819" y="255"/>
-                </a:cubicBezTo>
-                <a:cubicBezTo>
-                  <a:pt x="14168" y="255"/>
-                  <a:pt x="12081" y="1"/>
-                  <a:pt x="10042" y="1"/>
-                </a:cubicBezTo>
-                <a:close/>
-              </a:path>
-            </a:pathLst>
-          </a:custGeom>
-          <a:solidFill>
-            <a:schemeClr val="accent3">
-              <a:alpha val="34640"/>
-            </a:schemeClr>
-          </a:solidFill>
-          <a:ln>
-            <a:noFill/>
-          </a:ln>
-        </p:spPr>
-        <p:txBody>
-          <a:bodyPr spcFirstLastPara="1" wrap="square" lIns="91425" tIns="91425" rIns="91425" bIns="91425" anchor="ctr" anchorCtr="0">
-            <a:noAutofit/>
-          </a:bodyPr>
-          <a:lstStyle/>
-          <a:p>
-            <a:pPr marL="0" lvl="0" indent="0" algn="l" rtl="0">
-              <a:spcBef>
-                <a:spcPts val="0"/>
-              </a:spcBef>
-              <a:spcAft>
-                <a:spcPts val="0"/>
-              </a:spcAft>
-              <a:buNone/>
-            </a:pPr>
-            <a:endParaRPr/>
-          </a:p>
-        </p:txBody>
-      </p:sp>
-      <p:sp>
-        <p:nvSpPr>
-          <p:cNvPr id="188" name="Google Shape;188;p20"/>
-          <p:cNvSpPr/>
-          <p:nvPr/>
-        </p:nvSpPr>
-        <p:spPr>
-          <a:xfrm rot="-813319" flipH="1">
-            <a:off x="4926200" y="-3074323"/>
-            <a:ext cx="6402109" cy="5689153"/>
-          </a:xfrm>
-          <a:custGeom>
-            <a:avLst/>
-            <a:gdLst/>
-            <a:ahLst/>
-            <a:cxnLst/>
-            <a:rect l="l" t="t" r="r" b="b"/>
-            <a:pathLst>
-              <a:path w="31788" h="28248" extrusionOk="0">
-                <a:moveTo>
-                  <a:pt x="16729" y="0"/>
-                </a:moveTo>
-                <a:cubicBezTo>
-                  <a:pt x="16601" y="0"/>
-                  <a:pt x="16474" y="1"/>
-                  <a:pt x="16346" y="2"/>
-                </a:cubicBezTo>
-                <a:cubicBezTo>
-                  <a:pt x="16060" y="2"/>
-                  <a:pt x="15764" y="5"/>
-                  <a:pt x="15461" y="9"/>
-                </a:cubicBezTo>
-                <a:cubicBezTo>
-                  <a:pt x="11690" y="44"/>
-                  <a:pt x="7009" y="207"/>
-                  <a:pt x="4237" y="2881"/>
-                </a:cubicBezTo>
-                <a:cubicBezTo>
-                  <a:pt x="2392" y="4661"/>
-                  <a:pt x="2135" y="8048"/>
-                  <a:pt x="1618" y="10410"/>
-                </a:cubicBezTo>
-                <a:cubicBezTo>
-                  <a:pt x="938" y="13517"/>
-                  <a:pt x="381" y="16657"/>
-                  <a:pt x="219" y="19839"/>
-                </a:cubicBezTo>
-                <a:cubicBezTo>
-                  <a:pt x="1" y="24133"/>
-                  <a:pt x="1988" y="26141"/>
-                  <a:pt x="6130" y="26720"/>
-                </a:cubicBezTo>
-                <a:cubicBezTo>
-                  <a:pt x="9755" y="27227"/>
-                  <a:pt x="13382" y="27712"/>
-                  <a:pt x="17036" y="27956"/>
-                </a:cubicBezTo>
-                <a:cubicBezTo>
-                  <a:pt x="18561" y="28056"/>
-                  <a:pt x="20165" y="28248"/>
-                  <a:pt x="21749" y="28248"/>
-                </a:cubicBezTo>
-                <a:cubicBezTo>
-                  <a:pt x="23047" y="28248"/>
-                  <a:pt x="24332" y="28119"/>
-                  <a:pt x="25547" y="27706"/>
-                </a:cubicBezTo>
-                <a:cubicBezTo>
-                  <a:pt x="28287" y="26775"/>
-                  <a:pt x="29435" y="24198"/>
-                  <a:pt x="29933" y="21508"/>
-                </a:cubicBezTo>
-                <a:cubicBezTo>
-                  <a:pt x="30554" y="18140"/>
-                  <a:pt x="30847" y="14721"/>
-                  <a:pt x="31348" y="11337"/>
-                </a:cubicBezTo>
-                <a:cubicBezTo>
-                  <a:pt x="31787" y="8393"/>
-                  <a:pt x="31569" y="5097"/>
-                  <a:pt x="28963" y="3194"/>
-                </a:cubicBezTo>
-                <a:cubicBezTo>
-                  <a:pt x="25477" y="645"/>
-                  <a:pt x="20958" y="0"/>
-                  <a:pt x="16729" y="0"/>
-                </a:cubicBezTo>
-                <a:close/>
-              </a:path>
-            </a:pathLst>
-          </a:custGeom>
-          <a:solidFill>
-            <a:schemeClr val="dk2">
-              <a:alpha val="6700"/>
-            </a:schemeClr>
-          </a:solidFill>
-          <a:ln>
-            <a:noFill/>
-          </a:ln>
-        </p:spPr>
-        <p:txBody>
-          <a:bodyPr spcFirstLastPara="1" wrap="square" lIns="91425" tIns="91425" rIns="91425" bIns="91425" anchor="ctr" anchorCtr="0">
-            <a:noAutofit/>
-          </a:bodyPr>
-          <a:lstStyle/>
-          <a:p>
-            <a:pPr marL="0" lvl="0" indent="0" algn="l" rtl="0">
-              <a:spcBef>
-                <a:spcPts val="0"/>
-              </a:spcBef>
-              <a:spcAft>
-                <a:spcPts val="0"/>
-              </a:spcAft>
-              <a:buNone/>
-            </a:pPr>
-            <a:endParaRPr/>
-          </a:p>
-        </p:txBody>
-      </p:sp>
-      <p:sp>
-        <p:nvSpPr>
-          <p:cNvPr id="189" name="Google Shape;189;p20"/>
-          <p:cNvSpPr/>
-          <p:nvPr/>
-        </p:nvSpPr>
-        <p:spPr>
-          <a:xfrm rot="10285603" flipH="1">
-            <a:off x="6080701" y="3752842"/>
-            <a:ext cx="7471761" cy="4771864"/>
-          </a:xfrm>
-          <a:custGeom>
-            <a:avLst/>
-            <a:gdLst/>
-            <a:ahLst/>
-            <a:cxnLst/>
-            <a:rect l="l" t="t" r="r" b="b"/>
-            <a:pathLst>
-              <a:path w="87791" h="56068" extrusionOk="0">
-                <a:moveTo>
-                  <a:pt x="55192" y="1"/>
-                </a:moveTo>
-                <a:cubicBezTo>
-                  <a:pt x="51710" y="1"/>
-                  <a:pt x="48020" y="921"/>
-                  <a:pt x="44301" y="3305"/>
-                </a:cubicBezTo>
-                <a:cubicBezTo>
-                  <a:pt x="27981" y="13772"/>
-                  <a:pt x="23752" y="23750"/>
-                  <a:pt x="23752" y="23750"/>
-                </a:cubicBezTo>
-                <a:cubicBezTo>
-                  <a:pt x="23752" y="23750"/>
-                  <a:pt x="23199" y="30455"/>
-                  <a:pt x="15945" y="30455"/>
-                </a:cubicBezTo>
-                <a:cubicBezTo>
-                  <a:pt x="15648" y="30455"/>
-                  <a:pt x="15339" y="30443"/>
-                  <a:pt x="15019" y="30420"/>
-                </a:cubicBezTo>
-                <a:cubicBezTo>
-                  <a:pt x="13947" y="30341"/>
-                  <a:pt x="12915" y="30303"/>
-                  <a:pt x="11930" y="30303"/>
-                </a:cubicBezTo>
-                <a:cubicBezTo>
-                  <a:pt x="5447" y="30303"/>
-                  <a:pt x="1013" y="31926"/>
-                  <a:pt x="541" y="33999"/>
-                </a:cubicBezTo>
-                <a:cubicBezTo>
-                  <a:pt x="1" y="36384"/>
-                  <a:pt x="5151" y="43216"/>
-                  <a:pt x="11333" y="45926"/>
-                </a:cubicBezTo>
-                <a:cubicBezTo>
-                  <a:pt x="16519" y="48202"/>
-                  <a:pt x="23841" y="53453"/>
-                  <a:pt x="30900" y="53453"/>
-                </a:cubicBezTo>
-                <a:cubicBezTo>
-                  <a:pt x="32256" y="53453"/>
-                  <a:pt x="33602" y="53259"/>
-                  <a:pt x="34921" y="52814"/>
-                </a:cubicBezTo>
-                <a:cubicBezTo>
-                  <a:pt x="43110" y="50048"/>
-                  <a:pt x="85188" y="56067"/>
-                  <a:pt x="86489" y="38010"/>
-                </a:cubicBezTo>
-                <a:cubicBezTo>
-                  <a:pt x="87791" y="19953"/>
-                  <a:pt x="76403" y="10573"/>
-                  <a:pt x="76403" y="10573"/>
-                </a:cubicBezTo>
-                <a:cubicBezTo>
-                  <a:pt x="76403" y="10573"/>
-                  <a:pt x="66995" y="1"/>
-                  <a:pt x="55192" y="1"/>
-                </a:cubicBezTo>
-                <a:close/>
-              </a:path>
-            </a:pathLst>
-          </a:custGeom>
-          <a:solidFill>
-            <a:schemeClr val="accent1">
-              <a:alpha val="46370"/>
-            </a:schemeClr>
-          </a:solidFill>
-          <a:ln>
-            <a:noFill/>
-          </a:ln>
-        </p:spPr>
-        <p:txBody>
-          <a:bodyPr spcFirstLastPara="1" wrap="square" lIns="91425" tIns="91425" rIns="91425" bIns="91425" anchor="ctr" anchorCtr="0">
-            <a:noAutofit/>
-          </a:bodyPr>
-          <a:lstStyle/>
-          <a:p>
-            <a:pPr marL="0" lvl="0" indent="0" algn="l" rtl="0">
-              <a:spcBef>
-                <a:spcPts val="0"/>
-              </a:spcBef>
-              <a:spcAft>
-                <a:spcPts val="0"/>
-              </a:spcAft>
-              <a:buNone/>
-            </a:pPr>
-            <a:endParaRPr/>
-          </a:p>
-        </p:txBody>
-      </p:sp>
-      <p:sp>
-        <p:nvSpPr>
-          <p:cNvPr id="190" name="Google Shape;190;p20"/>
-          <p:cNvSpPr/>
-          <p:nvPr/>
-        </p:nvSpPr>
-        <p:spPr>
-          <a:xfrm rot="7426355" flipH="1">
-            <a:off x="6582052" y="1132830"/>
-            <a:ext cx="7826046" cy="2877838"/>
-          </a:xfrm>
-          <a:custGeom>
-            <a:avLst/>
-            <a:gdLst/>
-            <a:ahLst/>
-            <a:cxnLst/>
-            <a:rect l="l" t="t" r="r" b="b"/>
-            <a:pathLst>
-              <a:path w="76674" h="28195" fill="none" extrusionOk="0">
-                <a:moveTo>
-                  <a:pt x="76673" y="0"/>
-                </a:moveTo>
-                <a:cubicBezTo>
-                  <a:pt x="76673" y="0"/>
-                  <a:pt x="67374" y="14124"/>
-                  <a:pt x="60786" y="16430"/>
-                </a:cubicBezTo>
-                <a:cubicBezTo>
-                  <a:pt x="52981" y="19160"/>
-                  <a:pt x="39856" y="7047"/>
-                  <a:pt x="24779" y="17621"/>
-                </a:cubicBezTo>
-                <a:cubicBezTo>
-                  <a:pt x="9706" y="28195"/>
-                  <a:pt x="1302" y="23045"/>
-                  <a:pt x="1" y="9868"/>
-                </a:cubicBezTo>
-              </a:path>
-            </a:pathLst>
-          </a:custGeom>
-          <a:noFill/>
-          <a:ln w="28575" cap="flat" cmpd="sng">
-            <a:solidFill>
-              <a:schemeClr val="accent3"/>
-            </a:solidFill>
-            <a:prstDash val="solid"/>
-            <a:miter lim="3253"/>
-            <a:headEnd type="none" w="sm" len="sm"/>
-            <a:tailEnd type="none" w="sm" len="sm"/>
-          </a:ln>
-        </p:spPr>
-        <p:txBody>
-          <a:bodyPr spcFirstLastPara="1" wrap="square" lIns="91425" tIns="91425" rIns="91425" bIns="91425" anchor="ctr" anchorCtr="0">
-            <a:noAutofit/>
-          </a:bodyPr>
-          <a:lstStyle/>
-          <a:p>
-            <a:pPr marL="0" lvl="0" indent="0" algn="l" rtl="0">
-              <a:spcBef>
-                <a:spcPts val="0"/>
-              </a:spcBef>
-              <a:spcAft>
-                <a:spcPts val="0"/>
-              </a:spcAft>
-              <a:buNone/>
-            </a:pPr>
-            <a:endParaRPr/>
-          </a:p>
-        </p:txBody>
-      </p:sp>
-      <p:sp>
-        <p:nvSpPr>
-          <p:cNvPr id="191" name="Google Shape;191;p20"/>
-          <p:cNvSpPr txBox="1">
-            <a:spLocks noGrp="1"/>
-          </p:cNvSpPr>
-          <p:nvPr>
-            <p:ph type="title"/>
-          </p:nvPr>
-        </p:nvSpPr>
-        <p:spPr>
-          <a:xfrm flipH="1">
-            <a:off x="719925" y="437700"/>
-            <a:ext cx="7704000" cy="657900"/>
-          </a:xfrm>
-          <a:prstGeom prst="rect">
-            <a:avLst/>
-          </a:prstGeom>
-          <a:noFill/>
-          <a:ln>
-            <a:noFill/>
-          </a:ln>
-        </p:spPr>
-        <p:txBody>
-          <a:bodyPr spcFirstLastPara="1" wrap="square" lIns="91425" tIns="91425" rIns="91425" bIns="91425" anchor="ctr" anchorCtr="0">
-            <a:noAutofit/>
-          </a:bodyPr>
-          <a:lstStyle>
-            <a:lvl1pPr lvl="0" rtl="0">
-              <a:spcBef>
-                <a:spcPts val="0"/>
-              </a:spcBef>
-              <a:spcAft>
-                <a:spcPts val="0"/>
-              </a:spcAft>
-              <a:buSzPts val="2800"/>
-              <a:buNone/>
-              <a:defRPr sz="3000">
-                <a:latin typeface="Kulim Park"/>
-                <a:ea typeface="Kulim Park"/>
-                <a:cs typeface="Kulim Park"/>
-                <a:sym typeface="Kulim Park"/>
-              </a:defRPr>
-            </a:lvl1pPr>
-            <a:lvl2pPr lvl="1" rtl="0">
-              <a:spcBef>
-                <a:spcPts val="0"/>
-              </a:spcBef>
-              <a:spcAft>
-                <a:spcPts val="0"/>
-              </a:spcAft>
-              <a:buSzPts val="3500"/>
-              <a:buNone/>
-              <a:defRPr/>
-            </a:lvl2pPr>
-            <a:lvl3pPr lvl="2" rtl="0">
-              <a:spcBef>
-                <a:spcPts val="0"/>
-              </a:spcBef>
-              <a:spcAft>
-                <a:spcPts val="0"/>
-              </a:spcAft>
-              <a:buSzPts val="3500"/>
-              <a:buNone/>
-              <a:defRPr/>
-            </a:lvl3pPr>
-            <a:lvl4pPr lvl="3" rtl="0">
-              <a:spcBef>
-                <a:spcPts val="0"/>
-              </a:spcBef>
-              <a:spcAft>
-                <a:spcPts val="0"/>
-              </a:spcAft>
-              <a:buSzPts val="3500"/>
-              <a:buNone/>
-              <a:defRPr/>
-            </a:lvl4pPr>
-            <a:lvl5pPr lvl="4" rtl="0">
-              <a:spcBef>
-                <a:spcPts val="0"/>
-              </a:spcBef>
-              <a:spcAft>
-                <a:spcPts val="0"/>
-              </a:spcAft>
-              <a:buSzPts val="3500"/>
-              <a:buNone/>
-              <a:defRPr/>
-            </a:lvl5pPr>
-            <a:lvl6pPr lvl="5" rtl="0">
-              <a:spcBef>
-                <a:spcPts val="0"/>
-              </a:spcBef>
-              <a:spcAft>
-                <a:spcPts val="0"/>
-              </a:spcAft>
-              <a:buSzPts val="3500"/>
-              <a:buNone/>
-              <a:defRPr/>
-            </a:lvl6pPr>
-            <a:lvl7pPr lvl="6" rtl="0">
-              <a:spcBef>
-                <a:spcPts val="0"/>
-              </a:spcBef>
-              <a:spcAft>
-                <a:spcPts val="0"/>
-              </a:spcAft>
-              <a:buSzPts val="3500"/>
-              <a:buNone/>
-              <a:defRPr/>
-            </a:lvl7pPr>
-            <a:lvl8pPr lvl="7" rtl="0">
-              <a:spcBef>
-                <a:spcPts val="0"/>
-              </a:spcBef>
-              <a:spcAft>
-                <a:spcPts val="0"/>
-              </a:spcAft>
-              <a:buSzPts val="3500"/>
-              <a:buNone/>
-              <a:defRPr/>
-            </a:lvl8pPr>
-            <a:lvl9pPr lvl="8" rtl="0">
-              <a:spcBef>
-                <a:spcPts val="0"/>
-              </a:spcBef>
-              <a:spcAft>
-                <a:spcPts val="0"/>
-              </a:spcAft>
-              <a:buSzPts val="3500"/>
-              <a:buNone/>
-              <a:defRPr/>
-            </a:lvl9pPr>
-          </a:lstStyle>
-          <a:p>
-            <a:endParaRPr/>
-          </a:p>
-        </p:txBody>
-      </p:sp>
-    </p:spTree>
-  </p:cSld>
-  <p:clrMapOvr>
-    <a:masterClrMapping/>
-  </p:clrMapOvr>
-</p:sldLayout>
-</file>
-
-<file path=ppt/slideLayouts/slideLayout9.xml><?xml version="1.0" encoding="utf-8"?>
 <p:sldLayout xmlns:a="http://schemas.openxmlformats.org/drawingml/2006/main" xmlns:r="http://schemas.openxmlformats.org/officeDocument/2006/relationships" xmlns:p="http://schemas.openxmlformats.org/presentationml/2006/main" matchingName="Title and text">
   <p:cSld name="CUSTOM_15">
     <p:spTree>
@@ -15845,6 +14310,558 @@
                 <a:spcPts val="0"/>
               </a:spcAft>
               <a:buSzPts val="1600"/>
+              <a:buNone/>
+              <a:defRPr/>
+            </a:lvl9pPr>
+          </a:lstStyle>
+          <a:p>
+            <a:endParaRPr/>
+          </a:p>
+        </p:txBody>
+      </p:sp>
+    </p:spTree>
+  </p:cSld>
+  <p:clrMapOvr>
+    <a:masterClrMapping/>
+  </p:clrMapOvr>
+</p:sldLayout>
+</file>
+
+<file path=ppt/slideLayouts/slideLayout9.xml><?xml version="1.0" encoding="utf-8"?>
+<p:sldLayout xmlns:a="http://schemas.openxmlformats.org/drawingml/2006/main" xmlns:r="http://schemas.openxmlformats.org/officeDocument/2006/relationships" xmlns:p="http://schemas.openxmlformats.org/presentationml/2006/main" matchingName="Title and text 1">
+  <p:cSld name="CUSTOM_13">
+    <p:spTree>
+      <p:nvGrpSpPr>
+        <p:cNvPr id="1" name="Shape 212"/>
+        <p:cNvGrpSpPr/>
+        <p:nvPr/>
+      </p:nvGrpSpPr>
+      <p:grpSpPr>
+        <a:xfrm>
+          <a:off x="0" y="0"/>
+          <a:ext cx="0" cy="0"/>
+          <a:chOff x="0" y="0"/>
+          <a:chExt cx="0" cy="0"/>
+        </a:xfrm>
+      </p:grpSpPr>
+      <p:sp>
+        <p:nvSpPr>
+          <p:cNvPr id="213" name="Google Shape;213;p24"/>
+          <p:cNvSpPr/>
+          <p:nvPr/>
+        </p:nvSpPr>
+        <p:spPr>
+          <a:xfrm rot="4102360" flipH="1">
+            <a:off x="-2758583" y="4129685"/>
+            <a:ext cx="7471578" cy="4771747"/>
+          </a:xfrm>
+          <a:custGeom>
+            <a:avLst/>
+            <a:gdLst/>
+            <a:ahLst/>
+            <a:cxnLst/>
+            <a:rect l="l" t="t" r="r" b="b"/>
+            <a:pathLst>
+              <a:path w="87791" h="56068" extrusionOk="0">
+                <a:moveTo>
+                  <a:pt x="55192" y="1"/>
+                </a:moveTo>
+                <a:cubicBezTo>
+                  <a:pt x="51710" y="1"/>
+                  <a:pt x="48020" y="921"/>
+                  <a:pt x="44301" y="3305"/>
+                </a:cubicBezTo>
+                <a:cubicBezTo>
+                  <a:pt x="27981" y="13772"/>
+                  <a:pt x="23752" y="23750"/>
+                  <a:pt x="23752" y="23750"/>
+                </a:cubicBezTo>
+                <a:cubicBezTo>
+                  <a:pt x="23752" y="23750"/>
+                  <a:pt x="23199" y="30455"/>
+                  <a:pt x="15945" y="30455"/>
+                </a:cubicBezTo>
+                <a:cubicBezTo>
+                  <a:pt x="15648" y="30455"/>
+                  <a:pt x="15339" y="30443"/>
+                  <a:pt x="15019" y="30420"/>
+                </a:cubicBezTo>
+                <a:cubicBezTo>
+                  <a:pt x="13947" y="30341"/>
+                  <a:pt x="12915" y="30303"/>
+                  <a:pt x="11930" y="30303"/>
+                </a:cubicBezTo>
+                <a:cubicBezTo>
+                  <a:pt x="5447" y="30303"/>
+                  <a:pt x="1013" y="31926"/>
+                  <a:pt x="541" y="33999"/>
+                </a:cubicBezTo>
+                <a:cubicBezTo>
+                  <a:pt x="1" y="36384"/>
+                  <a:pt x="5151" y="43216"/>
+                  <a:pt x="11333" y="45926"/>
+                </a:cubicBezTo>
+                <a:cubicBezTo>
+                  <a:pt x="16519" y="48202"/>
+                  <a:pt x="23841" y="53453"/>
+                  <a:pt x="30900" y="53453"/>
+                </a:cubicBezTo>
+                <a:cubicBezTo>
+                  <a:pt x="32256" y="53453"/>
+                  <a:pt x="33602" y="53259"/>
+                  <a:pt x="34921" y="52814"/>
+                </a:cubicBezTo>
+                <a:cubicBezTo>
+                  <a:pt x="43110" y="50048"/>
+                  <a:pt x="85188" y="56067"/>
+                  <a:pt x="86489" y="38010"/>
+                </a:cubicBezTo>
+                <a:cubicBezTo>
+                  <a:pt x="87791" y="19953"/>
+                  <a:pt x="76403" y="10573"/>
+                  <a:pt x="76403" y="10573"/>
+                </a:cubicBezTo>
+                <a:cubicBezTo>
+                  <a:pt x="76403" y="10573"/>
+                  <a:pt x="66995" y="1"/>
+                  <a:pt x="55192" y="1"/>
+                </a:cubicBezTo>
+                <a:close/>
+              </a:path>
+            </a:pathLst>
+          </a:custGeom>
+          <a:solidFill>
+            <a:schemeClr val="accent1">
+              <a:alpha val="46370"/>
+            </a:schemeClr>
+          </a:solidFill>
+          <a:ln>
+            <a:noFill/>
+          </a:ln>
+        </p:spPr>
+        <p:txBody>
+          <a:bodyPr spcFirstLastPara="1" wrap="square" lIns="91425" tIns="91425" rIns="91425" bIns="91425" anchor="ctr" anchorCtr="0">
+            <a:noAutofit/>
+          </a:bodyPr>
+          <a:lstStyle/>
+          <a:p>
+            <a:pPr marL="0" lvl="0" indent="0" algn="l" rtl="0">
+              <a:spcBef>
+                <a:spcPts val="0"/>
+              </a:spcBef>
+              <a:spcAft>
+                <a:spcPts val="0"/>
+              </a:spcAft>
+              <a:buNone/>
+            </a:pPr>
+            <a:endParaRPr/>
+          </a:p>
+        </p:txBody>
+      </p:sp>
+      <p:sp>
+        <p:nvSpPr>
+          <p:cNvPr id="214" name="Google Shape;214;p24"/>
+          <p:cNvSpPr/>
+          <p:nvPr/>
+        </p:nvSpPr>
+        <p:spPr>
+          <a:xfrm rot="813319">
+            <a:off x="-4313552" y="-1737023"/>
+            <a:ext cx="6402109" cy="5689153"/>
+          </a:xfrm>
+          <a:custGeom>
+            <a:avLst/>
+            <a:gdLst/>
+            <a:ahLst/>
+            <a:cxnLst/>
+            <a:rect l="l" t="t" r="r" b="b"/>
+            <a:pathLst>
+              <a:path w="31788" h="28248" extrusionOk="0">
+                <a:moveTo>
+                  <a:pt x="16729" y="0"/>
+                </a:moveTo>
+                <a:cubicBezTo>
+                  <a:pt x="16601" y="0"/>
+                  <a:pt x="16474" y="1"/>
+                  <a:pt x="16346" y="2"/>
+                </a:cubicBezTo>
+                <a:cubicBezTo>
+                  <a:pt x="16060" y="2"/>
+                  <a:pt x="15764" y="5"/>
+                  <a:pt x="15461" y="9"/>
+                </a:cubicBezTo>
+                <a:cubicBezTo>
+                  <a:pt x="11690" y="44"/>
+                  <a:pt x="7009" y="207"/>
+                  <a:pt x="4237" y="2881"/>
+                </a:cubicBezTo>
+                <a:cubicBezTo>
+                  <a:pt x="2392" y="4661"/>
+                  <a:pt x="2135" y="8048"/>
+                  <a:pt x="1618" y="10410"/>
+                </a:cubicBezTo>
+                <a:cubicBezTo>
+                  <a:pt x="938" y="13517"/>
+                  <a:pt x="381" y="16657"/>
+                  <a:pt x="219" y="19839"/>
+                </a:cubicBezTo>
+                <a:cubicBezTo>
+                  <a:pt x="1" y="24133"/>
+                  <a:pt x="1988" y="26141"/>
+                  <a:pt x="6130" y="26720"/>
+                </a:cubicBezTo>
+                <a:cubicBezTo>
+                  <a:pt x="9755" y="27227"/>
+                  <a:pt x="13382" y="27712"/>
+                  <a:pt x="17036" y="27956"/>
+                </a:cubicBezTo>
+                <a:cubicBezTo>
+                  <a:pt x="18561" y="28056"/>
+                  <a:pt x="20165" y="28248"/>
+                  <a:pt x="21749" y="28248"/>
+                </a:cubicBezTo>
+                <a:cubicBezTo>
+                  <a:pt x="23047" y="28248"/>
+                  <a:pt x="24332" y="28119"/>
+                  <a:pt x="25547" y="27706"/>
+                </a:cubicBezTo>
+                <a:cubicBezTo>
+                  <a:pt x="28287" y="26775"/>
+                  <a:pt x="29435" y="24198"/>
+                  <a:pt x="29933" y="21508"/>
+                </a:cubicBezTo>
+                <a:cubicBezTo>
+                  <a:pt x="30554" y="18140"/>
+                  <a:pt x="30847" y="14721"/>
+                  <a:pt x="31348" y="11337"/>
+                </a:cubicBezTo>
+                <a:cubicBezTo>
+                  <a:pt x="31787" y="8393"/>
+                  <a:pt x="31569" y="5097"/>
+                  <a:pt x="28963" y="3194"/>
+                </a:cubicBezTo>
+                <a:cubicBezTo>
+                  <a:pt x="25477" y="645"/>
+                  <a:pt x="20958" y="0"/>
+                  <a:pt x="16729" y="0"/>
+                </a:cubicBezTo>
+                <a:close/>
+              </a:path>
+            </a:pathLst>
+          </a:custGeom>
+          <a:solidFill>
+            <a:schemeClr val="dk2">
+              <a:alpha val="6700"/>
+            </a:schemeClr>
+          </a:solidFill>
+          <a:ln>
+            <a:noFill/>
+          </a:ln>
+        </p:spPr>
+        <p:txBody>
+          <a:bodyPr spcFirstLastPara="1" wrap="square" lIns="91425" tIns="91425" rIns="91425" bIns="91425" anchor="ctr" anchorCtr="0">
+            <a:noAutofit/>
+          </a:bodyPr>
+          <a:lstStyle/>
+          <a:p>
+            <a:pPr marL="0" lvl="0" indent="0" algn="l" rtl="0">
+              <a:spcBef>
+                <a:spcPts val="0"/>
+              </a:spcBef>
+              <a:spcAft>
+                <a:spcPts val="0"/>
+              </a:spcAft>
+              <a:buNone/>
+            </a:pPr>
+            <a:endParaRPr/>
+          </a:p>
+        </p:txBody>
+      </p:sp>
+      <p:sp>
+        <p:nvSpPr>
+          <p:cNvPr id="215" name="Google Shape;215;p24"/>
+          <p:cNvSpPr txBox="1">
+            <a:spLocks noGrp="1"/>
+          </p:cNvSpPr>
+          <p:nvPr>
+            <p:ph type="subTitle" idx="1"/>
+          </p:nvPr>
+        </p:nvSpPr>
+        <p:spPr>
+          <a:xfrm>
+            <a:off x="723300" y="3021075"/>
+            <a:ext cx="3394200" cy="1135500"/>
+          </a:xfrm>
+          <a:prstGeom prst="rect">
+            <a:avLst/>
+          </a:prstGeom>
+        </p:spPr>
+        <p:txBody>
+          <a:bodyPr spcFirstLastPara="1" wrap="square" lIns="91425" tIns="91425" rIns="91425" bIns="91425" anchor="t" anchorCtr="0">
+            <a:noAutofit/>
+          </a:bodyPr>
+          <a:lstStyle>
+            <a:lvl1pPr lvl="0" rtl="0">
+              <a:lnSpc>
+                <a:spcPct val="100000"/>
+              </a:lnSpc>
+              <a:spcBef>
+                <a:spcPts val="0"/>
+              </a:spcBef>
+              <a:spcAft>
+                <a:spcPts val="0"/>
+              </a:spcAft>
+              <a:buSzPts val="1600"/>
+              <a:buNone/>
+              <a:defRPr sz="1600"/>
+            </a:lvl1pPr>
+            <a:lvl2pPr lvl="1" algn="ctr" rtl="0">
+              <a:lnSpc>
+                <a:spcPct val="100000"/>
+              </a:lnSpc>
+              <a:spcBef>
+                <a:spcPts val="0"/>
+              </a:spcBef>
+              <a:spcAft>
+                <a:spcPts val="0"/>
+              </a:spcAft>
+              <a:buSzPts val="1600"/>
+              <a:buNone/>
+              <a:defRPr/>
+            </a:lvl2pPr>
+            <a:lvl3pPr lvl="2" algn="ctr" rtl="0">
+              <a:lnSpc>
+                <a:spcPct val="100000"/>
+              </a:lnSpc>
+              <a:spcBef>
+                <a:spcPts val="0"/>
+              </a:spcBef>
+              <a:spcAft>
+                <a:spcPts val="0"/>
+              </a:spcAft>
+              <a:buSzPts val="1600"/>
+              <a:buNone/>
+              <a:defRPr/>
+            </a:lvl3pPr>
+            <a:lvl4pPr lvl="3" algn="ctr" rtl="0">
+              <a:lnSpc>
+                <a:spcPct val="100000"/>
+              </a:lnSpc>
+              <a:spcBef>
+                <a:spcPts val="0"/>
+              </a:spcBef>
+              <a:spcAft>
+                <a:spcPts val="0"/>
+              </a:spcAft>
+              <a:buSzPts val="1600"/>
+              <a:buNone/>
+              <a:defRPr/>
+            </a:lvl4pPr>
+            <a:lvl5pPr lvl="4" algn="ctr" rtl="0">
+              <a:lnSpc>
+                <a:spcPct val="100000"/>
+              </a:lnSpc>
+              <a:spcBef>
+                <a:spcPts val="0"/>
+              </a:spcBef>
+              <a:spcAft>
+                <a:spcPts val="0"/>
+              </a:spcAft>
+              <a:buSzPts val="1600"/>
+              <a:buNone/>
+              <a:defRPr/>
+            </a:lvl5pPr>
+            <a:lvl6pPr lvl="5" algn="ctr" rtl="0">
+              <a:lnSpc>
+                <a:spcPct val="100000"/>
+              </a:lnSpc>
+              <a:spcBef>
+                <a:spcPts val="0"/>
+              </a:spcBef>
+              <a:spcAft>
+                <a:spcPts val="0"/>
+              </a:spcAft>
+              <a:buSzPts val="1600"/>
+              <a:buNone/>
+              <a:defRPr/>
+            </a:lvl6pPr>
+            <a:lvl7pPr lvl="6" algn="ctr" rtl="0">
+              <a:lnSpc>
+                <a:spcPct val="100000"/>
+              </a:lnSpc>
+              <a:spcBef>
+                <a:spcPts val="0"/>
+              </a:spcBef>
+              <a:spcAft>
+                <a:spcPts val="0"/>
+              </a:spcAft>
+              <a:buSzPts val="1600"/>
+              <a:buNone/>
+              <a:defRPr/>
+            </a:lvl7pPr>
+            <a:lvl8pPr lvl="7" algn="ctr" rtl="0">
+              <a:lnSpc>
+                <a:spcPct val="100000"/>
+              </a:lnSpc>
+              <a:spcBef>
+                <a:spcPts val="0"/>
+              </a:spcBef>
+              <a:spcAft>
+                <a:spcPts val="0"/>
+              </a:spcAft>
+              <a:buSzPts val="1600"/>
+              <a:buNone/>
+              <a:defRPr/>
+            </a:lvl8pPr>
+            <a:lvl9pPr lvl="8" algn="ctr" rtl="0">
+              <a:lnSpc>
+                <a:spcPct val="100000"/>
+              </a:lnSpc>
+              <a:spcBef>
+                <a:spcPts val="0"/>
+              </a:spcBef>
+              <a:spcAft>
+                <a:spcPts val="0"/>
+              </a:spcAft>
+              <a:buSzPts val="1600"/>
+              <a:buNone/>
+              <a:defRPr/>
+            </a:lvl9pPr>
+          </a:lstStyle>
+          <a:p>
+            <a:endParaRPr/>
+          </a:p>
+        </p:txBody>
+      </p:sp>
+      <p:sp>
+        <p:nvSpPr>
+          <p:cNvPr id="216" name="Google Shape;216;p24"/>
+          <p:cNvSpPr txBox="1">
+            <a:spLocks noGrp="1"/>
+          </p:cNvSpPr>
+          <p:nvPr>
+            <p:ph type="title"/>
+          </p:nvPr>
+        </p:nvSpPr>
+        <p:spPr>
+          <a:xfrm flipH="1">
+            <a:off x="719825" y="986925"/>
+            <a:ext cx="2888400" cy="1917300"/>
+          </a:xfrm>
+          <a:prstGeom prst="rect">
+            <a:avLst/>
+          </a:prstGeom>
+          <a:noFill/>
+          <a:ln>
+            <a:noFill/>
+          </a:ln>
+        </p:spPr>
+        <p:txBody>
+          <a:bodyPr spcFirstLastPara="1" wrap="square" lIns="91425" tIns="91425" rIns="91425" bIns="91425" anchor="b" anchorCtr="0">
+            <a:noAutofit/>
+          </a:bodyPr>
+          <a:lstStyle>
+            <a:lvl1pPr lvl="0" algn="l" rtl="0">
+              <a:spcBef>
+                <a:spcPts val="0"/>
+              </a:spcBef>
+              <a:spcAft>
+                <a:spcPts val="0"/>
+              </a:spcAft>
+              <a:buSzPts val="2800"/>
+              <a:buNone/>
+              <a:defRPr sz="3000">
+                <a:latin typeface="Kulim Park"/>
+                <a:ea typeface="Kulim Park"/>
+                <a:cs typeface="Kulim Park"/>
+                <a:sym typeface="Kulim Park"/>
+              </a:defRPr>
+            </a:lvl1pPr>
+            <a:lvl2pPr lvl="1" rtl="0">
+              <a:spcBef>
+                <a:spcPts val="0"/>
+              </a:spcBef>
+              <a:spcAft>
+                <a:spcPts val="0"/>
+              </a:spcAft>
+              <a:buSzPts val="3500"/>
+              <a:buNone/>
+              <a:defRPr/>
+            </a:lvl2pPr>
+            <a:lvl3pPr lvl="2" rtl="0">
+              <a:spcBef>
+                <a:spcPts val="0"/>
+              </a:spcBef>
+              <a:spcAft>
+                <a:spcPts val="0"/>
+              </a:spcAft>
+              <a:buSzPts val="3500"/>
+              <a:buNone/>
+              <a:defRPr/>
+            </a:lvl3pPr>
+            <a:lvl4pPr lvl="3" rtl="0">
+              <a:spcBef>
+                <a:spcPts val="0"/>
+              </a:spcBef>
+              <a:spcAft>
+                <a:spcPts val="0"/>
+              </a:spcAft>
+              <a:buSzPts val="3500"/>
+              <a:buNone/>
+              <a:defRPr/>
+            </a:lvl4pPr>
+            <a:lvl5pPr lvl="4" rtl="0">
+              <a:spcBef>
+                <a:spcPts val="0"/>
+              </a:spcBef>
+              <a:spcAft>
+                <a:spcPts val="0"/>
+              </a:spcAft>
+              <a:buSzPts val="3500"/>
+              <a:buNone/>
+              <a:defRPr/>
+            </a:lvl5pPr>
+            <a:lvl6pPr lvl="5" rtl="0">
+              <a:spcBef>
+                <a:spcPts val="0"/>
+              </a:spcBef>
+              <a:spcAft>
+                <a:spcPts val="0"/>
+              </a:spcAft>
+              <a:buSzPts val="3500"/>
+              <a:buNone/>
+              <a:defRPr/>
+            </a:lvl6pPr>
+            <a:lvl7pPr lvl="6" rtl="0">
+              <a:spcBef>
+                <a:spcPts val="0"/>
+              </a:spcBef>
+              <a:spcAft>
+                <a:spcPts val="0"/>
+              </a:spcAft>
+              <a:buSzPts val="3500"/>
+              <a:buNone/>
+              <a:defRPr/>
+            </a:lvl7pPr>
+            <a:lvl8pPr lvl="7" rtl="0">
+              <a:spcBef>
+                <a:spcPts val="0"/>
+              </a:spcBef>
+              <a:spcAft>
+                <a:spcPts val="0"/>
+              </a:spcAft>
+              <a:buSzPts val="3500"/>
+              <a:buNone/>
+              <a:defRPr/>
+            </a:lvl8pPr>
+            <a:lvl9pPr lvl="8" rtl="0">
+              <a:spcBef>
+                <a:spcPts val="0"/>
+              </a:spcBef>
+              <a:spcAft>
+                <a:spcPts val="0"/>
+              </a:spcAft>
+              <a:buSzPts val="3500"/>
               <a:buNone/>
               <a:defRPr/>
             </a:lvl9pPr>
@@ -16407,14 +15424,13 @@
     <p:sldLayoutId id="2147483658" r:id="rId5"/>
     <p:sldLayoutId id="2147483660" r:id="rId6"/>
     <p:sldLayoutId id="2147483663" r:id="rId7"/>
-    <p:sldLayoutId id="2147483666" r:id="rId8"/>
-    <p:sldLayoutId id="2147483669" r:id="rId9"/>
-    <p:sldLayoutId id="2147483670" r:id="rId10"/>
-    <p:sldLayoutId id="2147483674" r:id="rId11"/>
-    <p:sldLayoutId id="2147483694" r:id="rId12"/>
-    <p:sldLayoutId id="2147483695" r:id="rId13"/>
-    <p:sldLayoutId id="2147483696" r:id="rId14"/>
-    <p:sldLayoutId id="2147483697" r:id="rId15"/>
+    <p:sldLayoutId id="2147483669" r:id="rId8"/>
+    <p:sldLayoutId id="2147483670" r:id="rId9"/>
+    <p:sldLayoutId id="2147483674" r:id="rId10"/>
+    <p:sldLayoutId id="2147483694" r:id="rId11"/>
+    <p:sldLayoutId id="2147483695" r:id="rId12"/>
+    <p:sldLayoutId id="2147483696" r:id="rId13"/>
+    <p:sldLayoutId id="2147483697" r:id="rId14"/>
   </p:sldLayoutIdLst>
   <p:hf hdr="0" ftr="0" dt="0"/>
   <p:txStyles>
@@ -36182,5873 +35198,6 @@
 </p:sld>
 </file>
 
-<file path=ppt/slides/slide22.xml><?xml version="1.0" encoding="utf-8"?>
-<p:sld xmlns:a="http://schemas.openxmlformats.org/drawingml/2006/main" xmlns:r="http://schemas.openxmlformats.org/officeDocument/2006/relationships" xmlns:p="http://schemas.openxmlformats.org/presentationml/2006/main">
-  <p:cSld>
-    <p:spTree>
-      <p:nvGrpSpPr>
-        <p:cNvPr id="1" name="Shape 1843"/>
-        <p:cNvGrpSpPr/>
-        <p:nvPr/>
-      </p:nvGrpSpPr>
-      <p:grpSpPr>
-        <a:xfrm>
-          <a:off x="0" y="0"/>
-          <a:ext cx="0" cy="0"/>
-          <a:chOff x="0" y="0"/>
-          <a:chExt cx="0" cy="0"/>
-        </a:xfrm>
-      </p:grpSpPr>
-      <p:sp>
-        <p:nvSpPr>
-          <p:cNvPr id="1844" name="Google Shape;1844;p119"/>
-          <p:cNvSpPr txBox="1">
-            <a:spLocks noGrp="1"/>
-          </p:cNvSpPr>
-          <p:nvPr>
-            <p:ph type="body" idx="4294967295"/>
-          </p:nvPr>
-        </p:nvSpPr>
-        <p:spPr>
-          <a:xfrm>
-            <a:off x="2139775" y="1315575"/>
-            <a:ext cx="4864500" cy="764400"/>
-          </a:xfrm>
-          <a:prstGeom prst="rect">
-            <a:avLst/>
-          </a:prstGeom>
-        </p:spPr>
-        <p:txBody>
-          <a:bodyPr spcFirstLastPara="1" wrap="square" lIns="91425" tIns="91425" rIns="91425" bIns="91425" anchor="t" anchorCtr="0">
-            <a:noAutofit/>
-          </a:bodyPr>
-          <a:lstStyle/>
-          <a:p>
-            <a:pPr marL="0" marR="0" lvl="0" indent="0" algn="ctr" rtl="0">
-              <a:lnSpc>
-                <a:spcPct val="100000"/>
-              </a:lnSpc>
-              <a:spcBef>
-                <a:spcPts val="0"/>
-              </a:spcBef>
-              <a:spcAft>
-                <a:spcPts val="0"/>
-              </a:spcAft>
-              <a:buNone/>
-            </a:pPr>
-            <a:r>
-              <a:rPr lang="en"/>
-              <a:t>Here’s an assortment of alternative resources whose style fits that of this template:</a:t>
-            </a:r>
-            <a:endParaRPr>
-              <a:solidFill>
-                <a:schemeClr val="accent1"/>
-              </a:solidFill>
-            </a:endParaRPr>
-          </a:p>
-        </p:txBody>
-      </p:sp>
-      <p:sp>
-        <p:nvSpPr>
-          <p:cNvPr id="1845" name="Google Shape;1845;p119"/>
-          <p:cNvSpPr txBox="1">
-            <a:spLocks noGrp="1"/>
-          </p:cNvSpPr>
-          <p:nvPr>
-            <p:ph type="title"/>
-          </p:nvPr>
-        </p:nvSpPr>
-        <p:spPr>
-          <a:xfrm flipH="1">
-            <a:off x="719925" y="437700"/>
-            <a:ext cx="7704000" cy="657900"/>
-          </a:xfrm>
-          <a:prstGeom prst="rect">
-            <a:avLst/>
-          </a:prstGeom>
-        </p:spPr>
-        <p:txBody>
-          <a:bodyPr spcFirstLastPara="1" wrap="square" lIns="91425" tIns="91425" rIns="91425" bIns="91425" anchor="ctr" anchorCtr="0">
-            <a:noAutofit/>
-          </a:bodyPr>
-          <a:lstStyle/>
-          <a:p>
-            <a:pPr marL="0" lvl="0" indent="0" algn="ctr" rtl="0">
-              <a:spcBef>
-                <a:spcPts val="0"/>
-              </a:spcBef>
-              <a:spcAft>
-                <a:spcPts val="0"/>
-              </a:spcAft>
-              <a:buNone/>
-            </a:pPr>
-            <a:r>
-              <a:rPr lang="en"/>
-              <a:t>ALTERNATIVE RESOURCES</a:t>
-            </a:r>
-            <a:endParaRPr/>
-          </a:p>
-        </p:txBody>
-      </p:sp>
-      <p:grpSp>
-        <p:nvGrpSpPr>
-          <p:cNvPr id="1846" name="Google Shape;1846;p119"/>
-          <p:cNvGrpSpPr/>
-          <p:nvPr/>
-        </p:nvGrpSpPr>
-        <p:grpSpPr>
-          <a:xfrm>
-            <a:off x="1155660" y="1966751"/>
-            <a:ext cx="2535236" cy="2617993"/>
-            <a:chOff x="1358848" y="2127088"/>
-            <a:chExt cx="2224867" cy="2297493"/>
-          </a:xfrm>
-        </p:grpSpPr>
-        <p:sp>
-          <p:nvSpPr>
-            <p:cNvPr id="1847" name="Google Shape;1847;p119"/>
-            <p:cNvSpPr/>
-            <p:nvPr/>
-          </p:nvSpPr>
-          <p:spPr>
-            <a:xfrm rot="2886579">
-              <a:off x="1433165" y="2712969"/>
-              <a:ext cx="2076551" cy="1125731"/>
-            </a:xfrm>
-            <a:custGeom>
-              <a:avLst/>
-              <a:gdLst/>
-              <a:ahLst/>
-              <a:cxnLst/>
-              <a:rect l="l" t="t" r="r" b="b"/>
-              <a:pathLst>
-                <a:path w="25157" h="13638" extrusionOk="0">
-                  <a:moveTo>
-                    <a:pt x="14708" y="1"/>
-                  </a:moveTo>
-                  <a:cubicBezTo>
-                    <a:pt x="14585" y="1"/>
-                    <a:pt x="14464" y="4"/>
-                    <a:pt x="14348" y="12"/>
-                  </a:cubicBezTo>
-                  <a:lnTo>
-                    <a:pt x="13928" y="38"/>
-                  </a:lnTo>
-                  <a:cubicBezTo>
-                    <a:pt x="12367" y="135"/>
-                    <a:pt x="10753" y="236"/>
-                    <a:pt x="9273" y="741"/>
-                  </a:cubicBezTo>
-                  <a:cubicBezTo>
-                    <a:pt x="8186" y="1108"/>
-                    <a:pt x="6787" y="1674"/>
-                    <a:pt x="5635" y="2768"/>
-                  </a:cubicBezTo>
-                  <a:lnTo>
-                    <a:pt x="5476" y="2920"/>
-                  </a:lnTo>
-                  <a:cubicBezTo>
-                    <a:pt x="4815" y="3552"/>
-                    <a:pt x="4129" y="4199"/>
-                    <a:pt x="3420" y="4765"/>
-                  </a:cubicBezTo>
-                  <a:cubicBezTo>
-                    <a:pt x="3299" y="4863"/>
-                    <a:pt x="3172" y="4957"/>
-                    <a:pt x="3049" y="5051"/>
-                  </a:cubicBezTo>
-                  <a:cubicBezTo>
-                    <a:pt x="2619" y="5380"/>
-                    <a:pt x="2177" y="5715"/>
-                    <a:pt x="1829" y="6148"/>
-                  </a:cubicBezTo>
-                  <a:cubicBezTo>
-                    <a:pt x="3" y="8403"/>
-                    <a:pt x="0" y="12053"/>
-                    <a:pt x="39" y="13120"/>
-                  </a:cubicBezTo>
-                  <a:lnTo>
-                    <a:pt x="205" y="13114"/>
-                  </a:lnTo>
-                  <a:cubicBezTo>
-                    <a:pt x="166" y="12063"/>
-                    <a:pt x="169" y="8461"/>
-                    <a:pt x="1959" y="6252"/>
-                  </a:cubicBezTo>
-                  <a:cubicBezTo>
-                    <a:pt x="2294" y="5836"/>
-                    <a:pt x="2730" y="5504"/>
-                    <a:pt x="3150" y="5185"/>
-                  </a:cubicBezTo>
-                  <a:cubicBezTo>
-                    <a:pt x="3276" y="5087"/>
-                    <a:pt x="3400" y="4993"/>
-                    <a:pt x="3524" y="4895"/>
-                  </a:cubicBezTo>
-                  <a:cubicBezTo>
-                    <a:pt x="4239" y="4326"/>
-                    <a:pt x="4926" y="3672"/>
-                    <a:pt x="5590" y="3041"/>
-                  </a:cubicBezTo>
-                  <a:lnTo>
-                    <a:pt x="5752" y="2888"/>
-                  </a:lnTo>
-                  <a:cubicBezTo>
-                    <a:pt x="6878" y="1817"/>
-                    <a:pt x="8254" y="1261"/>
-                    <a:pt x="9328" y="897"/>
-                  </a:cubicBezTo>
-                  <a:cubicBezTo>
-                    <a:pt x="10786" y="402"/>
-                    <a:pt x="12390" y="301"/>
-                    <a:pt x="13941" y="204"/>
-                  </a:cubicBezTo>
-                  <a:lnTo>
-                    <a:pt x="14358" y="178"/>
-                  </a:lnTo>
-                  <a:cubicBezTo>
-                    <a:pt x="14471" y="170"/>
-                    <a:pt x="14588" y="167"/>
-                    <a:pt x="14708" y="167"/>
-                  </a:cubicBezTo>
-                  <a:cubicBezTo>
-                    <a:pt x="16365" y="167"/>
-                    <a:pt x="18619" y="842"/>
-                    <a:pt x="19915" y="1749"/>
-                  </a:cubicBezTo>
-                  <a:cubicBezTo>
-                    <a:pt x="20273" y="2003"/>
-                    <a:pt x="20621" y="2358"/>
-                    <a:pt x="20956" y="2702"/>
-                  </a:cubicBezTo>
-                  <a:cubicBezTo>
-                    <a:pt x="21102" y="2852"/>
-                    <a:pt x="21246" y="2995"/>
-                    <a:pt x="21385" y="3129"/>
-                  </a:cubicBezTo>
-                  <a:cubicBezTo>
-                    <a:pt x="21909" y="3630"/>
-                    <a:pt x="22342" y="4202"/>
-                    <a:pt x="22677" y="4837"/>
-                  </a:cubicBezTo>
-                  <a:cubicBezTo>
-                    <a:pt x="23029" y="5500"/>
-                    <a:pt x="23286" y="6233"/>
-                    <a:pt x="23533" y="6939"/>
-                  </a:cubicBezTo>
-                  <a:cubicBezTo>
-                    <a:pt x="23708" y="7446"/>
-                    <a:pt x="23891" y="7967"/>
-                    <a:pt x="24109" y="8468"/>
-                  </a:cubicBezTo>
-                  <a:cubicBezTo>
-                    <a:pt x="24528" y="9424"/>
-                    <a:pt x="24860" y="10690"/>
-                    <a:pt x="24974" y="11767"/>
-                  </a:cubicBezTo>
-                  <a:cubicBezTo>
-                    <a:pt x="24987" y="11900"/>
-                    <a:pt x="24964" y="12167"/>
-                    <a:pt x="24935" y="12447"/>
-                  </a:cubicBezTo>
-                  <a:cubicBezTo>
-                    <a:pt x="24873" y="13117"/>
-                    <a:pt x="24844" y="13530"/>
-                    <a:pt x="25007" y="13637"/>
-                  </a:cubicBezTo>
-                  <a:lnTo>
-                    <a:pt x="25098" y="13498"/>
-                  </a:lnTo>
-                  <a:cubicBezTo>
-                    <a:pt x="25010" y="13426"/>
-                    <a:pt x="25068" y="12798"/>
-                    <a:pt x="25101" y="12463"/>
-                  </a:cubicBezTo>
-                  <a:cubicBezTo>
-                    <a:pt x="25130" y="12173"/>
-                    <a:pt x="25156" y="11900"/>
-                    <a:pt x="25140" y="11750"/>
-                  </a:cubicBezTo>
-                  <a:cubicBezTo>
-                    <a:pt x="25023" y="10657"/>
-                    <a:pt x="24685" y="9372"/>
-                    <a:pt x="24262" y="8399"/>
-                  </a:cubicBezTo>
-                  <a:cubicBezTo>
-                    <a:pt x="24047" y="7908"/>
-                    <a:pt x="23865" y="7387"/>
-                    <a:pt x="23689" y="6883"/>
-                  </a:cubicBezTo>
-                  <a:cubicBezTo>
-                    <a:pt x="23438" y="6171"/>
-                    <a:pt x="23181" y="5432"/>
-                    <a:pt x="22824" y="4759"/>
-                  </a:cubicBezTo>
-                  <a:cubicBezTo>
-                    <a:pt x="22482" y="4108"/>
-                    <a:pt x="22036" y="3519"/>
-                    <a:pt x="21499" y="3008"/>
-                  </a:cubicBezTo>
-                  <a:cubicBezTo>
-                    <a:pt x="21363" y="2878"/>
-                    <a:pt x="21220" y="2732"/>
-                    <a:pt x="21076" y="2585"/>
-                  </a:cubicBezTo>
-                  <a:cubicBezTo>
-                    <a:pt x="20735" y="2237"/>
-                    <a:pt x="20380" y="1876"/>
-                    <a:pt x="20009" y="1616"/>
-                  </a:cubicBezTo>
-                  <a:cubicBezTo>
-                    <a:pt x="18691" y="688"/>
-                    <a:pt x="16394" y="1"/>
-                    <a:pt x="14708" y="1"/>
-                  </a:cubicBezTo>
-                  <a:close/>
-                </a:path>
-              </a:pathLst>
-            </a:custGeom>
-            <a:solidFill>
-              <a:schemeClr val="dk2"/>
-            </a:solidFill>
-            <a:ln>
-              <a:noFill/>
-            </a:ln>
-          </p:spPr>
-          <p:txBody>
-            <a:bodyPr spcFirstLastPara="1" wrap="square" lIns="91425" tIns="91425" rIns="91425" bIns="91425" anchor="ctr" anchorCtr="0">
-              <a:noAutofit/>
-            </a:bodyPr>
-            <a:lstStyle/>
-            <a:p>
-              <a:pPr marL="0" lvl="0" indent="0" algn="l" rtl="0">
-                <a:spcBef>
-                  <a:spcPts val="0"/>
-                </a:spcBef>
-                <a:spcAft>
-                  <a:spcPts val="0"/>
-                </a:spcAft>
-                <a:buNone/>
-              </a:pPr>
-              <a:endParaRPr/>
-            </a:p>
-          </p:txBody>
-        </p:sp>
-        <p:sp>
-          <p:nvSpPr>
-            <p:cNvPr id="1848" name="Google Shape;1848;p119"/>
-            <p:cNvSpPr/>
-            <p:nvPr/>
-          </p:nvSpPr>
-          <p:spPr>
-            <a:xfrm rot="2886579">
-              <a:off x="2073311" y="3489537"/>
-              <a:ext cx="238799" cy="137188"/>
-            </a:xfrm>
-            <a:custGeom>
-              <a:avLst/>
-              <a:gdLst/>
-              <a:ahLst/>
-              <a:cxnLst/>
-              <a:rect l="l" t="t" r="r" b="b"/>
-              <a:pathLst>
-                <a:path w="2893" h="1662" extrusionOk="0">
-                  <a:moveTo>
-                    <a:pt x="1608" y="0"/>
-                  </a:moveTo>
-                  <a:cubicBezTo>
-                    <a:pt x="1581" y="0"/>
-                    <a:pt x="1554" y="1"/>
-                    <a:pt x="1526" y="2"/>
-                  </a:cubicBezTo>
-                  <a:cubicBezTo>
-                    <a:pt x="1048" y="28"/>
-                    <a:pt x="381" y="328"/>
-                    <a:pt x="134" y="764"/>
-                  </a:cubicBezTo>
-                  <a:cubicBezTo>
-                    <a:pt x="0" y="1008"/>
-                    <a:pt x="0" y="1271"/>
-                    <a:pt x="137" y="1528"/>
-                  </a:cubicBezTo>
-                  <a:lnTo>
-                    <a:pt x="283" y="1450"/>
-                  </a:lnTo>
-                  <a:cubicBezTo>
-                    <a:pt x="173" y="1242"/>
-                    <a:pt x="173" y="1040"/>
-                    <a:pt x="280" y="845"/>
-                  </a:cubicBezTo>
-                  <a:cubicBezTo>
-                    <a:pt x="491" y="471"/>
-                    <a:pt x="1100" y="194"/>
-                    <a:pt x="1533" y="168"/>
-                  </a:cubicBezTo>
-                  <a:cubicBezTo>
-                    <a:pt x="1556" y="167"/>
-                    <a:pt x="1580" y="166"/>
-                    <a:pt x="1603" y="166"/>
-                  </a:cubicBezTo>
-                  <a:cubicBezTo>
-                    <a:pt x="1884" y="166"/>
-                    <a:pt x="2117" y="258"/>
-                    <a:pt x="2304" y="438"/>
-                  </a:cubicBezTo>
-                  <a:cubicBezTo>
-                    <a:pt x="2570" y="699"/>
-                    <a:pt x="2723" y="1154"/>
-                    <a:pt x="2710" y="1655"/>
-                  </a:cubicBezTo>
-                  <a:lnTo>
-                    <a:pt x="2876" y="1662"/>
-                  </a:lnTo>
-                  <a:cubicBezTo>
-                    <a:pt x="2893" y="1105"/>
-                    <a:pt x="2723" y="617"/>
-                    <a:pt x="2418" y="318"/>
-                  </a:cubicBezTo>
-                  <a:cubicBezTo>
-                    <a:pt x="2201" y="108"/>
-                    <a:pt x="1930" y="0"/>
-                    <a:pt x="1608" y="0"/>
-                  </a:cubicBezTo>
-                  <a:close/>
-                </a:path>
-              </a:pathLst>
-            </a:custGeom>
-            <a:solidFill>
-              <a:schemeClr val="dk2"/>
-            </a:solidFill>
-            <a:ln>
-              <a:noFill/>
-            </a:ln>
-          </p:spPr>
-          <p:txBody>
-            <a:bodyPr spcFirstLastPara="1" wrap="square" lIns="91425" tIns="91425" rIns="91425" bIns="91425" anchor="ctr" anchorCtr="0">
-              <a:noAutofit/>
-            </a:bodyPr>
-            <a:lstStyle/>
-            <a:p>
-              <a:pPr marL="0" lvl="0" indent="0" algn="l" rtl="0">
-                <a:spcBef>
-                  <a:spcPts val="0"/>
-                </a:spcBef>
-                <a:spcAft>
-                  <a:spcPts val="0"/>
-                </a:spcAft>
-                <a:buNone/>
-              </a:pPr>
-              <a:endParaRPr/>
-            </a:p>
-          </p:txBody>
-        </p:sp>
-        <p:sp>
-          <p:nvSpPr>
-            <p:cNvPr id="1849" name="Google Shape;1849;p119"/>
-            <p:cNvSpPr/>
-            <p:nvPr/>
-          </p:nvSpPr>
-          <p:spPr>
-            <a:xfrm rot="2886579">
-              <a:off x="2005482" y="3438648"/>
-              <a:ext cx="441856" cy="198022"/>
-            </a:xfrm>
-            <a:custGeom>
-              <a:avLst/>
-              <a:gdLst/>
-              <a:ahLst/>
-              <a:cxnLst/>
-              <a:rect l="l" t="t" r="r" b="b"/>
-              <a:pathLst>
-                <a:path w="5353" h="2399" extrusionOk="0">
-                  <a:moveTo>
-                    <a:pt x="3207" y="0"/>
-                  </a:moveTo>
-                  <a:cubicBezTo>
-                    <a:pt x="2969" y="0"/>
-                    <a:pt x="2706" y="39"/>
-                    <a:pt x="2405" y="102"/>
-                  </a:cubicBezTo>
-                  <a:cubicBezTo>
-                    <a:pt x="1799" y="225"/>
-                    <a:pt x="443" y="873"/>
-                    <a:pt x="117" y="1615"/>
-                  </a:cubicBezTo>
-                  <a:cubicBezTo>
-                    <a:pt x="0" y="1875"/>
-                    <a:pt x="13" y="2132"/>
-                    <a:pt x="160" y="2370"/>
-                  </a:cubicBezTo>
-                  <a:lnTo>
-                    <a:pt x="300" y="2285"/>
-                  </a:lnTo>
-                  <a:cubicBezTo>
-                    <a:pt x="186" y="2093"/>
-                    <a:pt x="176" y="1895"/>
-                    <a:pt x="267" y="1680"/>
-                  </a:cubicBezTo>
-                  <a:cubicBezTo>
-                    <a:pt x="579" y="977"/>
-                    <a:pt x="1930" y="369"/>
-                    <a:pt x="2440" y="265"/>
-                  </a:cubicBezTo>
-                  <a:cubicBezTo>
-                    <a:pt x="2732" y="204"/>
-                    <a:pt x="2983" y="167"/>
-                    <a:pt x="3205" y="167"/>
-                  </a:cubicBezTo>
-                  <a:cubicBezTo>
-                    <a:pt x="3658" y="167"/>
-                    <a:pt x="3995" y="322"/>
-                    <a:pt x="4324" y="756"/>
-                  </a:cubicBezTo>
-                  <a:cubicBezTo>
-                    <a:pt x="4363" y="808"/>
-                    <a:pt x="4409" y="863"/>
-                    <a:pt x="4451" y="922"/>
-                  </a:cubicBezTo>
-                  <a:cubicBezTo>
-                    <a:pt x="4776" y="1332"/>
-                    <a:pt x="5177" y="1846"/>
-                    <a:pt x="5089" y="2370"/>
-                  </a:cubicBezTo>
-                  <a:lnTo>
-                    <a:pt x="5251" y="2399"/>
-                  </a:lnTo>
-                  <a:cubicBezTo>
-                    <a:pt x="5352" y="1800"/>
-                    <a:pt x="4926" y="1257"/>
-                    <a:pt x="4584" y="818"/>
-                  </a:cubicBezTo>
-                  <a:cubicBezTo>
-                    <a:pt x="4539" y="762"/>
-                    <a:pt x="4497" y="707"/>
-                    <a:pt x="4458" y="655"/>
-                  </a:cubicBezTo>
-                  <a:cubicBezTo>
-                    <a:pt x="4089" y="172"/>
-                    <a:pt x="3706" y="0"/>
-                    <a:pt x="3207" y="0"/>
-                  </a:cubicBezTo>
-                  <a:close/>
-                </a:path>
-              </a:pathLst>
-            </a:custGeom>
-            <a:solidFill>
-              <a:schemeClr val="dk2"/>
-            </a:solidFill>
-            <a:ln>
-              <a:noFill/>
-            </a:ln>
-          </p:spPr>
-          <p:txBody>
-            <a:bodyPr spcFirstLastPara="1" wrap="square" lIns="91425" tIns="91425" rIns="91425" bIns="91425" anchor="ctr" anchorCtr="0">
-              <a:noAutofit/>
-            </a:bodyPr>
-            <a:lstStyle/>
-            <a:p>
-              <a:pPr marL="0" lvl="0" indent="0" algn="l" rtl="0">
-                <a:spcBef>
-                  <a:spcPts val="0"/>
-                </a:spcBef>
-                <a:spcAft>
-                  <a:spcPts val="0"/>
-                </a:spcAft>
-                <a:buNone/>
-              </a:pPr>
-              <a:endParaRPr/>
-            </a:p>
-          </p:txBody>
-        </p:sp>
-        <p:sp>
-          <p:nvSpPr>
-            <p:cNvPr id="1850" name="Google Shape;1850;p119"/>
-            <p:cNvSpPr/>
-            <p:nvPr/>
-          </p:nvSpPr>
-          <p:spPr>
-            <a:xfrm rot="2886579">
-              <a:off x="1938642" y="3360674"/>
-              <a:ext cx="606779" cy="317958"/>
-            </a:xfrm>
-            <a:custGeom>
-              <a:avLst/>
-              <a:gdLst/>
-              <a:ahLst/>
-              <a:cxnLst/>
-              <a:rect l="l" t="t" r="r" b="b"/>
-              <a:pathLst>
-                <a:path w="7351" h="3852" extrusionOk="0">
-                  <a:moveTo>
-                    <a:pt x="4496" y="0"/>
-                  </a:moveTo>
-                  <a:cubicBezTo>
-                    <a:pt x="4451" y="0"/>
-                    <a:pt x="4404" y="1"/>
-                    <a:pt x="4357" y="2"/>
-                  </a:cubicBezTo>
-                  <a:cubicBezTo>
-                    <a:pt x="1601" y="87"/>
-                    <a:pt x="17" y="1404"/>
-                    <a:pt x="1" y="3620"/>
-                  </a:cubicBezTo>
-                  <a:lnTo>
-                    <a:pt x="170" y="3623"/>
-                  </a:lnTo>
-                  <a:cubicBezTo>
-                    <a:pt x="186" y="620"/>
-                    <a:pt x="3108" y="207"/>
-                    <a:pt x="4360" y="168"/>
-                  </a:cubicBezTo>
-                  <a:cubicBezTo>
-                    <a:pt x="4413" y="166"/>
-                    <a:pt x="4464" y="165"/>
-                    <a:pt x="4514" y="165"/>
-                  </a:cubicBezTo>
-                  <a:cubicBezTo>
-                    <a:pt x="5662" y="165"/>
-                    <a:pt x="6117" y="632"/>
-                    <a:pt x="6628" y="1577"/>
-                  </a:cubicBezTo>
-                  <a:cubicBezTo>
-                    <a:pt x="6989" y="2241"/>
-                    <a:pt x="7181" y="3106"/>
-                    <a:pt x="7132" y="3841"/>
-                  </a:cubicBezTo>
-                  <a:lnTo>
-                    <a:pt x="7298" y="3851"/>
-                  </a:lnTo>
-                  <a:cubicBezTo>
-                    <a:pt x="7350" y="3090"/>
-                    <a:pt x="7149" y="2189"/>
-                    <a:pt x="6774" y="1499"/>
-                  </a:cubicBezTo>
-                  <a:cubicBezTo>
-                    <a:pt x="6241" y="510"/>
-                    <a:pt x="5729" y="0"/>
-                    <a:pt x="4496" y="0"/>
-                  </a:cubicBezTo>
-                  <a:close/>
-                </a:path>
-              </a:pathLst>
-            </a:custGeom>
-            <a:solidFill>
-              <a:schemeClr val="dk2"/>
-            </a:solidFill>
-            <a:ln>
-              <a:noFill/>
-            </a:ln>
-          </p:spPr>
-          <p:txBody>
-            <a:bodyPr spcFirstLastPara="1" wrap="square" lIns="91425" tIns="91425" rIns="91425" bIns="91425" anchor="ctr" anchorCtr="0">
-              <a:noAutofit/>
-            </a:bodyPr>
-            <a:lstStyle/>
-            <a:p>
-              <a:pPr marL="0" lvl="0" indent="0" algn="l" rtl="0">
-                <a:spcBef>
-                  <a:spcPts val="0"/>
-                </a:spcBef>
-                <a:spcAft>
-                  <a:spcPts val="0"/>
-                </a:spcAft>
-                <a:buNone/>
-              </a:pPr>
-              <a:endParaRPr/>
-            </a:p>
-          </p:txBody>
-        </p:sp>
-        <p:sp>
-          <p:nvSpPr>
-            <p:cNvPr id="1851" name="Google Shape;1851;p119"/>
-            <p:cNvSpPr/>
-            <p:nvPr/>
-          </p:nvSpPr>
-          <p:spPr>
-            <a:xfrm rot="2886579">
-              <a:off x="1823678" y="3322492"/>
-              <a:ext cx="839799" cy="390101"/>
-            </a:xfrm>
-            <a:custGeom>
-              <a:avLst/>
-              <a:gdLst/>
-              <a:ahLst/>
-              <a:cxnLst/>
-              <a:rect l="l" t="t" r="r" b="b"/>
-              <a:pathLst>
-                <a:path w="10174" h="4726" extrusionOk="0">
-                  <a:moveTo>
-                    <a:pt x="5931" y="1"/>
-                  </a:moveTo>
-                  <a:cubicBezTo>
-                    <a:pt x="5631" y="1"/>
-                    <a:pt x="5312" y="36"/>
-                    <a:pt x="4968" y="106"/>
-                  </a:cubicBezTo>
-                  <a:cubicBezTo>
-                    <a:pt x="4786" y="142"/>
-                    <a:pt x="4588" y="177"/>
-                    <a:pt x="4379" y="216"/>
-                  </a:cubicBezTo>
-                  <a:cubicBezTo>
-                    <a:pt x="3400" y="389"/>
-                    <a:pt x="2183" y="607"/>
-                    <a:pt x="1451" y="1202"/>
-                  </a:cubicBezTo>
-                  <a:cubicBezTo>
-                    <a:pt x="537" y="1947"/>
-                    <a:pt x="0" y="3151"/>
-                    <a:pt x="16" y="4426"/>
-                  </a:cubicBezTo>
-                  <a:lnTo>
-                    <a:pt x="182" y="4426"/>
-                  </a:lnTo>
-                  <a:cubicBezTo>
-                    <a:pt x="169" y="3200"/>
-                    <a:pt x="683" y="2045"/>
-                    <a:pt x="1559" y="1329"/>
-                  </a:cubicBezTo>
-                  <a:cubicBezTo>
-                    <a:pt x="2255" y="763"/>
-                    <a:pt x="3449" y="548"/>
-                    <a:pt x="4409" y="379"/>
-                  </a:cubicBezTo>
-                  <a:cubicBezTo>
-                    <a:pt x="4617" y="340"/>
-                    <a:pt x="4819" y="307"/>
-                    <a:pt x="5001" y="268"/>
-                  </a:cubicBezTo>
-                  <a:cubicBezTo>
-                    <a:pt x="5329" y="203"/>
-                    <a:pt x="5634" y="169"/>
-                    <a:pt x="5921" y="169"/>
-                  </a:cubicBezTo>
-                  <a:cubicBezTo>
-                    <a:pt x="6868" y="169"/>
-                    <a:pt x="7615" y="538"/>
-                    <a:pt x="8365" y="1345"/>
-                  </a:cubicBezTo>
-                  <a:cubicBezTo>
-                    <a:pt x="9100" y="2136"/>
-                    <a:pt x="9715" y="3398"/>
-                    <a:pt x="10011" y="4726"/>
-                  </a:cubicBezTo>
-                  <a:lnTo>
-                    <a:pt x="10174" y="4690"/>
-                  </a:lnTo>
-                  <a:cubicBezTo>
-                    <a:pt x="9871" y="3337"/>
-                    <a:pt x="9240" y="2042"/>
-                    <a:pt x="8485" y="1231"/>
-                  </a:cubicBezTo>
-                  <a:cubicBezTo>
-                    <a:pt x="7703" y="390"/>
-                    <a:pt x="6922" y="1"/>
-                    <a:pt x="5931" y="1"/>
-                  </a:cubicBezTo>
-                  <a:close/>
-                </a:path>
-              </a:pathLst>
-            </a:custGeom>
-            <a:solidFill>
-              <a:schemeClr val="dk2"/>
-            </a:solidFill>
-            <a:ln>
-              <a:noFill/>
-            </a:ln>
-          </p:spPr>
-          <p:txBody>
-            <a:bodyPr spcFirstLastPara="1" wrap="square" lIns="91425" tIns="91425" rIns="91425" bIns="91425" anchor="ctr" anchorCtr="0">
-              <a:noAutofit/>
-            </a:bodyPr>
-            <a:lstStyle/>
-            <a:p>
-              <a:pPr marL="0" lvl="0" indent="0" algn="l" rtl="0">
-                <a:spcBef>
-                  <a:spcPts val="0"/>
-                </a:spcBef>
-                <a:spcAft>
-                  <a:spcPts val="0"/>
-                </a:spcAft>
-                <a:buNone/>
-              </a:pPr>
-              <a:endParaRPr/>
-            </a:p>
-          </p:txBody>
-        </p:sp>
-        <p:sp>
-          <p:nvSpPr>
-            <p:cNvPr id="1852" name="Google Shape;1852;p119"/>
-            <p:cNvSpPr/>
-            <p:nvPr/>
-          </p:nvSpPr>
-          <p:spPr>
-            <a:xfrm rot="2886579">
-              <a:off x="1780007" y="3229132"/>
-              <a:ext cx="998036" cy="498481"/>
-            </a:xfrm>
-            <a:custGeom>
-              <a:avLst/>
-              <a:gdLst/>
-              <a:ahLst/>
-              <a:cxnLst/>
-              <a:rect l="l" t="t" r="r" b="b"/>
-              <a:pathLst>
-                <a:path w="12091" h="6039" extrusionOk="0">
-                  <a:moveTo>
-                    <a:pt x="6742" y="1"/>
-                  </a:moveTo>
-                  <a:cubicBezTo>
-                    <a:pt x="6174" y="1"/>
-                    <a:pt x="5550" y="116"/>
-                    <a:pt x="4916" y="348"/>
-                  </a:cubicBezTo>
-                  <a:cubicBezTo>
-                    <a:pt x="4783" y="397"/>
-                    <a:pt x="4649" y="445"/>
-                    <a:pt x="4513" y="494"/>
-                  </a:cubicBezTo>
-                  <a:cubicBezTo>
-                    <a:pt x="3329" y="914"/>
-                    <a:pt x="2108" y="1350"/>
-                    <a:pt x="1422" y="2450"/>
-                  </a:cubicBezTo>
-                  <a:lnTo>
-                    <a:pt x="1341" y="2577"/>
-                  </a:lnTo>
-                  <a:cubicBezTo>
-                    <a:pt x="713" y="3582"/>
-                    <a:pt x="0" y="4724"/>
-                    <a:pt x="29" y="5947"/>
-                  </a:cubicBezTo>
-                  <a:lnTo>
-                    <a:pt x="199" y="5941"/>
-                  </a:lnTo>
-                  <a:cubicBezTo>
-                    <a:pt x="166" y="4769"/>
-                    <a:pt x="866" y="3650"/>
-                    <a:pt x="1484" y="2664"/>
-                  </a:cubicBezTo>
-                  <a:lnTo>
-                    <a:pt x="1562" y="2538"/>
-                  </a:lnTo>
-                  <a:cubicBezTo>
-                    <a:pt x="2219" y="1487"/>
-                    <a:pt x="3413" y="1064"/>
-                    <a:pt x="4568" y="650"/>
-                  </a:cubicBezTo>
-                  <a:cubicBezTo>
-                    <a:pt x="4705" y="602"/>
-                    <a:pt x="4838" y="553"/>
-                    <a:pt x="4972" y="507"/>
-                  </a:cubicBezTo>
-                  <a:cubicBezTo>
-                    <a:pt x="5590" y="281"/>
-                    <a:pt x="6196" y="168"/>
-                    <a:pt x="6744" y="168"/>
-                  </a:cubicBezTo>
-                  <a:cubicBezTo>
-                    <a:pt x="7316" y="168"/>
-                    <a:pt x="7823" y="291"/>
-                    <a:pt x="8215" y="537"/>
-                  </a:cubicBezTo>
-                  <a:cubicBezTo>
-                    <a:pt x="9419" y="1288"/>
-                    <a:pt x="10298" y="2547"/>
-                    <a:pt x="10821" y="3471"/>
-                  </a:cubicBezTo>
-                  <a:cubicBezTo>
-                    <a:pt x="10913" y="3631"/>
-                    <a:pt x="11017" y="3793"/>
-                    <a:pt x="11114" y="3953"/>
-                  </a:cubicBezTo>
-                  <a:cubicBezTo>
-                    <a:pt x="11280" y="4220"/>
-                    <a:pt x="11453" y="4493"/>
-                    <a:pt x="11579" y="4763"/>
-                  </a:cubicBezTo>
-                  <a:cubicBezTo>
-                    <a:pt x="11661" y="4939"/>
-                    <a:pt x="11706" y="5163"/>
-                    <a:pt x="11749" y="5375"/>
-                  </a:cubicBezTo>
-                  <a:cubicBezTo>
-                    <a:pt x="11797" y="5612"/>
-                    <a:pt x="11846" y="5853"/>
-                    <a:pt x="11944" y="6038"/>
-                  </a:cubicBezTo>
-                  <a:lnTo>
-                    <a:pt x="12090" y="5960"/>
-                  </a:lnTo>
-                  <a:cubicBezTo>
-                    <a:pt x="12002" y="5798"/>
-                    <a:pt x="11960" y="5576"/>
-                    <a:pt x="11911" y="5342"/>
-                  </a:cubicBezTo>
-                  <a:cubicBezTo>
-                    <a:pt x="11866" y="5121"/>
-                    <a:pt x="11820" y="4887"/>
-                    <a:pt x="11729" y="4695"/>
-                  </a:cubicBezTo>
-                  <a:cubicBezTo>
-                    <a:pt x="11602" y="4415"/>
-                    <a:pt x="11427" y="4135"/>
-                    <a:pt x="11254" y="3865"/>
-                  </a:cubicBezTo>
-                  <a:cubicBezTo>
-                    <a:pt x="11157" y="3706"/>
-                    <a:pt x="11056" y="3546"/>
-                    <a:pt x="10968" y="3390"/>
-                  </a:cubicBezTo>
-                  <a:cubicBezTo>
-                    <a:pt x="10431" y="2446"/>
-                    <a:pt x="9536" y="1165"/>
-                    <a:pt x="8306" y="393"/>
-                  </a:cubicBezTo>
-                  <a:cubicBezTo>
-                    <a:pt x="7887" y="132"/>
-                    <a:pt x="7346" y="1"/>
-                    <a:pt x="6742" y="1"/>
-                  </a:cubicBezTo>
-                  <a:close/>
-                </a:path>
-              </a:pathLst>
-            </a:custGeom>
-            <a:solidFill>
-              <a:schemeClr val="dk2"/>
-            </a:solidFill>
-            <a:ln>
-              <a:noFill/>
-            </a:ln>
-          </p:spPr>
-          <p:txBody>
-            <a:bodyPr spcFirstLastPara="1" wrap="square" lIns="91425" tIns="91425" rIns="91425" bIns="91425" anchor="ctr" anchorCtr="0">
-              <a:noAutofit/>
-            </a:bodyPr>
-            <a:lstStyle/>
-            <a:p>
-              <a:pPr marL="0" lvl="0" indent="0" algn="l" rtl="0">
-                <a:spcBef>
-                  <a:spcPts val="0"/>
-                </a:spcBef>
-                <a:spcAft>
-                  <a:spcPts val="0"/>
-                </a:spcAft>
-                <a:buNone/>
-              </a:pPr>
-              <a:endParaRPr/>
-            </a:p>
-          </p:txBody>
-        </p:sp>
-        <p:sp>
-          <p:nvSpPr>
-            <p:cNvPr id="1853" name="Google Shape;1853;p119"/>
-            <p:cNvSpPr/>
-            <p:nvPr/>
-          </p:nvSpPr>
-          <p:spPr>
-            <a:xfrm rot="2886579">
-              <a:off x="1704892" y="3154809"/>
-              <a:ext cx="1173936" cy="622214"/>
-            </a:xfrm>
-            <a:custGeom>
-              <a:avLst/>
-              <a:gdLst/>
-              <a:ahLst/>
-              <a:cxnLst/>
-              <a:rect l="l" t="t" r="r" b="b"/>
-              <a:pathLst>
-                <a:path w="14222" h="7538" extrusionOk="0">
-                  <a:moveTo>
-                    <a:pt x="8255" y="1"/>
-                  </a:moveTo>
-                  <a:cubicBezTo>
-                    <a:pt x="7349" y="1"/>
-                    <a:pt x="6343" y="179"/>
-                    <a:pt x="5587" y="429"/>
-                  </a:cubicBezTo>
-                  <a:cubicBezTo>
-                    <a:pt x="3941" y="972"/>
-                    <a:pt x="2239" y="1626"/>
-                    <a:pt x="1143" y="3090"/>
-                  </a:cubicBezTo>
-                  <a:cubicBezTo>
-                    <a:pt x="755" y="3608"/>
-                    <a:pt x="567" y="4223"/>
-                    <a:pt x="407" y="4808"/>
-                  </a:cubicBezTo>
-                  <a:cubicBezTo>
-                    <a:pt x="254" y="5365"/>
-                    <a:pt x="1" y="6412"/>
-                    <a:pt x="40" y="7138"/>
-                  </a:cubicBezTo>
-                  <a:lnTo>
-                    <a:pt x="206" y="7131"/>
-                  </a:lnTo>
-                  <a:cubicBezTo>
-                    <a:pt x="170" y="6425"/>
-                    <a:pt x="417" y="5400"/>
-                    <a:pt x="567" y="4850"/>
-                  </a:cubicBezTo>
-                  <a:cubicBezTo>
-                    <a:pt x="723" y="4281"/>
-                    <a:pt x="905" y="3686"/>
-                    <a:pt x="1276" y="3191"/>
-                  </a:cubicBezTo>
-                  <a:cubicBezTo>
-                    <a:pt x="2346" y="1763"/>
-                    <a:pt x="3950" y="1145"/>
-                    <a:pt x="5639" y="588"/>
-                  </a:cubicBezTo>
-                  <a:cubicBezTo>
-                    <a:pt x="6383" y="342"/>
-                    <a:pt x="7369" y="166"/>
-                    <a:pt x="8253" y="166"/>
-                  </a:cubicBezTo>
-                  <a:cubicBezTo>
-                    <a:pt x="8710" y="166"/>
-                    <a:pt x="9139" y="213"/>
-                    <a:pt x="9494" y="322"/>
-                  </a:cubicBezTo>
-                  <a:cubicBezTo>
-                    <a:pt x="10548" y="647"/>
-                    <a:pt x="11684" y="1792"/>
-                    <a:pt x="12963" y="3832"/>
-                  </a:cubicBezTo>
-                  <a:cubicBezTo>
-                    <a:pt x="13288" y="4353"/>
-                    <a:pt x="13408" y="4883"/>
-                    <a:pt x="13538" y="5446"/>
-                  </a:cubicBezTo>
-                  <a:cubicBezTo>
-                    <a:pt x="13597" y="5703"/>
-                    <a:pt x="13659" y="5970"/>
-                    <a:pt x="13743" y="6240"/>
-                  </a:cubicBezTo>
-                  <a:cubicBezTo>
-                    <a:pt x="13773" y="6344"/>
-                    <a:pt x="13821" y="6542"/>
-                    <a:pt x="13870" y="6751"/>
-                  </a:cubicBezTo>
-                  <a:cubicBezTo>
-                    <a:pt x="14017" y="7372"/>
-                    <a:pt x="14056" y="7496"/>
-                    <a:pt x="14105" y="7538"/>
-                  </a:cubicBezTo>
-                  <a:lnTo>
-                    <a:pt x="14222" y="7417"/>
-                  </a:lnTo>
-                  <a:cubicBezTo>
-                    <a:pt x="14186" y="7362"/>
-                    <a:pt x="14095" y="6972"/>
-                    <a:pt x="14033" y="6711"/>
-                  </a:cubicBezTo>
-                  <a:cubicBezTo>
-                    <a:pt x="13981" y="6500"/>
-                    <a:pt x="13935" y="6298"/>
-                    <a:pt x="13903" y="6191"/>
-                  </a:cubicBezTo>
-                  <a:cubicBezTo>
-                    <a:pt x="13821" y="5927"/>
-                    <a:pt x="13760" y="5664"/>
-                    <a:pt x="13701" y="5407"/>
-                  </a:cubicBezTo>
-                  <a:cubicBezTo>
-                    <a:pt x="13568" y="4831"/>
-                    <a:pt x="13444" y="4288"/>
-                    <a:pt x="13102" y="3744"/>
-                  </a:cubicBezTo>
-                  <a:cubicBezTo>
-                    <a:pt x="11801" y="1669"/>
-                    <a:pt x="10636" y="497"/>
-                    <a:pt x="9543" y="162"/>
-                  </a:cubicBezTo>
-                  <a:cubicBezTo>
-                    <a:pt x="9174" y="49"/>
-                    <a:pt x="8728" y="1"/>
-                    <a:pt x="8255" y="1"/>
-                  </a:cubicBezTo>
-                  <a:close/>
-                </a:path>
-              </a:pathLst>
-            </a:custGeom>
-            <a:solidFill>
-              <a:schemeClr val="dk2"/>
-            </a:solidFill>
-            <a:ln>
-              <a:noFill/>
-            </a:ln>
-          </p:spPr>
-          <p:txBody>
-            <a:bodyPr spcFirstLastPara="1" wrap="square" lIns="91425" tIns="91425" rIns="91425" bIns="91425" anchor="ctr" anchorCtr="0">
-              <a:noAutofit/>
-            </a:bodyPr>
-            <a:lstStyle/>
-            <a:p>
-              <a:pPr marL="0" lvl="0" indent="0" algn="l" rtl="0">
-                <a:spcBef>
-                  <a:spcPts val="0"/>
-                </a:spcBef>
-                <a:spcAft>
-                  <a:spcPts val="0"/>
-                </a:spcAft>
-                <a:buNone/>
-              </a:pPr>
-              <a:endParaRPr/>
-            </a:p>
-          </p:txBody>
-        </p:sp>
-        <p:sp>
-          <p:nvSpPr>
-            <p:cNvPr id="1854" name="Google Shape;1854;p119"/>
-            <p:cNvSpPr/>
-            <p:nvPr/>
-          </p:nvSpPr>
-          <p:spPr>
-            <a:xfrm rot="2886579">
-              <a:off x="1666664" y="3042146"/>
-              <a:ext cx="1334566" cy="734556"/>
-            </a:xfrm>
-            <a:custGeom>
-              <a:avLst/>
-              <a:gdLst/>
-              <a:ahLst/>
-              <a:cxnLst/>
-              <a:rect l="l" t="t" r="r" b="b"/>
-              <a:pathLst>
-                <a:path w="16168" h="8899" extrusionOk="0">
-                  <a:moveTo>
-                    <a:pt x="10128" y="1"/>
-                  </a:moveTo>
-                  <a:cubicBezTo>
-                    <a:pt x="8739" y="1"/>
-                    <a:pt x="7144" y="695"/>
-                    <a:pt x="5912" y="1230"/>
-                  </a:cubicBezTo>
-                  <a:cubicBezTo>
-                    <a:pt x="5779" y="1289"/>
-                    <a:pt x="5652" y="1344"/>
-                    <a:pt x="5532" y="1396"/>
-                  </a:cubicBezTo>
-                  <a:cubicBezTo>
-                    <a:pt x="5405" y="1451"/>
-                    <a:pt x="5275" y="1507"/>
-                    <a:pt x="5138" y="1562"/>
-                  </a:cubicBezTo>
-                  <a:cubicBezTo>
-                    <a:pt x="3817" y="2118"/>
-                    <a:pt x="2005" y="2876"/>
-                    <a:pt x="1396" y="4139"/>
-                  </a:cubicBezTo>
-                  <a:cubicBezTo>
-                    <a:pt x="814" y="5349"/>
-                    <a:pt x="127" y="7347"/>
-                    <a:pt x="1" y="8869"/>
-                  </a:cubicBezTo>
-                  <a:lnTo>
-                    <a:pt x="166" y="8882"/>
-                  </a:lnTo>
-                  <a:cubicBezTo>
-                    <a:pt x="290" y="7383"/>
-                    <a:pt x="970" y="5408"/>
-                    <a:pt x="1546" y="4210"/>
-                  </a:cubicBezTo>
-                  <a:cubicBezTo>
-                    <a:pt x="2128" y="3007"/>
-                    <a:pt x="3905" y="2262"/>
-                    <a:pt x="5200" y="1715"/>
-                  </a:cubicBezTo>
-                  <a:cubicBezTo>
-                    <a:pt x="5340" y="1660"/>
-                    <a:pt x="5470" y="1604"/>
-                    <a:pt x="5597" y="1549"/>
-                  </a:cubicBezTo>
-                  <a:cubicBezTo>
-                    <a:pt x="5717" y="1497"/>
-                    <a:pt x="5847" y="1442"/>
-                    <a:pt x="5977" y="1383"/>
-                  </a:cubicBezTo>
-                  <a:cubicBezTo>
-                    <a:pt x="7197" y="853"/>
-                    <a:pt x="8776" y="166"/>
-                    <a:pt x="10130" y="166"/>
-                  </a:cubicBezTo>
-                  <a:cubicBezTo>
-                    <a:pt x="10470" y="166"/>
-                    <a:pt x="10796" y="210"/>
-                    <a:pt x="11098" y="309"/>
-                  </a:cubicBezTo>
-                  <a:cubicBezTo>
-                    <a:pt x="12950" y="924"/>
-                    <a:pt x="14284" y="2476"/>
-                    <a:pt x="15058" y="4916"/>
-                  </a:cubicBezTo>
-                  <a:cubicBezTo>
-                    <a:pt x="15276" y="5606"/>
-                    <a:pt x="15435" y="6371"/>
-                    <a:pt x="15591" y="7113"/>
-                  </a:cubicBezTo>
-                  <a:cubicBezTo>
-                    <a:pt x="15722" y="7747"/>
-                    <a:pt x="15848" y="8342"/>
-                    <a:pt x="16005" y="8899"/>
-                  </a:cubicBezTo>
-                  <a:lnTo>
-                    <a:pt x="16167" y="8853"/>
-                  </a:lnTo>
-                  <a:cubicBezTo>
-                    <a:pt x="16008" y="8303"/>
-                    <a:pt x="15884" y="7708"/>
-                    <a:pt x="15754" y="7077"/>
-                  </a:cubicBezTo>
-                  <a:cubicBezTo>
-                    <a:pt x="15598" y="6335"/>
-                    <a:pt x="15439" y="5564"/>
-                    <a:pt x="15217" y="4864"/>
-                  </a:cubicBezTo>
-                  <a:cubicBezTo>
-                    <a:pt x="14423" y="2372"/>
-                    <a:pt x="13057" y="784"/>
-                    <a:pt x="11150" y="153"/>
-                  </a:cubicBezTo>
-                  <a:cubicBezTo>
-                    <a:pt x="10830" y="47"/>
-                    <a:pt x="10486" y="1"/>
-                    <a:pt x="10128" y="1"/>
-                  </a:cubicBezTo>
-                  <a:close/>
-                </a:path>
-              </a:pathLst>
-            </a:custGeom>
-            <a:solidFill>
-              <a:schemeClr val="dk2"/>
-            </a:solidFill>
-            <a:ln>
-              <a:noFill/>
-            </a:ln>
-          </p:spPr>
-          <p:txBody>
-            <a:bodyPr spcFirstLastPara="1" wrap="square" lIns="91425" tIns="91425" rIns="91425" bIns="91425" anchor="ctr" anchorCtr="0">
-              <a:noAutofit/>
-            </a:bodyPr>
-            <a:lstStyle/>
-            <a:p>
-              <a:pPr marL="0" lvl="0" indent="0" algn="l" rtl="0">
-                <a:spcBef>
-                  <a:spcPts val="0"/>
-                </a:spcBef>
-                <a:spcAft>
-                  <a:spcPts val="0"/>
-                </a:spcAft>
-                <a:buNone/>
-              </a:pPr>
-              <a:endParaRPr/>
-            </a:p>
-          </p:txBody>
-        </p:sp>
-        <p:sp>
-          <p:nvSpPr>
-            <p:cNvPr id="1855" name="Google Shape;1855;p119"/>
-            <p:cNvSpPr/>
-            <p:nvPr/>
-          </p:nvSpPr>
-          <p:spPr>
-            <a:xfrm rot="2886579">
-              <a:off x="1572435" y="2955074"/>
-              <a:ext cx="1513934" cy="838231"/>
-            </a:xfrm>
-            <a:custGeom>
-              <a:avLst/>
-              <a:gdLst/>
-              <a:ahLst/>
-              <a:cxnLst/>
-              <a:rect l="l" t="t" r="r" b="b"/>
-              <a:pathLst>
-                <a:path w="18341" h="10155" extrusionOk="0">
-                  <a:moveTo>
-                    <a:pt x="11725" y="1"/>
-                  </a:moveTo>
-                  <a:cubicBezTo>
-                    <a:pt x="10806" y="1"/>
-                    <a:pt x="9912" y="223"/>
-                    <a:pt x="9048" y="440"/>
-                  </a:cubicBezTo>
-                  <a:lnTo>
-                    <a:pt x="8739" y="514"/>
-                  </a:lnTo>
-                  <a:cubicBezTo>
-                    <a:pt x="6699" y="1015"/>
-                    <a:pt x="3908" y="1702"/>
-                    <a:pt x="2248" y="3602"/>
-                  </a:cubicBezTo>
-                  <a:cubicBezTo>
-                    <a:pt x="2161" y="3703"/>
-                    <a:pt x="2063" y="3804"/>
-                    <a:pt x="1965" y="3911"/>
-                  </a:cubicBezTo>
-                  <a:cubicBezTo>
-                    <a:pt x="1643" y="4256"/>
-                    <a:pt x="1311" y="4614"/>
-                    <a:pt x="1123" y="5011"/>
-                  </a:cubicBezTo>
-                  <a:cubicBezTo>
-                    <a:pt x="1002" y="5274"/>
-                    <a:pt x="960" y="5574"/>
-                    <a:pt x="921" y="5863"/>
-                  </a:cubicBezTo>
-                  <a:cubicBezTo>
-                    <a:pt x="892" y="6065"/>
-                    <a:pt x="866" y="6254"/>
-                    <a:pt x="817" y="6429"/>
-                  </a:cubicBezTo>
-                  <a:cubicBezTo>
-                    <a:pt x="752" y="6664"/>
-                    <a:pt x="670" y="6914"/>
-                    <a:pt x="586" y="7178"/>
-                  </a:cubicBezTo>
-                  <a:cubicBezTo>
-                    <a:pt x="309" y="8033"/>
-                    <a:pt x="0" y="9006"/>
-                    <a:pt x="39" y="9810"/>
-                  </a:cubicBezTo>
-                  <a:lnTo>
-                    <a:pt x="205" y="9800"/>
-                  </a:lnTo>
-                  <a:cubicBezTo>
-                    <a:pt x="166" y="9026"/>
-                    <a:pt x="472" y="8072"/>
-                    <a:pt x="742" y="7230"/>
-                  </a:cubicBezTo>
-                  <a:cubicBezTo>
-                    <a:pt x="830" y="6963"/>
-                    <a:pt x="908" y="6709"/>
-                    <a:pt x="976" y="6475"/>
-                  </a:cubicBezTo>
-                  <a:cubicBezTo>
-                    <a:pt x="1028" y="6286"/>
-                    <a:pt x="1058" y="6084"/>
-                    <a:pt x="1084" y="5886"/>
-                  </a:cubicBezTo>
-                  <a:cubicBezTo>
-                    <a:pt x="1123" y="5609"/>
-                    <a:pt x="1162" y="5323"/>
-                    <a:pt x="1276" y="5082"/>
-                  </a:cubicBezTo>
-                  <a:cubicBezTo>
-                    <a:pt x="1451" y="4708"/>
-                    <a:pt x="1773" y="4360"/>
-                    <a:pt x="2086" y="4025"/>
-                  </a:cubicBezTo>
-                  <a:cubicBezTo>
-                    <a:pt x="2187" y="3918"/>
-                    <a:pt x="2284" y="3814"/>
-                    <a:pt x="2372" y="3709"/>
-                  </a:cubicBezTo>
-                  <a:cubicBezTo>
-                    <a:pt x="3999" y="1852"/>
-                    <a:pt x="6761" y="1172"/>
-                    <a:pt x="8778" y="677"/>
-                  </a:cubicBezTo>
-                  <a:lnTo>
-                    <a:pt x="9087" y="599"/>
-                  </a:lnTo>
-                  <a:cubicBezTo>
-                    <a:pt x="9943" y="388"/>
-                    <a:pt x="10825" y="167"/>
-                    <a:pt x="11722" y="167"/>
-                  </a:cubicBezTo>
-                  <a:cubicBezTo>
-                    <a:pt x="11808" y="167"/>
-                    <a:pt x="11894" y="169"/>
-                    <a:pt x="11980" y="173"/>
-                  </a:cubicBezTo>
-                  <a:cubicBezTo>
-                    <a:pt x="12835" y="215"/>
-                    <a:pt x="13310" y="580"/>
-                    <a:pt x="13971" y="1081"/>
-                  </a:cubicBezTo>
-                  <a:lnTo>
-                    <a:pt x="14003" y="1107"/>
-                  </a:lnTo>
-                  <a:cubicBezTo>
-                    <a:pt x="14690" y="1630"/>
-                    <a:pt x="15305" y="2118"/>
-                    <a:pt x="15887" y="2808"/>
-                  </a:cubicBezTo>
-                  <a:cubicBezTo>
-                    <a:pt x="16453" y="3475"/>
-                    <a:pt x="16730" y="4230"/>
-                    <a:pt x="17019" y="5034"/>
-                  </a:cubicBezTo>
-                  <a:lnTo>
-                    <a:pt x="17111" y="5287"/>
-                  </a:lnTo>
-                  <a:cubicBezTo>
-                    <a:pt x="17693" y="6865"/>
-                    <a:pt x="17917" y="8388"/>
-                    <a:pt x="18152" y="9998"/>
-                  </a:cubicBezTo>
-                  <a:lnTo>
-                    <a:pt x="18174" y="10155"/>
-                  </a:lnTo>
-                  <a:lnTo>
-                    <a:pt x="18340" y="10129"/>
-                  </a:lnTo>
-                  <a:lnTo>
-                    <a:pt x="18318" y="9976"/>
-                  </a:lnTo>
-                  <a:cubicBezTo>
-                    <a:pt x="18080" y="8355"/>
-                    <a:pt x="17856" y="6826"/>
-                    <a:pt x="17267" y="5229"/>
-                  </a:cubicBezTo>
-                  <a:lnTo>
-                    <a:pt x="17176" y="4978"/>
-                  </a:lnTo>
-                  <a:cubicBezTo>
-                    <a:pt x="16880" y="4162"/>
-                    <a:pt x="16600" y="3391"/>
-                    <a:pt x="16014" y="2698"/>
-                  </a:cubicBezTo>
-                  <a:cubicBezTo>
-                    <a:pt x="15422" y="1998"/>
-                    <a:pt x="14797" y="1504"/>
-                    <a:pt x="14104" y="973"/>
-                  </a:cubicBezTo>
-                  <a:lnTo>
-                    <a:pt x="14072" y="950"/>
-                  </a:lnTo>
-                  <a:cubicBezTo>
-                    <a:pt x="13388" y="430"/>
-                    <a:pt x="12894" y="52"/>
-                    <a:pt x="11989" y="7"/>
-                  </a:cubicBezTo>
-                  <a:cubicBezTo>
-                    <a:pt x="11901" y="3"/>
-                    <a:pt x="11813" y="1"/>
-                    <a:pt x="11725" y="1"/>
-                  </a:cubicBezTo>
-                  <a:close/>
-                </a:path>
-              </a:pathLst>
-            </a:custGeom>
-            <a:solidFill>
-              <a:schemeClr val="dk2"/>
-            </a:solidFill>
-            <a:ln>
-              <a:noFill/>
-            </a:ln>
-          </p:spPr>
-          <p:txBody>
-            <a:bodyPr spcFirstLastPara="1" wrap="square" lIns="91425" tIns="91425" rIns="91425" bIns="91425" anchor="ctr" anchorCtr="0">
-              <a:noAutofit/>
-            </a:bodyPr>
-            <a:lstStyle/>
-            <a:p>
-              <a:pPr marL="0" lvl="0" indent="0" algn="l" rtl="0">
-                <a:spcBef>
-                  <a:spcPts val="0"/>
-                </a:spcBef>
-                <a:spcAft>
-                  <a:spcPts val="0"/>
-                </a:spcAft>
-                <a:buNone/>
-              </a:pPr>
-              <a:endParaRPr/>
-            </a:p>
-          </p:txBody>
-        </p:sp>
-        <p:sp>
-          <p:nvSpPr>
-            <p:cNvPr id="1856" name="Google Shape;1856;p119"/>
-            <p:cNvSpPr/>
-            <p:nvPr/>
-          </p:nvSpPr>
-          <p:spPr>
-            <a:xfrm rot="2886579">
-              <a:off x="1490221" y="2876232"/>
-              <a:ext cx="1742249" cy="942154"/>
-            </a:xfrm>
-            <a:custGeom>
-              <a:avLst/>
-              <a:gdLst/>
-              <a:ahLst/>
-              <a:cxnLst/>
-              <a:rect l="l" t="t" r="r" b="b"/>
-              <a:pathLst>
-                <a:path w="21107" h="11414" extrusionOk="0">
-                  <a:moveTo>
-                    <a:pt x="11386" y="0"/>
-                  </a:moveTo>
-                  <a:cubicBezTo>
-                    <a:pt x="10209" y="0"/>
-                    <a:pt x="9074" y="222"/>
-                    <a:pt x="7874" y="667"/>
-                  </a:cubicBezTo>
-                  <a:cubicBezTo>
-                    <a:pt x="5909" y="1396"/>
-                    <a:pt x="3830" y="2720"/>
-                    <a:pt x="2021" y="4395"/>
-                  </a:cubicBezTo>
-                  <a:cubicBezTo>
-                    <a:pt x="255" y="6032"/>
-                    <a:pt x="59" y="8397"/>
-                    <a:pt x="1" y="10880"/>
-                  </a:cubicBezTo>
-                  <a:lnTo>
-                    <a:pt x="167" y="10886"/>
-                  </a:lnTo>
-                  <a:cubicBezTo>
-                    <a:pt x="225" y="8440"/>
-                    <a:pt x="417" y="6110"/>
-                    <a:pt x="2135" y="4516"/>
-                  </a:cubicBezTo>
-                  <a:cubicBezTo>
-                    <a:pt x="3928" y="2857"/>
-                    <a:pt x="5987" y="1545"/>
-                    <a:pt x="7933" y="823"/>
-                  </a:cubicBezTo>
-                  <a:cubicBezTo>
-                    <a:pt x="9112" y="385"/>
-                    <a:pt x="10229" y="168"/>
-                    <a:pt x="11385" y="168"/>
-                  </a:cubicBezTo>
-                  <a:cubicBezTo>
-                    <a:pt x="12421" y="168"/>
-                    <a:pt x="13488" y="342"/>
-                    <a:pt x="14661" y="690"/>
-                  </a:cubicBezTo>
-                  <a:cubicBezTo>
-                    <a:pt x="16509" y="1236"/>
-                    <a:pt x="18380" y="2957"/>
-                    <a:pt x="19018" y="4691"/>
-                  </a:cubicBezTo>
-                  <a:cubicBezTo>
-                    <a:pt x="19476" y="5938"/>
-                    <a:pt x="19818" y="7262"/>
-                    <a:pt x="20150" y="8544"/>
-                  </a:cubicBezTo>
-                  <a:cubicBezTo>
-                    <a:pt x="20397" y="9497"/>
-                    <a:pt x="20651" y="10483"/>
-                    <a:pt x="20947" y="11413"/>
-                  </a:cubicBezTo>
-                  <a:lnTo>
-                    <a:pt x="21106" y="11364"/>
-                  </a:lnTo>
-                  <a:cubicBezTo>
-                    <a:pt x="20810" y="10437"/>
-                    <a:pt x="20557" y="9451"/>
-                    <a:pt x="20309" y="8501"/>
-                  </a:cubicBezTo>
-                  <a:cubicBezTo>
-                    <a:pt x="19977" y="7216"/>
-                    <a:pt x="19633" y="5886"/>
-                    <a:pt x="19174" y="4633"/>
-                  </a:cubicBezTo>
-                  <a:cubicBezTo>
-                    <a:pt x="18520" y="2857"/>
-                    <a:pt x="16600" y="1093"/>
-                    <a:pt x="14710" y="530"/>
-                  </a:cubicBezTo>
-                  <a:cubicBezTo>
-                    <a:pt x="13520" y="177"/>
-                    <a:pt x="12437" y="0"/>
-                    <a:pt x="11386" y="0"/>
-                  </a:cubicBezTo>
-                  <a:close/>
-                </a:path>
-              </a:pathLst>
-            </a:custGeom>
-            <a:solidFill>
-              <a:schemeClr val="dk2"/>
-            </a:solidFill>
-            <a:ln>
-              <a:noFill/>
-            </a:ln>
-          </p:spPr>
-          <p:txBody>
-            <a:bodyPr spcFirstLastPara="1" wrap="square" lIns="91425" tIns="91425" rIns="91425" bIns="91425" anchor="ctr" anchorCtr="0">
-              <a:noAutofit/>
-            </a:bodyPr>
-            <a:lstStyle/>
-            <a:p>
-              <a:pPr marL="0" lvl="0" indent="0" algn="l" rtl="0">
-                <a:spcBef>
-                  <a:spcPts val="0"/>
-                </a:spcBef>
-                <a:spcAft>
-                  <a:spcPts val="0"/>
-                </a:spcAft>
-                <a:buNone/>
-              </a:pPr>
-              <a:endParaRPr/>
-            </a:p>
-          </p:txBody>
-        </p:sp>
-        <p:sp>
-          <p:nvSpPr>
-            <p:cNvPr id="1857" name="Google Shape;1857;p119"/>
-            <p:cNvSpPr/>
-            <p:nvPr/>
-          </p:nvSpPr>
-          <p:spPr>
-            <a:xfrm rot="2886579">
-              <a:off x="1450047" y="2767420"/>
-              <a:ext cx="1898505" cy="1092466"/>
-            </a:xfrm>
-            <a:custGeom>
-              <a:avLst/>
-              <a:gdLst/>
-              <a:ahLst/>
-              <a:cxnLst/>
-              <a:rect l="l" t="t" r="r" b="b"/>
-              <a:pathLst>
-                <a:path w="23000" h="13235" extrusionOk="0">
-                  <a:moveTo>
-                    <a:pt x="13788" y="1"/>
-                  </a:moveTo>
-                  <a:cubicBezTo>
-                    <a:pt x="13285" y="1"/>
-                    <a:pt x="12787" y="66"/>
-                    <a:pt x="12302" y="129"/>
-                  </a:cubicBezTo>
-                  <a:cubicBezTo>
-                    <a:pt x="12152" y="149"/>
-                    <a:pt x="12002" y="168"/>
-                    <a:pt x="11856" y="188"/>
-                  </a:cubicBezTo>
-                  <a:cubicBezTo>
-                    <a:pt x="11544" y="224"/>
-                    <a:pt x="11222" y="237"/>
-                    <a:pt x="10913" y="250"/>
-                  </a:cubicBezTo>
-                  <a:cubicBezTo>
-                    <a:pt x="10405" y="272"/>
-                    <a:pt x="9881" y="295"/>
-                    <a:pt x="9377" y="419"/>
-                  </a:cubicBezTo>
-                  <a:cubicBezTo>
-                    <a:pt x="7919" y="783"/>
-                    <a:pt x="6768" y="1629"/>
-                    <a:pt x="5928" y="2329"/>
-                  </a:cubicBezTo>
-                  <a:cubicBezTo>
-                    <a:pt x="5473" y="2709"/>
-                    <a:pt x="5063" y="3145"/>
-                    <a:pt x="4669" y="3568"/>
-                  </a:cubicBezTo>
-                  <a:cubicBezTo>
-                    <a:pt x="4152" y="4121"/>
-                    <a:pt x="3615" y="4691"/>
-                    <a:pt x="2974" y="5133"/>
-                  </a:cubicBezTo>
-                  <a:cubicBezTo>
-                    <a:pt x="2304" y="5592"/>
-                    <a:pt x="1757" y="6034"/>
-                    <a:pt x="1266" y="6708"/>
-                  </a:cubicBezTo>
-                  <a:cubicBezTo>
-                    <a:pt x="862" y="7264"/>
-                    <a:pt x="755" y="7902"/>
-                    <a:pt x="654" y="8517"/>
-                  </a:cubicBezTo>
-                  <a:cubicBezTo>
-                    <a:pt x="612" y="8761"/>
-                    <a:pt x="570" y="9014"/>
-                    <a:pt x="511" y="9262"/>
-                  </a:cubicBezTo>
-                  <a:cubicBezTo>
-                    <a:pt x="413" y="9662"/>
-                    <a:pt x="378" y="10124"/>
-                    <a:pt x="342" y="10573"/>
-                  </a:cubicBezTo>
-                  <a:cubicBezTo>
-                    <a:pt x="290" y="11220"/>
-                    <a:pt x="238" y="11887"/>
-                    <a:pt x="0" y="12372"/>
-                  </a:cubicBezTo>
-                  <a:lnTo>
-                    <a:pt x="147" y="12444"/>
-                  </a:lnTo>
-                  <a:cubicBezTo>
-                    <a:pt x="400" y="11933"/>
-                    <a:pt x="456" y="11246"/>
-                    <a:pt x="508" y="10586"/>
-                  </a:cubicBezTo>
-                  <a:cubicBezTo>
-                    <a:pt x="540" y="10143"/>
-                    <a:pt x="576" y="9688"/>
-                    <a:pt x="670" y="9301"/>
-                  </a:cubicBezTo>
-                  <a:cubicBezTo>
-                    <a:pt x="732" y="9050"/>
-                    <a:pt x="775" y="8793"/>
-                    <a:pt x="817" y="8546"/>
-                  </a:cubicBezTo>
-                  <a:cubicBezTo>
-                    <a:pt x="921" y="7921"/>
-                    <a:pt x="1019" y="7329"/>
-                    <a:pt x="1399" y="6805"/>
-                  </a:cubicBezTo>
-                  <a:cubicBezTo>
-                    <a:pt x="1878" y="6151"/>
-                    <a:pt x="2392" y="5732"/>
-                    <a:pt x="3068" y="5270"/>
-                  </a:cubicBezTo>
-                  <a:cubicBezTo>
-                    <a:pt x="3726" y="4817"/>
-                    <a:pt x="4266" y="4238"/>
-                    <a:pt x="4789" y="3682"/>
-                  </a:cubicBezTo>
-                  <a:cubicBezTo>
-                    <a:pt x="5183" y="3262"/>
-                    <a:pt x="5587" y="2830"/>
-                    <a:pt x="6036" y="2455"/>
-                  </a:cubicBezTo>
-                  <a:cubicBezTo>
-                    <a:pt x="6862" y="1769"/>
-                    <a:pt x="7991" y="936"/>
-                    <a:pt x="9416" y="581"/>
-                  </a:cubicBezTo>
-                  <a:cubicBezTo>
-                    <a:pt x="9904" y="461"/>
-                    <a:pt x="10421" y="438"/>
-                    <a:pt x="10919" y="415"/>
-                  </a:cubicBezTo>
-                  <a:cubicBezTo>
-                    <a:pt x="11235" y="402"/>
-                    <a:pt x="11557" y="389"/>
-                    <a:pt x="11876" y="350"/>
-                  </a:cubicBezTo>
-                  <a:cubicBezTo>
-                    <a:pt x="12025" y="334"/>
-                    <a:pt x="12175" y="315"/>
-                    <a:pt x="12325" y="295"/>
-                  </a:cubicBezTo>
-                  <a:cubicBezTo>
-                    <a:pt x="12802" y="232"/>
-                    <a:pt x="13293" y="167"/>
-                    <a:pt x="13785" y="167"/>
-                  </a:cubicBezTo>
-                  <a:cubicBezTo>
-                    <a:pt x="13950" y="167"/>
-                    <a:pt x="14115" y="174"/>
-                    <a:pt x="14280" y="191"/>
-                  </a:cubicBezTo>
-                  <a:cubicBezTo>
-                    <a:pt x="15178" y="285"/>
-                    <a:pt x="17420" y="656"/>
-                    <a:pt x="18773" y="2062"/>
-                  </a:cubicBezTo>
-                  <a:cubicBezTo>
-                    <a:pt x="19102" y="2400"/>
-                    <a:pt x="19691" y="3054"/>
-                    <a:pt x="19957" y="3627"/>
-                  </a:cubicBezTo>
-                  <a:cubicBezTo>
-                    <a:pt x="20045" y="3812"/>
-                    <a:pt x="20120" y="4004"/>
-                    <a:pt x="20192" y="4186"/>
-                  </a:cubicBezTo>
-                  <a:cubicBezTo>
-                    <a:pt x="20328" y="4538"/>
-                    <a:pt x="20468" y="4899"/>
-                    <a:pt x="20702" y="5244"/>
-                  </a:cubicBezTo>
-                  <a:cubicBezTo>
-                    <a:pt x="21382" y="6246"/>
-                    <a:pt x="21685" y="7472"/>
-                    <a:pt x="21978" y="8653"/>
-                  </a:cubicBezTo>
-                  <a:cubicBezTo>
-                    <a:pt x="22020" y="8839"/>
-                    <a:pt x="22066" y="9021"/>
-                    <a:pt x="22114" y="9200"/>
-                  </a:cubicBezTo>
-                  <a:cubicBezTo>
-                    <a:pt x="22147" y="9337"/>
-                    <a:pt x="22183" y="9470"/>
-                    <a:pt x="22219" y="9607"/>
-                  </a:cubicBezTo>
-                  <a:cubicBezTo>
-                    <a:pt x="22388" y="10251"/>
-                    <a:pt x="22563" y="10915"/>
-                    <a:pt x="22632" y="11575"/>
-                  </a:cubicBezTo>
-                  <a:cubicBezTo>
-                    <a:pt x="22648" y="11731"/>
-                    <a:pt x="22651" y="11894"/>
-                    <a:pt x="22658" y="12070"/>
-                  </a:cubicBezTo>
-                  <a:cubicBezTo>
-                    <a:pt x="22668" y="12483"/>
-                    <a:pt x="22677" y="12909"/>
-                    <a:pt x="22853" y="13234"/>
-                  </a:cubicBezTo>
-                  <a:lnTo>
-                    <a:pt x="22999" y="13156"/>
-                  </a:lnTo>
-                  <a:cubicBezTo>
-                    <a:pt x="22843" y="12863"/>
-                    <a:pt x="22833" y="12457"/>
-                    <a:pt x="22824" y="12066"/>
-                  </a:cubicBezTo>
-                  <a:cubicBezTo>
-                    <a:pt x="22817" y="11894"/>
-                    <a:pt x="22814" y="11718"/>
-                    <a:pt x="22798" y="11559"/>
-                  </a:cubicBezTo>
-                  <a:cubicBezTo>
-                    <a:pt x="22726" y="10885"/>
-                    <a:pt x="22550" y="10215"/>
-                    <a:pt x="22378" y="9564"/>
-                  </a:cubicBezTo>
-                  <a:cubicBezTo>
-                    <a:pt x="22345" y="9428"/>
-                    <a:pt x="22310" y="9294"/>
-                    <a:pt x="22274" y="9161"/>
-                  </a:cubicBezTo>
-                  <a:cubicBezTo>
-                    <a:pt x="22228" y="8979"/>
-                    <a:pt x="22183" y="8797"/>
-                    <a:pt x="22137" y="8614"/>
-                  </a:cubicBezTo>
-                  <a:cubicBezTo>
-                    <a:pt x="21841" y="7417"/>
-                    <a:pt x="21535" y="6177"/>
-                    <a:pt x="20842" y="5149"/>
-                  </a:cubicBezTo>
-                  <a:cubicBezTo>
-                    <a:pt x="20618" y="4821"/>
-                    <a:pt x="20484" y="4482"/>
-                    <a:pt x="20348" y="4128"/>
-                  </a:cubicBezTo>
-                  <a:cubicBezTo>
-                    <a:pt x="20273" y="3939"/>
-                    <a:pt x="20198" y="3747"/>
-                    <a:pt x="20110" y="3555"/>
-                  </a:cubicBezTo>
-                  <a:cubicBezTo>
-                    <a:pt x="19830" y="2963"/>
-                    <a:pt x="19229" y="2293"/>
-                    <a:pt x="18893" y="1948"/>
-                  </a:cubicBezTo>
-                  <a:cubicBezTo>
-                    <a:pt x="17501" y="503"/>
-                    <a:pt x="15214" y="123"/>
-                    <a:pt x="14296" y="25"/>
-                  </a:cubicBezTo>
-                  <a:cubicBezTo>
-                    <a:pt x="14126" y="8"/>
-                    <a:pt x="13957" y="1"/>
-                    <a:pt x="13788" y="1"/>
-                  </a:cubicBezTo>
-                  <a:close/>
-                </a:path>
-              </a:pathLst>
-            </a:custGeom>
-            <a:solidFill>
-              <a:schemeClr val="dk2"/>
-            </a:solidFill>
-            <a:ln>
-              <a:noFill/>
-            </a:ln>
-          </p:spPr>
-          <p:txBody>
-            <a:bodyPr spcFirstLastPara="1" wrap="square" lIns="91425" tIns="91425" rIns="91425" bIns="91425" anchor="ctr" anchorCtr="0">
-              <a:noAutofit/>
-            </a:bodyPr>
-            <a:lstStyle/>
-            <a:p>
-              <a:pPr marL="0" lvl="0" indent="0" algn="l" rtl="0">
-                <a:spcBef>
-                  <a:spcPts val="0"/>
-                </a:spcBef>
-                <a:spcAft>
-                  <a:spcPts val="0"/>
-                </a:spcAft>
-                <a:buNone/>
-              </a:pPr>
-              <a:endParaRPr/>
-            </a:p>
-          </p:txBody>
-        </p:sp>
-      </p:grpSp>
-      <p:sp>
-        <p:nvSpPr>
-          <p:cNvPr id="1858" name="Google Shape;1858;p119"/>
-          <p:cNvSpPr/>
-          <p:nvPr/>
-        </p:nvSpPr>
-        <p:spPr>
-          <a:xfrm rot="-9485847">
-            <a:off x="3481221" y="2700330"/>
-            <a:ext cx="1530411" cy="1623363"/>
-          </a:xfrm>
-          <a:custGeom>
-            <a:avLst/>
-            <a:gdLst/>
-            <a:ahLst/>
-            <a:cxnLst/>
-            <a:rect l="l" t="t" r="r" b="b"/>
-            <a:pathLst>
-              <a:path w="18358" h="19473" extrusionOk="0">
-                <a:moveTo>
-                  <a:pt x="8261" y="191"/>
-                </a:moveTo>
-                <a:cubicBezTo>
-                  <a:pt x="8488" y="191"/>
-                  <a:pt x="8711" y="204"/>
-                  <a:pt x="8915" y="244"/>
-                </a:cubicBezTo>
-                <a:cubicBezTo>
-                  <a:pt x="8996" y="264"/>
-                  <a:pt x="9185" y="228"/>
-                  <a:pt x="9094" y="394"/>
-                </a:cubicBezTo>
-                <a:cubicBezTo>
-                  <a:pt x="9068" y="446"/>
-                  <a:pt x="8671" y="446"/>
-                  <a:pt x="8616" y="452"/>
-                </a:cubicBezTo>
-                <a:cubicBezTo>
-                  <a:pt x="8329" y="492"/>
-                  <a:pt x="8043" y="527"/>
-                  <a:pt x="7757" y="566"/>
-                </a:cubicBezTo>
-                <a:cubicBezTo>
-                  <a:pt x="7184" y="638"/>
-                  <a:pt x="6611" y="713"/>
-                  <a:pt x="6039" y="781"/>
-                </a:cubicBezTo>
-                <a:cubicBezTo>
-                  <a:pt x="5460" y="849"/>
-                  <a:pt x="4877" y="927"/>
-                  <a:pt x="4295" y="941"/>
-                </a:cubicBezTo>
-                <a:cubicBezTo>
-                  <a:pt x="4037" y="946"/>
-                  <a:pt x="3708" y="979"/>
-                  <a:pt x="3396" y="979"/>
-                </a:cubicBezTo>
-                <a:cubicBezTo>
-                  <a:pt x="3208" y="979"/>
-                  <a:pt x="3025" y="967"/>
-                  <a:pt x="2867" y="930"/>
-                </a:cubicBezTo>
-                <a:lnTo>
-                  <a:pt x="2867" y="930"/>
-                </a:lnTo>
-                <a:cubicBezTo>
-                  <a:pt x="3737" y="486"/>
-                  <a:pt x="4796" y="374"/>
-                  <a:pt x="5759" y="293"/>
-                </a:cubicBezTo>
-                <a:cubicBezTo>
-                  <a:pt x="6263" y="251"/>
-                  <a:pt x="6764" y="231"/>
-                  <a:pt x="7269" y="225"/>
-                </a:cubicBezTo>
-                <a:cubicBezTo>
-                  <a:pt x="7578" y="219"/>
-                  <a:pt x="7924" y="191"/>
-                  <a:pt x="8261" y="191"/>
-                </a:cubicBezTo>
-                <a:close/>
-                <a:moveTo>
-                  <a:pt x="6138" y="2642"/>
-                </a:moveTo>
-                <a:cubicBezTo>
-                  <a:pt x="8181" y="2642"/>
-                  <a:pt x="10207" y="3074"/>
-                  <a:pt x="12194" y="3192"/>
-                </a:cubicBezTo>
-                <a:cubicBezTo>
-                  <a:pt x="11813" y="3278"/>
-                  <a:pt x="11423" y="3309"/>
-                  <a:pt x="11030" y="3309"/>
-                </a:cubicBezTo>
-                <a:cubicBezTo>
-                  <a:pt x="10246" y="3309"/>
-                  <a:pt x="9449" y="3184"/>
-                  <a:pt x="8677" y="3117"/>
-                </a:cubicBezTo>
-                <a:cubicBezTo>
-                  <a:pt x="7435" y="3010"/>
-                  <a:pt x="6198" y="2919"/>
-                  <a:pt x="4972" y="2694"/>
-                </a:cubicBezTo>
-                <a:cubicBezTo>
-                  <a:pt x="5361" y="2658"/>
-                  <a:pt x="5750" y="2642"/>
-                  <a:pt x="6138" y="2642"/>
-                </a:cubicBezTo>
-                <a:close/>
-                <a:moveTo>
-                  <a:pt x="7997" y="4278"/>
-                </a:moveTo>
-                <a:cubicBezTo>
-                  <a:pt x="8724" y="4278"/>
-                  <a:pt x="9471" y="4460"/>
-                  <a:pt x="10128" y="4708"/>
-                </a:cubicBezTo>
-                <a:cubicBezTo>
-                  <a:pt x="10587" y="4880"/>
-                  <a:pt x="11030" y="5098"/>
-                  <a:pt x="11449" y="5349"/>
-                </a:cubicBezTo>
-                <a:cubicBezTo>
-                  <a:pt x="11710" y="5505"/>
-                  <a:pt x="11957" y="5678"/>
-                  <a:pt x="12204" y="5860"/>
-                </a:cubicBezTo>
-                <a:cubicBezTo>
-                  <a:pt x="12326" y="5947"/>
-                  <a:pt x="12535" y="6155"/>
-                  <a:pt x="12669" y="6171"/>
-                </a:cubicBezTo>
-                <a:lnTo>
-                  <a:pt x="12669" y="6171"/>
-                </a:lnTo>
-                <a:cubicBezTo>
-                  <a:pt x="12266" y="6143"/>
-                  <a:pt x="11769" y="5900"/>
-                  <a:pt x="11371" y="5775"/>
-                </a:cubicBezTo>
-                <a:cubicBezTo>
-                  <a:pt x="10844" y="5606"/>
-                  <a:pt x="10317" y="5440"/>
-                  <a:pt x="9793" y="5271"/>
-                </a:cubicBezTo>
-                <a:cubicBezTo>
-                  <a:pt x="9296" y="5115"/>
-                  <a:pt x="8801" y="4955"/>
-                  <a:pt x="8306" y="4799"/>
-                </a:cubicBezTo>
-                <a:cubicBezTo>
-                  <a:pt x="8072" y="4721"/>
-                  <a:pt x="7825" y="4659"/>
-                  <a:pt x="7597" y="4565"/>
-                </a:cubicBezTo>
-                <a:cubicBezTo>
-                  <a:pt x="7462" y="4509"/>
-                  <a:pt x="7336" y="4408"/>
-                  <a:pt x="7197" y="4360"/>
-                </a:cubicBezTo>
-                <a:lnTo>
-                  <a:pt x="7197" y="4360"/>
-                </a:lnTo>
-                <a:cubicBezTo>
-                  <a:pt x="7457" y="4303"/>
-                  <a:pt x="7725" y="4278"/>
-                  <a:pt x="7997" y="4278"/>
-                </a:cubicBezTo>
-                <a:close/>
-                <a:moveTo>
-                  <a:pt x="1438" y="1796"/>
-                </a:moveTo>
-                <a:lnTo>
-                  <a:pt x="1438" y="1796"/>
-                </a:lnTo>
-                <a:cubicBezTo>
-                  <a:pt x="3208" y="3455"/>
-                  <a:pt x="3999" y="5411"/>
-                  <a:pt x="4223" y="7636"/>
-                </a:cubicBezTo>
-                <a:cubicBezTo>
-                  <a:pt x="3101" y="5831"/>
-                  <a:pt x="2206" y="3924"/>
-                  <a:pt x="1438" y="1796"/>
-                </a:cubicBezTo>
-                <a:close/>
-                <a:moveTo>
-                  <a:pt x="4657" y="4488"/>
-                </a:moveTo>
-                <a:cubicBezTo>
-                  <a:pt x="4804" y="4684"/>
-                  <a:pt x="5011" y="4904"/>
-                  <a:pt x="5099" y="5030"/>
-                </a:cubicBezTo>
-                <a:cubicBezTo>
-                  <a:pt x="5375" y="5427"/>
-                  <a:pt x="5652" y="5824"/>
-                  <a:pt x="5918" y="6224"/>
-                </a:cubicBezTo>
-                <a:cubicBezTo>
-                  <a:pt x="6393" y="6930"/>
-                  <a:pt x="6894" y="7656"/>
-                  <a:pt x="7021" y="8518"/>
-                </a:cubicBezTo>
-                <a:cubicBezTo>
-                  <a:pt x="6543" y="7835"/>
-                  <a:pt x="6078" y="7145"/>
-                  <a:pt x="5642" y="6436"/>
-                </a:cubicBezTo>
-                <a:cubicBezTo>
-                  <a:pt x="5249" y="5803"/>
-                  <a:pt x="4957" y="5158"/>
-                  <a:pt x="4657" y="4488"/>
-                </a:cubicBezTo>
-                <a:close/>
-                <a:moveTo>
-                  <a:pt x="9416" y="6676"/>
-                </a:moveTo>
-                <a:lnTo>
-                  <a:pt x="9416" y="6676"/>
-                </a:lnTo>
-                <a:cubicBezTo>
-                  <a:pt x="10499" y="6969"/>
-                  <a:pt x="11583" y="7269"/>
-                  <a:pt x="12624" y="7692"/>
-                </a:cubicBezTo>
-                <a:cubicBezTo>
-                  <a:pt x="13161" y="7910"/>
-                  <a:pt x="13681" y="8154"/>
-                  <a:pt x="14186" y="8437"/>
-                </a:cubicBezTo>
-                <a:cubicBezTo>
-                  <a:pt x="14534" y="8632"/>
-                  <a:pt x="14970" y="9019"/>
-                  <a:pt x="15214" y="9169"/>
-                </a:cubicBezTo>
-                <a:cubicBezTo>
-                  <a:pt x="13232" y="8531"/>
-                  <a:pt x="11043" y="8046"/>
-                  <a:pt x="9416" y="6676"/>
-                </a:cubicBezTo>
-                <a:close/>
-                <a:moveTo>
-                  <a:pt x="7184" y="5707"/>
-                </a:moveTo>
-                <a:lnTo>
-                  <a:pt x="7184" y="5707"/>
-                </a:lnTo>
-                <a:cubicBezTo>
-                  <a:pt x="8648" y="7438"/>
-                  <a:pt x="9679" y="9370"/>
-                  <a:pt x="9709" y="10451"/>
-                </a:cubicBezTo>
-                <a:cubicBezTo>
-                  <a:pt x="8817" y="8847"/>
-                  <a:pt x="7799" y="7386"/>
-                  <a:pt x="7184" y="5707"/>
-                </a:cubicBezTo>
-                <a:close/>
-                <a:moveTo>
-                  <a:pt x="12887" y="10812"/>
-                </a:moveTo>
-                <a:lnTo>
-                  <a:pt x="12887" y="10812"/>
-                </a:lnTo>
-                <a:cubicBezTo>
-                  <a:pt x="14921" y="11088"/>
-                  <a:pt x="16606" y="12178"/>
-                  <a:pt x="17810" y="13824"/>
-                </a:cubicBezTo>
-                <a:cubicBezTo>
-                  <a:pt x="16928" y="13333"/>
-                  <a:pt x="16043" y="12845"/>
-                  <a:pt x="15165" y="12351"/>
-                </a:cubicBezTo>
-                <a:cubicBezTo>
-                  <a:pt x="14449" y="11950"/>
-                  <a:pt x="13317" y="11550"/>
-                  <a:pt x="12887" y="10812"/>
-                </a:cubicBezTo>
-                <a:close/>
-                <a:moveTo>
-                  <a:pt x="13532" y="12438"/>
-                </a:moveTo>
-                <a:cubicBezTo>
-                  <a:pt x="13782" y="13606"/>
-                  <a:pt x="13629" y="14784"/>
-                  <a:pt x="13636" y="15959"/>
-                </a:cubicBezTo>
-                <a:cubicBezTo>
-                  <a:pt x="13128" y="14807"/>
-                  <a:pt x="12848" y="13645"/>
-                  <a:pt x="13532" y="12438"/>
-                </a:cubicBezTo>
-                <a:close/>
-                <a:moveTo>
-                  <a:pt x="14931" y="14817"/>
-                </a:moveTo>
-                <a:lnTo>
-                  <a:pt x="14931" y="14817"/>
-                </a:lnTo>
-                <a:cubicBezTo>
-                  <a:pt x="15406" y="15279"/>
-                  <a:pt x="15861" y="15786"/>
-                  <a:pt x="16095" y="16414"/>
-                </a:cubicBezTo>
-                <a:cubicBezTo>
-                  <a:pt x="16353" y="17101"/>
-                  <a:pt x="16388" y="17883"/>
-                  <a:pt x="16496" y="18606"/>
-                </a:cubicBezTo>
-                <a:lnTo>
-                  <a:pt x="16496" y="18606"/>
-                </a:lnTo>
-                <a:cubicBezTo>
-                  <a:pt x="16034" y="18243"/>
-                  <a:pt x="15814" y="17295"/>
-                  <a:pt x="15581" y="16756"/>
-                </a:cubicBezTo>
-                <a:cubicBezTo>
-                  <a:pt x="15305" y="16108"/>
-                  <a:pt x="15019" y="15516"/>
-                  <a:pt x="14931" y="14817"/>
-                </a:cubicBezTo>
-                <a:close/>
-                <a:moveTo>
-                  <a:pt x="16498" y="18619"/>
-                </a:moveTo>
-                <a:cubicBezTo>
-                  <a:pt x="16498" y="18622"/>
-                  <a:pt x="16498" y="18624"/>
-                  <a:pt x="16499" y="18627"/>
-                </a:cubicBezTo>
-                <a:cubicBezTo>
-                  <a:pt x="16480" y="18632"/>
-                  <a:pt x="16472" y="18635"/>
-                  <a:pt x="16470" y="18635"/>
-                </a:cubicBezTo>
-                <a:cubicBezTo>
-                  <a:pt x="16468" y="18635"/>
-                  <a:pt x="16486" y="18627"/>
-                  <a:pt x="16498" y="18619"/>
-                </a:cubicBezTo>
-                <a:close/>
-                <a:moveTo>
-                  <a:pt x="7620" y="1"/>
-                </a:moveTo>
-                <a:cubicBezTo>
-                  <a:pt x="6436" y="1"/>
-                  <a:pt x="5253" y="81"/>
-                  <a:pt x="4093" y="329"/>
-                </a:cubicBezTo>
-                <a:cubicBezTo>
-                  <a:pt x="3400" y="479"/>
-                  <a:pt x="2717" y="804"/>
-                  <a:pt x="2008" y="866"/>
-                </a:cubicBezTo>
-                <a:cubicBezTo>
-                  <a:pt x="1939" y="871"/>
-                  <a:pt x="1870" y="874"/>
-                  <a:pt x="1801" y="874"/>
-                </a:cubicBezTo>
-                <a:cubicBezTo>
-                  <a:pt x="1555" y="874"/>
-                  <a:pt x="1311" y="837"/>
-                  <a:pt x="1077" y="758"/>
-                </a:cubicBezTo>
-                <a:cubicBezTo>
-                  <a:pt x="797" y="664"/>
-                  <a:pt x="409" y="459"/>
-                  <a:pt x="116" y="459"/>
-                </a:cubicBezTo>
-                <a:cubicBezTo>
-                  <a:pt x="76" y="459"/>
-                  <a:pt x="37" y="463"/>
-                  <a:pt x="0" y="472"/>
-                </a:cubicBezTo>
-                <a:cubicBezTo>
-                  <a:pt x="283" y="599"/>
-                  <a:pt x="781" y="716"/>
-                  <a:pt x="996" y="954"/>
-                </a:cubicBezTo>
-                <a:cubicBezTo>
-                  <a:pt x="1224" y="1204"/>
-                  <a:pt x="1243" y="1747"/>
-                  <a:pt x="1337" y="2060"/>
-                </a:cubicBezTo>
-                <a:cubicBezTo>
-                  <a:pt x="1562" y="2798"/>
-                  <a:pt x="1861" y="3508"/>
-                  <a:pt x="2180" y="4207"/>
-                </a:cubicBezTo>
-                <a:cubicBezTo>
-                  <a:pt x="2502" y="4913"/>
-                  <a:pt x="2818" y="5626"/>
-                  <a:pt x="3172" y="6312"/>
-                </a:cubicBezTo>
-                <a:cubicBezTo>
-                  <a:pt x="3446" y="6839"/>
-                  <a:pt x="3784" y="7870"/>
-                  <a:pt x="4415" y="8056"/>
-                </a:cubicBezTo>
-                <a:cubicBezTo>
-                  <a:pt x="4568" y="6696"/>
-                  <a:pt x="3963" y="5033"/>
-                  <a:pt x="3309" y="3852"/>
-                </a:cubicBezTo>
-                <a:cubicBezTo>
-                  <a:pt x="2948" y="3195"/>
-                  <a:pt x="2470" y="2658"/>
-                  <a:pt x="2004" y="2082"/>
-                </a:cubicBezTo>
-                <a:cubicBezTo>
-                  <a:pt x="1897" y="1952"/>
-                  <a:pt x="1311" y="1367"/>
-                  <a:pt x="1341" y="1230"/>
-                </a:cubicBezTo>
-                <a:cubicBezTo>
-                  <a:pt x="1350" y="1190"/>
-                  <a:pt x="1381" y="1172"/>
-                  <a:pt x="1427" y="1172"/>
-                </a:cubicBezTo>
-                <a:cubicBezTo>
-                  <a:pt x="1654" y="1172"/>
-                  <a:pt x="2247" y="1591"/>
-                  <a:pt x="2385" y="1669"/>
-                </a:cubicBezTo>
-                <a:cubicBezTo>
-                  <a:pt x="3081" y="2073"/>
-                  <a:pt x="3677" y="2349"/>
-                  <a:pt x="3947" y="3163"/>
-                </a:cubicBezTo>
-                <a:cubicBezTo>
-                  <a:pt x="4188" y="3885"/>
-                  <a:pt x="4396" y="4591"/>
-                  <a:pt x="4737" y="5281"/>
-                </a:cubicBezTo>
-                <a:cubicBezTo>
-                  <a:pt x="5072" y="5954"/>
-                  <a:pt x="5466" y="6595"/>
-                  <a:pt x="5870" y="7230"/>
-                </a:cubicBezTo>
-                <a:cubicBezTo>
-                  <a:pt x="6286" y="7880"/>
-                  <a:pt x="6748" y="8905"/>
-                  <a:pt x="7418" y="9296"/>
-                </a:cubicBezTo>
-                <a:cubicBezTo>
-                  <a:pt x="7545" y="8765"/>
-                  <a:pt x="7200" y="8199"/>
-                  <a:pt x="6992" y="7698"/>
-                </a:cubicBezTo>
-                <a:cubicBezTo>
-                  <a:pt x="6745" y="7106"/>
-                  <a:pt x="6445" y="6553"/>
-                  <a:pt x="6078" y="6029"/>
-                </a:cubicBezTo>
-                <a:cubicBezTo>
-                  <a:pt x="5343" y="4975"/>
-                  <a:pt x="4620" y="3979"/>
-                  <a:pt x="4135" y="2775"/>
-                </a:cubicBezTo>
-                <a:lnTo>
-                  <a:pt x="4135" y="2775"/>
-                </a:lnTo>
-                <a:cubicBezTo>
-                  <a:pt x="4900" y="3332"/>
-                  <a:pt x="5700" y="3865"/>
-                  <a:pt x="6416" y="4487"/>
-                </a:cubicBezTo>
-                <a:cubicBezTo>
-                  <a:pt x="6784" y="4806"/>
-                  <a:pt x="6774" y="5115"/>
-                  <a:pt x="6891" y="5564"/>
-                </a:cubicBezTo>
-                <a:cubicBezTo>
-                  <a:pt x="7012" y="6029"/>
-                  <a:pt x="7200" y="6471"/>
-                  <a:pt x="7415" y="6898"/>
-                </a:cubicBezTo>
-                <a:cubicBezTo>
-                  <a:pt x="7841" y="7757"/>
-                  <a:pt x="8323" y="8589"/>
-                  <a:pt x="8801" y="9419"/>
-                </a:cubicBezTo>
-                <a:cubicBezTo>
-                  <a:pt x="9270" y="10233"/>
-                  <a:pt x="9699" y="11088"/>
-                  <a:pt x="10304" y="11807"/>
-                </a:cubicBezTo>
-                <a:cubicBezTo>
-                  <a:pt x="10301" y="10685"/>
-                  <a:pt x="9855" y="9559"/>
-                  <a:pt x="9377" y="8547"/>
-                </a:cubicBezTo>
-                <a:cubicBezTo>
-                  <a:pt x="8847" y="7425"/>
-                  <a:pt x="7926" y="6504"/>
-                  <a:pt x="7480" y="5352"/>
-                </a:cubicBezTo>
-                <a:lnTo>
-                  <a:pt x="7480" y="5352"/>
-                </a:lnTo>
-                <a:cubicBezTo>
-                  <a:pt x="8173" y="5987"/>
-                  <a:pt x="8856" y="6624"/>
-                  <a:pt x="9514" y="7298"/>
-                </a:cubicBezTo>
-                <a:cubicBezTo>
-                  <a:pt x="9800" y="7594"/>
-                  <a:pt x="10168" y="7874"/>
-                  <a:pt x="10385" y="8225"/>
-                </a:cubicBezTo>
-                <a:cubicBezTo>
-                  <a:pt x="10473" y="8362"/>
-                  <a:pt x="10480" y="8547"/>
-                  <a:pt x="10564" y="8677"/>
-                </a:cubicBezTo>
-                <a:cubicBezTo>
-                  <a:pt x="10678" y="8860"/>
-                  <a:pt x="10870" y="8990"/>
-                  <a:pt x="10984" y="9191"/>
-                </a:cubicBezTo>
-                <a:cubicBezTo>
-                  <a:pt x="11352" y="9836"/>
-                  <a:pt x="11680" y="10506"/>
-                  <a:pt x="11889" y="11218"/>
-                </a:cubicBezTo>
-                <a:cubicBezTo>
-                  <a:pt x="12126" y="12028"/>
-                  <a:pt x="12142" y="12858"/>
-                  <a:pt x="12194" y="13694"/>
-                </a:cubicBezTo>
-                <a:cubicBezTo>
-                  <a:pt x="11609" y="13125"/>
-                  <a:pt x="11378" y="12022"/>
-                  <a:pt x="11163" y="11261"/>
-                </a:cubicBezTo>
-                <a:cubicBezTo>
-                  <a:pt x="10926" y="10411"/>
-                  <a:pt x="10867" y="9491"/>
-                  <a:pt x="10558" y="8668"/>
-                </a:cubicBezTo>
-                <a:lnTo>
-                  <a:pt x="10558" y="8668"/>
-                </a:lnTo>
-                <a:cubicBezTo>
-                  <a:pt x="10490" y="9650"/>
-                  <a:pt x="10747" y="10688"/>
-                  <a:pt x="11026" y="11632"/>
-                </a:cubicBezTo>
-                <a:cubicBezTo>
-                  <a:pt x="11163" y="12094"/>
-                  <a:pt x="11329" y="12546"/>
-                  <a:pt x="11521" y="12988"/>
-                </a:cubicBezTo>
-                <a:cubicBezTo>
-                  <a:pt x="11732" y="13480"/>
-                  <a:pt x="11866" y="13974"/>
-                  <a:pt x="12279" y="14319"/>
-                </a:cubicBezTo>
-                <a:cubicBezTo>
-                  <a:pt x="12582" y="13678"/>
-                  <a:pt x="12383" y="12627"/>
-                  <a:pt x="12282" y="11924"/>
-                </a:cubicBezTo>
-                <a:cubicBezTo>
-                  <a:pt x="12165" y="11108"/>
-                  <a:pt x="11889" y="10324"/>
-                  <a:pt x="11576" y="9566"/>
-                </a:cubicBezTo>
-                <a:lnTo>
-                  <a:pt x="11576" y="9566"/>
-                </a:lnTo>
-                <a:cubicBezTo>
-                  <a:pt x="12090" y="10288"/>
-                  <a:pt x="12621" y="10997"/>
-                  <a:pt x="13118" y="11729"/>
-                </a:cubicBezTo>
-                <a:cubicBezTo>
-                  <a:pt x="13297" y="11993"/>
-                  <a:pt x="13362" y="12139"/>
-                  <a:pt x="13252" y="12445"/>
-                </a:cubicBezTo>
-                <a:cubicBezTo>
-                  <a:pt x="13131" y="12770"/>
-                  <a:pt x="13005" y="13070"/>
-                  <a:pt x="12949" y="13414"/>
-                </a:cubicBezTo>
-                <a:cubicBezTo>
-                  <a:pt x="12861" y="14000"/>
-                  <a:pt x="12930" y="14592"/>
-                  <a:pt x="13083" y="15158"/>
-                </a:cubicBezTo>
-                <a:cubicBezTo>
-                  <a:pt x="13239" y="15728"/>
-                  <a:pt x="13428" y="16417"/>
-                  <a:pt x="13870" y="16818"/>
-                </a:cubicBezTo>
-                <a:cubicBezTo>
-                  <a:pt x="13984" y="16222"/>
-                  <a:pt x="13867" y="15627"/>
-                  <a:pt x="13877" y="15028"/>
-                </a:cubicBezTo>
-                <a:cubicBezTo>
-                  <a:pt x="13886" y="14404"/>
-                  <a:pt x="13890" y="13759"/>
-                  <a:pt x="13994" y="13144"/>
-                </a:cubicBezTo>
-                <a:cubicBezTo>
-                  <a:pt x="14293" y="13662"/>
-                  <a:pt x="14644" y="14114"/>
-                  <a:pt x="14680" y="14722"/>
-                </a:cubicBezTo>
-                <a:cubicBezTo>
-                  <a:pt x="14709" y="15272"/>
-                  <a:pt x="14862" y="15806"/>
-                  <a:pt x="15061" y="16317"/>
-                </a:cubicBezTo>
-                <a:cubicBezTo>
-                  <a:pt x="15263" y="16847"/>
-                  <a:pt x="15513" y="17358"/>
-                  <a:pt x="15760" y="17865"/>
-                </a:cubicBezTo>
-                <a:cubicBezTo>
-                  <a:pt x="16030" y="18415"/>
-                  <a:pt x="16268" y="19004"/>
-                  <a:pt x="16665" y="19472"/>
-                </a:cubicBezTo>
-                <a:cubicBezTo>
-                  <a:pt x="16860" y="18864"/>
-                  <a:pt x="16632" y="18047"/>
-                  <a:pt x="16541" y="17420"/>
-                </a:cubicBezTo>
-                <a:cubicBezTo>
-                  <a:pt x="16440" y="16707"/>
-                  <a:pt x="16291" y="16053"/>
-                  <a:pt x="15864" y="15458"/>
-                </a:cubicBezTo>
-                <a:cubicBezTo>
-                  <a:pt x="15441" y="14869"/>
-                  <a:pt x="14905" y="14420"/>
-                  <a:pt x="14550" y="13769"/>
-                </a:cubicBezTo>
-                <a:cubicBezTo>
-                  <a:pt x="14186" y="13096"/>
-                  <a:pt x="13837" y="12412"/>
-                  <a:pt x="13476" y="11736"/>
-                </a:cubicBezTo>
-                <a:lnTo>
-                  <a:pt x="13476" y="11736"/>
-                </a:lnTo>
-                <a:cubicBezTo>
-                  <a:pt x="14124" y="11986"/>
-                  <a:pt x="14719" y="12380"/>
-                  <a:pt x="15321" y="12721"/>
-                </a:cubicBezTo>
-                <a:cubicBezTo>
-                  <a:pt x="15995" y="13102"/>
-                  <a:pt x="16665" y="13483"/>
-                  <a:pt x="17338" y="13863"/>
-                </a:cubicBezTo>
-                <a:cubicBezTo>
-                  <a:pt x="17487" y="13947"/>
-                  <a:pt x="17990" y="14216"/>
-                  <a:pt x="18206" y="14216"/>
-                </a:cubicBezTo>
-                <a:cubicBezTo>
-                  <a:pt x="18327" y="14216"/>
-                  <a:pt x="18358" y="14132"/>
-                  <a:pt x="18187" y="13886"/>
-                </a:cubicBezTo>
-                <a:cubicBezTo>
-                  <a:pt x="17771" y="13288"/>
-                  <a:pt x="17250" y="12725"/>
-                  <a:pt x="16701" y="12243"/>
-                </a:cubicBezTo>
-                <a:cubicBezTo>
-                  <a:pt x="16164" y="11771"/>
-                  <a:pt x="15562" y="11384"/>
-                  <a:pt x="14901" y="11114"/>
-                </a:cubicBezTo>
-                <a:cubicBezTo>
-                  <a:pt x="14267" y="10860"/>
-                  <a:pt x="13603" y="10786"/>
-                  <a:pt x="12959" y="10581"/>
-                </a:cubicBezTo>
-                <a:cubicBezTo>
-                  <a:pt x="12341" y="10382"/>
-                  <a:pt x="11970" y="9728"/>
-                  <a:pt x="11576" y="9247"/>
-                </a:cubicBezTo>
-                <a:cubicBezTo>
-                  <a:pt x="11088" y="8645"/>
-                  <a:pt x="10600" y="8046"/>
-                  <a:pt x="10109" y="7444"/>
-                </a:cubicBezTo>
-                <a:lnTo>
-                  <a:pt x="10109" y="7444"/>
-                </a:lnTo>
-                <a:cubicBezTo>
-                  <a:pt x="11365" y="8199"/>
-                  <a:pt x="12764" y="8651"/>
-                  <a:pt x="14153" y="9094"/>
-                </a:cubicBezTo>
-                <a:cubicBezTo>
-                  <a:pt x="14501" y="9204"/>
-                  <a:pt x="14849" y="9315"/>
-                  <a:pt x="15197" y="9432"/>
-                </a:cubicBezTo>
-                <a:cubicBezTo>
-                  <a:pt x="15386" y="9496"/>
-                  <a:pt x="15770" y="9720"/>
-                  <a:pt x="15997" y="9720"/>
-                </a:cubicBezTo>
-                <a:cubicBezTo>
-                  <a:pt x="16025" y="9720"/>
-                  <a:pt x="16050" y="9716"/>
-                  <a:pt x="16073" y="9709"/>
-                </a:cubicBezTo>
-                <a:cubicBezTo>
-                  <a:pt x="16424" y="9595"/>
-                  <a:pt x="15903" y="9227"/>
-                  <a:pt x="15796" y="9146"/>
-                </a:cubicBezTo>
-                <a:cubicBezTo>
-                  <a:pt x="15481" y="8912"/>
-                  <a:pt x="15162" y="8690"/>
-                  <a:pt x="14827" y="8489"/>
-                </a:cubicBezTo>
-                <a:cubicBezTo>
-                  <a:pt x="13509" y="7685"/>
-                  <a:pt x="12064" y="7184"/>
-                  <a:pt x="10594" y="6748"/>
-                </a:cubicBezTo>
-                <a:cubicBezTo>
-                  <a:pt x="9884" y="6537"/>
-                  <a:pt x="9091" y="6406"/>
-                  <a:pt x="8489" y="5948"/>
-                </a:cubicBezTo>
-                <a:cubicBezTo>
-                  <a:pt x="7945" y="5534"/>
-                  <a:pt x="7444" y="5024"/>
-                  <a:pt x="6930" y="4571"/>
-                </a:cubicBezTo>
-                <a:lnTo>
-                  <a:pt x="6930" y="4571"/>
-                </a:lnTo>
-                <a:cubicBezTo>
-                  <a:pt x="8388" y="5037"/>
-                  <a:pt x="9852" y="5482"/>
-                  <a:pt x="11296" y="5987"/>
-                </a:cubicBezTo>
-                <a:cubicBezTo>
-                  <a:pt x="11667" y="6117"/>
-                  <a:pt x="12042" y="6250"/>
-                  <a:pt x="12412" y="6384"/>
-                </a:cubicBezTo>
-                <a:cubicBezTo>
-                  <a:pt x="12689" y="6481"/>
-                  <a:pt x="13001" y="6660"/>
-                  <a:pt x="13288" y="6696"/>
-                </a:cubicBezTo>
-                <a:cubicBezTo>
-                  <a:pt x="13329" y="6701"/>
-                  <a:pt x="13369" y="6704"/>
-                  <a:pt x="13406" y="6704"/>
-                </a:cubicBezTo>
-                <a:cubicBezTo>
-                  <a:pt x="13659" y="6704"/>
-                  <a:pt x="13771" y="6577"/>
-                  <a:pt x="13515" y="6338"/>
-                </a:cubicBezTo>
-                <a:cubicBezTo>
-                  <a:pt x="13245" y="6084"/>
-                  <a:pt x="12839" y="5899"/>
-                  <a:pt x="12520" y="5707"/>
-                </a:cubicBezTo>
-                <a:cubicBezTo>
-                  <a:pt x="11303" y="4959"/>
-                  <a:pt x="10154" y="4256"/>
-                  <a:pt x="8707" y="4087"/>
-                </a:cubicBezTo>
-                <a:cubicBezTo>
-                  <a:pt x="8445" y="4056"/>
-                  <a:pt x="8184" y="4050"/>
-                  <a:pt x="7922" y="4050"/>
-                </a:cubicBezTo>
-                <a:cubicBezTo>
-                  <a:pt x="7709" y="4050"/>
-                  <a:pt x="7496" y="4054"/>
-                  <a:pt x="7284" y="4054"/>
-                </a:cubicBezTo>
-                <a:cubicBezTo>
-                  <a:pt x="7083" y="4054"/>
-                  <a:pt x="6883" y="4050"/>
-                  <a:pt x="6683" y="4035"/>
-                </a:cubicBezTo>
-                <a:cubicBezTo>
-                  <a:pt x="5970" y="3979"/>
-                  <a:pt x="5447" y="3439"/>
-                  <a:pt x="4907" y="3023"/>
-                </a:cubicBezTo>
-                <a:lnTo>
-                  <a:pt x="4907" y="3023"/>
-                </a:lnTo>
-                <a:cubicBezTo>
-                  <a:pt x="6410" y="3156"/>
-                  <a:pt x="7913" y="3293"/>
-                  <a:pt x="9416" y="3410"/>
-                </a:cubicBezTo>
-                <a:cubicBezTo>
-                  <a:pt x="10141" y="3466"/>
-                  <a:pt x="10927" y="3590"/>
-                  <a:pt x="11691" y="3590"/>
-                </a:cubicBezTo>
-                <a:cubicBezTo>
-                  <a:pt x="12305" y="3590"/>
-                  <a:pt x="12905" y="3510"/>
-                  <a:pt x="13450" y="3250"/>
-                </a:cubicBezTo>
-                <a:cubicBezTo>
-                  <a:pt x="12591" y="2847"/>
-                  <a:pt x="11466" y="2880"/>
-                  <a:pt x="10525" y="2769"/>
-                </a:cubicBezTo>
-                <a:cubicBezTo>
-                  <a:pt x="9445" y="2642"/>
-                  <a:pt x="8362" y="2502"/>
-                  <a:pt x="7275" y="2444"/>
-                </a:cubicBezTo>
-                <a:cubicBezTo>
-                  <a:pt x="7038" y="2431"/>
-                  <a:pt x="6798" y="2427"/>
-                  <a:pt x="6557" y="2427"/>
-                </a:cubicBezTo>
-                <a:cubicBezTo>
-                  <a:pt x="6284" y="2427"/>
-                  <a:pt x="6010" y="2432"/>
-                  <a:pt x="5737" y="2432"/>
-                </a:cubicBezTo>
-                <a:cubicBezTo>
-                  <a:pt x="5287" y="2432"/>
-                  <a:pt x="4838" y="2420"/>
-                  <a:pt x="4399" y="2356"/>
-                </a:cubicBezTo>
-                <a:cubicBezTo>
-                  <a:pt x="3482" y="2226"/>
-                  <a:pt x="2730" y="1614"/>
-                  <a:pt x="1956" y="1145"/>
-                </a:cubicBezTo>
-                <a:lnTo>
-                  <a:pt x="1956" y="1145"/>
-                </a:lnTo>
-                <a:cubicBezTo>
-                  <a:pt x="2406" y="1171"/>
-                  <a:pt x="2858" y="1184"/>
-                  <a:pt x="3309" y="1184"/>
-                </a:cubicBezTo>
-                <a:cubicBezTo>
-                  <a:pt x="4519" y="1184"/>
-                  <a:pt x="5728" y="1094"/>
-                  <a:pt x="6927" y="931"/>
-                </a:cubicBezTo>
-                <a:cubicBezTo>
-                  <a:pt x="7714" y="823"/>
-                  <a:pt x="8498" y="683"/>
-                  <a:pt x="9276" y="518"/>
-                </a:cubicBezTo>
-                <a:cubicBezTo>
-                  <a:pt x="9468" y="475"/>
-                  <a:pt x="10350" y="339"/>
-                  <a:pt x="9774" y="95"/>
-                </a:cubicBezTo>
-                <a:cubicBezTo>
-                  <a:pt x="9614" y="27"/>
-                  <a:pt x="9406" y="13"/>
-                  <a:pt x="9198" y="13"/>
-                </a:cubicBezTo>
-                <a:cubicBezTo>
-                  <a:pt x="9046" y="13"/>
-                  <a:pt x="8893" y="21"/>
-                  <a:pt x="8760" y="21"/>
-                </a:cubicBezTo>
-                <a:cubicBezTo>
-                  <a:pt x="8732" y="21"/>
-                  <a:pt x="8706" y="21"/>
-                  <a:pt x="8681" y="20"/>
-                </a:cubicBezTo>
-                <a:cubicBezTo>
-                  <a:pt x="8327" y="8"/>
-                  <a:pt x="7974" y="1"/>
-                  <a:pt x="7620" y="1"/>
-                </a:cubicBezTo>
-                <a:close/>
-              </a:path>
-            </a:pathLst>
-          </a:custGeom>
-          <a:solidFill>
-            <a:schemeClr val="dk2"/>
-          </a:solidFill>
-          <a:ln>
-            <a:noFill/>
-          </a:ln>
-        </p:spPr>
-        <p:txBody>
-          <a:bodyPr spcFirstLastPara="1" wrap="square" lIns="91425" tIns="91425" rIns="91425" bIns="91425" anchor="ctr" anchorCtr="0">
-            <a:noAutofit/>
-          </a:bodyPr>
-          <a:lstStyle/>
-          <a:p>
-            <a:pPr marL="0" lvl="0" indent="0" algn="l" rtl="0">
-              <a:spcBef>
-                <a:spcPts val="0"/>
-              </a:spcBef>
-              <a:spcAft>
-                <a:spcPts val="0"/>
-              </a:spcAft>
-              <a:buNone/>
-            </a:pPr>
-            <a:endParaRPr/>
-          </a:p>
-        </p:txBody>
-      </p:sp>
-      <p:grpSp>
-        <p:nvGrpSpPr>
-          <p:cNvPr id="1859" name="Google Shape;1859;p119"/>
-          <p:cNvGrpSpPr/>
-          <p:nvPr/>
-        </p:nvGrpSpPr>
-        <p:grpSpPr>
-          <a:xfrm>
-            <a:off x="5131372" y="2473472"/>
-            <a:ext cx="704980" cy="2041081"/>
-            <a:chOff x="5070075" y="2571775"/>
-            <a:chExt cx="618675" cy="1791207"/>
-          </a:xfrm>
-        </p:grpSpPr>
-        <p:sp>
-          <p:nvSpPr>
-            <p:cNvPr id="1860" name="Google Shape;1860;p119"/>
-            <p:cNvSpPr/>
-            <p:nvPr/>
-          </p:nvSpPr>
-          <p:spPr>
-            <a:xfrm>
-              <a:off x="5070075" y="2788511"/>
-              <a:ext cx="132022" cy="224769"/>
-            </a:xfrm>
-            <a:custGeom>
-              <a:avLst/>
-              <a:gdLst/>
-              <a:ahLst/>
-              <a:cxnLst/>
-              <a:rect l="l" t="t" r="r" b="b"/>
-              <a:pathLst>
-                <a:path w="2269" h="3863" extrusionOk="0">
-                  <a:moveTo>
-                    <a:pt x="462" y="1"/>
-                  </a:moveTo>
-                  <a:cubicBezTo>
-                    <a:pt x="439" y="1"/>
-                    <a:pt x="415" y="3"/>
-                    <a:pt x="391" y="7"/>
-                  </a:cubicBezTo>
-                  <a:cubicBezTo>
-                    <a:pt x="199" y="43"/>
-                    <a:pt x="65" y="232"/>
-                    <a:pt x="33" y="424"/>
-                  </a:cubicBezTo>
-                  <a:cubicBezTo>
-                    <a:pt x="0" y="616"/>
-                    <a:pt x="49" y="811"/>
-                    <a:pt x="104" y="1000"/>
-                  </a:cubicBezTo>
-                  <a:cubicBezTo>
-                    <a:pt x="365" y="1859"/>
-                    <a:pt x="794" y="2919"/>
-                    <a:pt x="1448" y="3557"/>
-                  </a:cubicBezTo>
-                  <a:cubicBezTo>
-                    <a:pt x="1669" y="3773"/>
-                    <a:pt x="1814" y="3862"/>
-                    <a:pt x="1902" y="3862"/>
-                  </a:cubicBezTo>
-                  <a:cubicBezTo>
-                    <a:pt x="2269" y="3862"/>
-                    <a:pt x="1681" y="2340"/>
-                    <a:pt x="1552" y="1895"/>
-                  </a:cubicBezTo>
-                  <a:cubicBezTo>
-                    <a:pt x="1412" y="1403"/>
-                    <a:pt x="1269" y="905"/>
-                    <a:pt x="1025" y="456"/>
-                  </a:cubicBezTo>
-                  <a:cubicBezTo>
-                    <a:pt x="904" y="234"/>
-                    <a:pt x="704" y="1"/>
-                    <a:pt x="462" y="1"/>
-                  </a:cubicBezTo>
-                  <a:close/>
-                </a:path>
-              </a:pathLst>
-            </a:custGeom>
-            <a:solidFill>
-              <a:schemeClr val="dk2"/>
-            </a:solidFill>
-            <a:ln>
-              <a:noFill/>
-            </a:ln>
-          </p:spPr>
-          <p:txBody>
-            <a:bodyPr spcFirstLastPara="1" wrap="square" lIns="91425" tIns="91425" rIns="91425" bIns="91425" anchor="ctr" anchorCtr="0">
-              <a:noAutofit/>
-            </a:bodyPr>
-            <a:lstStyle/>
-            <a:p>
-              <a:pPr marL="0" lvl="0" indent="0" algn="l" rtl="0">
-                <a:spcBef>
-                  <a:spcPts val="0"/>
-                </a:spcBef>
-                <a:spcAft>
-                  <a:spcPts val="0"/>
-                </a:spcAft>
-                <a:buNone/>
-              </a:pPr>
-              <a:endParaRPr/>
-            </a:p>
-          </p:txBody>
-        </p:sp>
-        <p:sp>
-          <p:nvSpPr>
-            <p:cNvPr id="1861" name="Google Shape;1861;p119"/>
-            <p:cNvSpPr/>
-            <p:nvPr/>
-          </p:nvSpPr>
-          <p:spPr>
-            <a:xfrm>
-              <a:off x="5137103" y="2571775"/>
-              <a:ext cx="76921" cy="288365"/>
-            </a:xfrm>
-            <a:custGeom>
-              <a:avLst/>
-              <a:gdLst/>
-              <a:ahLst/>
-              <a:cxnLst/>
-              <a:rect l="l" t="t" r="r" b="b"/>
-              <a:pathLst>
-                <a:path w="1322" h="4956" extrusionOk="0">
-                  <a:moveTo>
-                    <a:pt x="731" y="0"/>
-                  </a:moveTo>
-                  <a:cubicBezTo>
-                    <a:pt x="726" y="0"/>
-                    <a:pt x="721" y="0"/>
-                    <a:pt x="716" y="1"/>
-                  </a:cubicBezTo>
-                  <a:cubicBezTo>
-                    <a:pt x="576" y="7"/>
-                    <a:pt x="462" y="108"/>
-                    <a:pt x="378" y="219"/>
-                  </a:cubicBezTo>
-                  <a:cubicBezTo>
-                    <a:pt x="0" y="723"/>
-                    <a:pt x="42" y="1416"/>
-                    <a:pt x="101" y="2044"/>
-                  </a:cubicBezTo>
-                  <a:cubicBezTo>
-                    <a:pt x="192" y="2994"/>
-                    <a:pt x="228" y="4071"/>
-                    <a:pt x="605" y="4956"/>
-                  </a:cubicBezTo>
-                  <a:cubicBezTo>
-                    <a:pt x="1236" y="4029"/>
-                    <a:pt x="1321" y="1667"/>
-                    <a:pt x="1155" y="567"/>
-                  </a:cubicBezTo>
-                  <a:cubicBezTo>
-                    <a:pt x="1117" y="312"/>
-                    <a:pt x="982" y="0"/>
-                    <a:pt x="731" y="0"/>
-                  </a:cubicBezTo>
-                  <a:close/>
-                </a:path>
-              </a:pathLst>
-            </a:custGeom>
-            <a:solidFill>
-              <a:schemeClr val="dk2"/>
-            </a:solidFill>
-            <a:ln>
-              <a:noFill/>
-            </a:ln>
-          </p:spPr>
-          <p:txBody>
-            <a:bodyPr spcFirstLastPara="1" wrap="square" lIns="91425" tIns="91425" rIns="91425" bIns="91425" anchor="ctr" anchorCtr="0">
-              <a:noAutofit/>
-            </a:bodyPr>
-            <a:lstStyle/>
-            <a:p>
-              <a:pPr marL="0" lvl="0" indent="0" algn="l" rtl="0">
-                <a:spcBef>
-                  <a:spcPts val="0"/>
-                </a:spcBef>
-                <a:spcAft>
-                  <a:spcPts val="0"/>
-                </a:spcAft>
-                <a:buNone/>
-              </a:pPr>
-              <a:endParaRPr/>
-            </a:p>
-          </p:txBody>
-        </p:sp>
-        <p:sp>
-          <p:nvSpPr>
-            <p:cNvPr id="1862" name="Google Shape;1862;p119"/>
-            <p:cNvSpPr/>
-            <p:nvPr/>
-          </p:nvSpPr>
-          <p:spPr>
-            <a:xfrm>
-              <a:off x="5201455" y="2653058"/>
-              <a:ext cx="100020" cy="320658"/>
-            </a:xfrm>
-            <a:custGeom>
-              <a:avLst/>
-              <a:gdLst/>
-              <a:ahLst/>
-              <a:cxnLst/>
-              <a:rect l="l" t="t" r="r" b="b"/>
-              <a:pathLst>
-                <a:path w="1719" h="5511" extrusionOk="0">
-                  <a:moveTo>
-                    <a:pt x="1362" y="0"/>
-                  </a:moveTo>
-                  <a:cubicBezTo>
-                    <a:pt x="1259" y="0"/>
-                    <a:pt x="1148" y="99"/>
-                    <a:pt x="1080" y="195"/>
-                  </a:cubicBezTo>
-                  <a:cubicBezTo>
-                    <a:pt x="576" y="914"/>
-                    <a:pt x="407" y="1805"/>
-                    <a:pt x="283" y="2674"/>
-                  </a:cubicBezTo>
-                  <a:cubicBezTo>
-                    <a:pt x="153" y="3601"/>
-                    <a:pt x="0" y="4574"/>
-                    <a:pt x="26" y="5511"/>
-                  </a:cubicBezTo>
-                  <a:cubicBezTo>
-                    <a:pt x="710" y="4346"/>
-                    <a:pt x="1071" y="2807"/>
-                    <a:pt x="1461" y="1509"/>
-                  </a:cubicBezTo>
-                  <a:cubicBezTo>
-                    <a:pt x="1595" y="1063"/>
-                    <a:pt x="1718" y="575"/>
-                    <a:pt x="1536" y="149"/>
-                  </a:cubicBezTo>
-                  <a:cubicBezTo>
-                    <a:pt x="1516" y="104"/>
-                    <a:pt x="1490" y="58"/>
-                    <a:pt x="1451" y="29"/>
-                  </a:cubicBezTo>
-                  <a:cubicBezTo>
-                    <a:pt x="1423" y="9"/>
-                    <a:pt x="1393" y="0"/>
-                    <a:pt x="1362" y="0"/>
-                  </a:cubicBezTo>
-                  <a:close/>
-                </a:path>
-              </a:pathLst>
-            </a:custGeom>
-            <a:solidFill>
-              <a:schemeClr val="dk2"/>
-            </a:solidFill>
-            <a:ln>
-              <a:noFill/>
-            </a:ln>
-          </p:spPr>
-          <p:txBody>
-            <a:bodyPr spcFirstLastPara="1" wrap="square" lIns="91425" tIns="91425" rIns="91425" bIns="91425" anchor="ctr" anchorCtr="0">
-              <a:noAutofit/>
-            </a:bodyPr>
-            <a:lstStyle/>
-            <a:p>
-              <a:pPr marL="0" lvl="0" indent="0" algn="l" rtl="0">
-                <a:spcBef>
-                  <a:spcPts val="0"/>
-                </a:spcBef>
-                <a:spcAft>
-                  <a:spcPts val="0"/>
-                </a:spcAft>
-                <a:buNone/>
-              </a:pPr>
-              <a:endParaRPr/>
-            </a:p>
-          </p:txBody>
-        </p:sp>
-        <p:sp>
-          <p:nvSpPr>
-            <p:cNvPr id="1863" name="Google Shape;1863;p119"/>
-            <p:cNvSpPr/>
-            <p:nvPr/>
-          </p:nvSpPr>
-          <p:spPr>
-            <a:xfrm>
-              <a:off x="5242882" y="3025961"/>
-              <a:ext cx="79946" cy="308962"/>
-            </a:xfrm>
-            <a:custGeom>
-              <a:avLst/>
-              <a:gdLst/>
-              <a:ahLst/>
-              <a:cxnLst/>
-              <a:rect l="l" t="t" r="r" b="b"/>
-              <a:pathLst>
-                <a:path w="1374" h="5310" extrusionOk="0">
-                  <a:moveTo>
-                    <a:pt x="1058" y="0"/>
-                  </a:moveTo>
-                  <a:cubicBezTo>
-                    <a:pt x="982" y="0"/>
-                    <a:pt x="906" y="45"/>
-                    <a:pt x="843" y="94"/>
-                  </a:cubicBezTo>
-                  <a:cubicBezTo>
-                    <a:pt x="264" y="537"/>
-                    <a:pt x="186" y="1363"/>
-                    <a:pt x="157" y="2089"/>
-                  </a:cubicBezTo>
-                  <a:cubicBezTo>
-                    <a:pt x="157" y="3159"/>
-                    <a:pt x="1" y="4249"/>
-                    <a:pt x="37" y="5310"/>
-                  </a:cubicBezTo>
-                  <a:cubicBezTo>
-                    <a:pt x="398" y="4119"/>
-                    <a:pt x="743" y="2925"/>
-                    <a:pt x="1097" y="1731"/>
-                  </a:cubicBezTo>
-                  <a:cubicBezTo>
-                    <a:pt x="1234" y="1262"/>
-                    <a:pt x="1374" y="777"/>
-                    <a:pt x="1299" y="296"/>
-                  </a:cubicBezTo>
-                  <a:cubicBezTo>
-                    <a:pt x="1279" y="179"/>
-                    <a:pt x="1231" y="45"/>
-                    <a:pt x="1117" y="10"/>
-                  </a:cubicBezTo>
-                  <a:cubicBezTo>
-                    <a:pt x="1097" y="3"/>
-                    <a:pt x="1078" y="0"/>
-                    <a:pt x="1058" y="0"/>
-                  </a:cubicBezTo>
-                  <a:close/>
-                </a:path>
-              </a:pathLst>
-            </a:custGeom>
-            <a:solidFill>
-              <a:schemeClr val="dk2"/>
-            </a:solidFill>
-            <a:ln>
-              <a:noFill/>
-            </a:ln>
-          </p:spPr>
-          <p:txBody>
-            <a:bodyPr spcFirstLastPara="1" wrap="square" lIns="91425" tIns="91425" rIns="91425" bIns="91425" anchor="ctr" anchorCtr="0">
-              <a:noAutofit/>
-            </a:bodyPr>
-            <a:lstStyle/>
-            <a:p>
-              <a:pPr marL="0" lvl="0" indent="0" algn="l" rtl="0">
-                <a:spcBef>
-                  <a:spcPts val="0"/>
-                </a:spcBef>
-                <a:spcAft>
-                  <a:spcPts val="0"/>
-                </a:spcAft>
-                <a:buNone/>
-              </a:pPr>
-              <a:endParaRPr/>
-            </a:p>
-          </p:txBody>
-        </p:sp>
-        <p:sp>
-          <p:nvSpPr>
-            <p:cNvPr id="1864" name="Google Shape;1864;p119"/>
-            <p:cNvSpPr/>
-            <p:nvPr/>
-          </p:nvSpPr>
-          <p:spPr>
-            <a:xfrm>
-              <a:off x="5118717" y="3247933"/>
-              <a:ext cx="118581" cy="188461"/>
-            </a:xfrm>
-            <a:custGeom>
-              <a:avLst/>
-              <a:gdLst/>
-              <a:ahLst/>
-              <a:cxnLst/>
-              <a:rect l="l" t="t" r="r" b="b"/>
-              <a:pathLst>
-                <a:path w="2038" h="3239" extrusionOk="0">
-                  <a:moveTo>
-                    <a:pt x="665" y="0"/>
-                  </a:moveTo>
-                  <a:cubicBezTo>
-                    <a:pt x="597" y="0"/>
-                    <a:pt x="530" y="14"/>
-                    <a:pt x="466" y="44"/>
-                  </a:cubicBezTo>
-                  <a:cubicBezTo>
-                    <a:pt x="1" y="258"/>
-                    <a:pt x="1897" y="2959"/>
-                    <a:pt x="2037" y="3238"/>
-                  </a:cubicBezTo>
-                  <a:cubicBezTo>
-                    <a:pt x="1767" y="2588"/>
-                    <a:pt x="1604" y="1888"/>
-                    <a:pt x="1491" y="1195"/>
-                  </a:cubicBezTo>
-                  <a:cubicBezTo>
-                    <a:pt x="1445" y="899"/>
-                    <a:pt x="1403" y="587"/>
-                    <a:pt x="1240" y="336"/>
-                  </a:cubicBezTo>
-                  <a:cubicBezTo>
-                    <a:pt x="1113" y="145"/>
-                    <a:pt x="887" y="0"/>
-                    <a:pt x="665" y="0"/>
-                  </a:cubicBezTo>
-                  <a:close/>
-                </a:path>
-              </a:pathLst>
-            </a:custGeom>
-            <a:solidFill>
-              <a:schemeClr val="dk2"/>
-            </a:solidFill>
-            <a:ln>
-              <a:noFill/>
-            </a:ln>
-          </p:spPr>
-          <p:txBody>
-            <a:bodyPr spcFirstLastPara="1" wrap="square" lIns="91425" tIns="91425" rIns="91425" bIns="91425" anchor="ctr" anchorCtr="0">
-              <a:noAutofit/>
-            </a:bodyPr>
-            <a:lstStyle/>
-            <a:p>
-              <a:pPr marL="0" lvl="0" indent="0" algn="l" rtl="0">
-                <a:spcBef>
-                  <a:spcPts val="0"/>
-                </a:spcBef>
-                <a:spcAft>
-                  <a:spcPts val="0"/>
-                </a:spcAft>
-                <a:buNone/>
-              </a:pPr>
-              <a:endParaRPr/>
-            </a:p>
-          </p:txBody>
-        </p:sp>
-        <p:sp>
-          <p:nvSpPr>
-            <p:cNvPr id="1865" name="Google Shape;1865;p119"/>
-            <p:cNvSpPr/>
-            <p:nvPr/>
-          </p:nvSpPr>
-          <p:spPr>
-            <a:xfrm>
-              <a:off x="5262199" y="3464495"/>
-              <a:ext cx="125214" cy="434002"/>
-            </a:xfrm>
-            <a:custGeom>
-              <a:avLst/>
-              <a:gdLst/>
-              <a:ahLst/>
-              <a:cxnLst/>
-              <a:rect l="l" t="t" r="r" b="b"/>
-              <a:pathLst>
-                <a:path w="2152" h="7459" extrusionOk="0">
-                  <a:moveTo>
-                    <a:pt x="1638" y="1"/>
-                  </a:moveTo>
-                  <a:cubicBezTo>
-                    <a:pt x="1474" y="1"/>
-                    <a:pt x="1305" y="151"/>
-                    <a:pt x="1204" y="304"/>
-                  </a:cubicBezTo>
-                  <a:cubicBezTo>
-                    <a:pt x="749" y="990"/>
-                    <a:pt x="658" y="1846"/>
-                    <a:pt x="583" y="2666"/>
-                  </a:cubicBezTo>
-                  <a:cubicBezTo>
-                    <a:pt x="502" y="3531"/>
-                    <a:pt x="420" y="4397"/>
-                    <a:pt x="339" y="5265"/>
-                  </a:cubicBezTo>
-                  <a:cubicBezTo>
-                    <a:pt x="280" y="5897"/>
-                    <a:pt x="1" y="6873"/>
-                    <a:pt x="248" y="7458"/>
-                  </a:cubicBezTo>
-                  <a:cubicBezTo>
-                    <a:pt x="703" y="5936"/>
-                    <a:pt x="1032" y="4384"/>
-                    <a:pt x="1549" y="2877"/>
-                  </a:cubicBezTo>
-                  <a:cubicBezTo>
-                    <a:pt x="1832" y="2057"/>
-                    <a:pt x="2151" y="1189"/>
-                    <a:pt x="1950" y="343"/>
-                  </a:cubicBezTo>
-                  <a:cubicBezTo>
-                    <a:pt x="1920" y="222"/>
-                    <a:pt x="1871" y="96"/>
-                    <a:pt x="1764" y="34"/>
-                  </a:cubicBezTo>
-                  <a:cubicBezTo>
-                    <a:pt x="1723" y="11"/>
-                    <a:pt x="1681" y="1"/>
-                    <a:pt x="1638" y="1"/>
-                  </a:cubicBezTo>
-                  <a:close/>
-                </a:path>
-              </a:pathLst>
-            </a:custGeom>
-            <a:solidFill>
-              <a:schemeClr val="dk2"/>
-            </a:solidFill>
-            <a:ln>
-              <a:noFill/>
-            </a:ln>
-          </p:spPr>
-          <p:txBody>
-            <a:bodyPr spcFirstLastPara="1" wrap="square" lIns="91425" tIns="91425" rIns="91425" bIns="91425" anchor="ctr" anchorCtr="0">
-              <a:noAutofit/>
-            </a:bodyPr>
-            <a:lstStyle/>
-            <a:p>
-              <a:pPr marL="0" lvl="0" indent="0" algn="l" rtl="0">
-                <a:spcBef>
-                  <a:spcPts val="0"/>
-                </a:spcBef>
-                <a:spcAft>
-                  <a:spcPts val="0"/>
-                </a:spcAft>
-                <a:buNone/>
-              </a:pPr>
-              <a:endParaRPr/>
-            </a:p>
-          </p:txBody>
-        </p:sp>
-        <p:sp>
-          <p:nvSpPr>
-            <p:cNvPr id="1866" name="Google Shape;1866;p119"/>
-            <p:cNvSpPr/>
-            <p:nvPr/>
-          </p:nvSpPr>
-          <p:spPr>
-            <a:xfrm>
-              <a:off x="5133496" y="3599599"/>
-              <a:ext cx="126320" cy="321821"/>
-            </a:xfrm>
-            <a:custGeom>
-              <a:avLst/>
-              <a:gdLst/>
-              <a:ahLst/>
-              <a:cxnLst/>
-              <a:rect l="l" t="t" r="r" b="b"/>
-              <a:pathLst>
-                <a:path w="2171" h="5531" extrusionOk="0">
-                  <a:moveTo>
-                    <a:pt x="591" y="1"/>
-                  </a:moveTo>
-                  <a:cubicBezTo>
-                    <a:pt x="389" y="1"/>
-                    <a:pt x="189" y="153"/>
-                    <a:pt x="104" y="347"/>
-                  </a:cubicBezTo>
-                  <a:cubicBezTo>
-                    <a:pt x="0" y="581"/>
-                    <a:pt x="26" y="855"/>
-                    <a:pt x="65" y="1108"/>
-                  </a:cubicBezTo>
-                  <a:cubicBezTo>
-                    <a:pt x="248" y="2224"/>
-                    <a:pt x="680" y="3288"/>
-                    <a:pt x="1217" y="4284"/>
-                  </a:cubicBezTo>
-                  <a:cubicBezTo>
-                    <a:pt x="1404" y="4632"/>
-                    <a:pt x="1743" y="5530"/>
-                    <a:pt x="2157" y="5530"/>
-                  </a:cubicBezTo>
-                  <a:cubicBezTo>
-                    <a:pt x="2162" y="5530"/>
-                    <a:pt x="2166" y="5530"/>
-                    <a:pt x="2170" y="5530"/>
-                  </a:cubicBezTo>
-                  <a:cubicBezTo>
-                    <a:pt x="1812" y="3887"/>
-                    <a:pt x="1734" y="2032"/>
-                    <a:pt x="1087" y="471"/>
-                  </a:cubicBezTo>
-                  <a:cubicBezTo>
-                    <a:pt x="1012" y="289"/>
-                    <a:pt x="911" y="93"/>
-                    <a:pt x="726" y="25"/>
-                  </a:cubicBezTo>
-                  <a:cubicBezTo>
-                    <a:pt x="682" y="8"/>
-                    <a:pt x="636" y="1"/>
-                    <a:pt x="591" y="1"/>
-                  </a:cubicBezTo>
-                  <a:close/>
-                </a:path>
-              </a:pathLst>
-            </a:custGeom>
-            <a:solidFill>
-              <a:schemeClr val="dk2"/>
-            </a:solidFill>
-            <a:ln>
-              <a:noFill/>
-            </a:ln>
-          </p:spPr>
-          <p:txBody>
-            <a:bodyPr spcFirstLastPara="1" wrap="square" lIns="91425" tIns="91425" rIns="91425" bIns="91425" anchor="ctr" anchorCtr="0">
-              <a:noAutofit/>
-            </a:bodyPr>
-            <a:lstStyle/>
-            <a:p>
-              <a:pPr marL="0" lvl="0" indent="0" algn="l" rtl="0">
-                <a:spcBef>
-                  <a:spcPts val="0"/>
-                </a:spcBef>
-                <a:spcAft>
-                  <a:spcPts val="0"/>
-                </a:spcAft>
-                <a:buNone/>
-              </a:pPr>
-              <a:endParaRPr/>
-            </a:p>
-          </p:txBody>
-        </p:sp>
-        <p:sp>
-          <p:nvSpPr>
-            <p:cNvPr id="1867" name="Google Shape;1867;p119"/>
-            <p:cNvSpPr/>
-            <p:nvPr/>
-          </p:nvSpPr>
-          <p:spPr>
-            <a:xfrm>
-              <a:off x="5386771" y="2670863"/>
-              <a:ext cx="135396" cy="416255"/>
-            </a:xfrm>
-            <a:custGeom>
-              <a:avLst/>
-              <a:gdLst/>
-              <a:ahLst/>
-              <a:cxnLst/>
-              <a:rect l="l" t="t" r="r" b="b"/>
-              <a:pathLst>
-                <a:path w="2327" h="7154" extrusionOk="0">
-                  <a:moveTo>
-                    <a:pt x="902" y="1"/>
-                  </a:moveTo>
-                  <a:cubicBezTo>
-                    <a:pt x="587" y="1"/>
-                    <a:pt x="295" y="239"/>
-                    <a:pt x="157" y="526"/>
-                  </a:cubicBezTo>
-                  <a:cubicBezTo>
-                    <a:pt x="7" y="842"/>
-                    <a:pt x="0" y="1203"/>
-                    <a:pt x="13" y="1551"/>
-                  </a:cubicBezTo>
-                  <a:cubicBezTo>
-                    <a:pt x="27" y="1958"/>
-                    <a:pt x="66" y="2365"/>
-                    <a:pt x="176" y="2755"/>
-                  </a:cubicBezTo>
-                  <a:cubicBezTo>
-                    <a:pt x="401" y="3555"/>
-                    <a:pt x="908" y="4242"/>
-                    <a:pt x="1328" y="4961"/>
-                  </a:cubicBezTo>
-                  <a:cubicBezTo>
-                    <a:pt x="1715" y="5621"/>
-                    <a:pt x="2044" y="6373"/>
-                    <a:pt x="1966" y="7154"/>
-                  </a:cubicBezTo>
-                  <a:cubicBezTo>
-                    <a:pt x="2327" y="5208"/>
-                    <a:pt x="2079" y="3246"/>
-                    <a:pt x="1809" y="1307"/>
-                  </a:cubicBezTo>
-                  <a:cubicBezTo>
-                    <a:pt x="1770" y="1031"/>
-                    <a:pt x="1731" y="751"/>
-                    <a:pt x="1608" y="504"/>
-                  </a:cubicBezTo>
-                  <a:cubicBezTo>
-                    <a:pt x="1484" y="253"/>
-                    <a:pt x="1256" y="42"/>
-                    <a:pt x="983" y="6"/>
-                  </a:cubicBezTo>
-                  <a:cubicBezTo>
-                    <a:pt x="956" y="2"/>
-                    <a:pt x="929" y="1"/>
-                    <a:pt x="902" y="1"/>
-                  </a:cubicBezTo>
-                  <a:close/>
-                </a:path>
-              </a:pathLst>
-            </a:custGeom>
-            <a:solidFill>
-              <a:schemeClr val="dk2"/>
-            </a:solidFill>
-            <a:ln>
-              <a:noFill/>
-            </a:ln>
-          </p:spPr>
-          <p:txBody>
-            <a:bodyPr spcFirstLastPara="1" wrap="square" lIns="91425" tIns="91425" rIns="91425" bIns="91425" anchor="ctr" anchorCtr="0">
-              <a:noAutofit/>
-            </a:bodyPr>
-            <a:lstStyle/>
-            <a:p>
-              <a:pPr marL="0" lvl="0" indent="0" algn="l" rtl="0">
-                <a:spcBef>
-                  <a:spcPts val="0"/>
-                </a:spcBef>
-                <a:spcAft>
-                  <a:spcPts val="0"/>
-                </a:spcAft>
-                <a:buNone/>
-              </a:pPr>
-              <a:endParaRPr/>
-            </a:p>
-          </p:txBody>
-        </p:sp>
-        <p:sp>
-          <p:nvSpPr>
-            <p:cNvPr id="1868" name="Google Shape;1868;p119"/>
-            <p:cNvSpPr/>
-            <p:nvPr/>
-          </p:nvSpPr>
-          <p:spPr>
-            <a:xfrm>
-              <a:off x="5520246" y="2904298"/>
-              <a:ext cx="153376" cy="314606"/>
-            </a:xfrm>
-            <a:custGeom>
-              <a:avLst/>
-              <a:gdLst/>
-              <a:ahLst/>
-              <a:cxnLst/>
-              <a:rect l="l" t="t" r="r" b="b"/>
-              <a:pathLst>
-                <a:path w="2636" h="5407" extrusionOk="0">
-                  <a:moveTo>
-                    <a:pt x="2206" y="0"/>
-                  </a:moveTo>
-                  <a:cubicBezTo>
-                    <a:pt x="2047" y="0"/>
-                    <a:pt x="1913" y="128"/>
-                    <a:pt x="1809" y="249"/>
-                  </a:cubicBezTo>
-                  <a:cubicBezTo>
-                    <a:pt x="1110" y="1082"/>
-                    <a:pt x="820" y="2172"/>
-                    <a:pt x="547" y="3223"/>
-                  </a:cubicBezTo>
-                  <a:cubicBezTo>
-                    <a:pt x="361" y="3936"/>
-                    <a:pt x="98" y="4677"/>
-                    <a:pt x="0" y="5406"/>
-                  </a:cubicBezTo>
-                  <a:cubicBezTo>
-                    <a:pt x="1015" y="4551"/>
-                    <a:pt x="1633" y="3012"/>
-                    <a:pt x="2206" y="1837"/>
-                  </a:cubicBezTo>
-                  <a:cubicBezTo>
-                    <a:pt x="2418" y="1401"/>
-                    <a:pt x="2636" y="936"/>
-                    <a:pt x="2577" y="454"/>
-                  </a:cubicBezTo>
-                  <a:cubicBezTo>
-                    <a:pt x="2551" y="253"/>
-                    <a:pt x="2440" y="28"/>
-                    <a:pt x="2239" y="2"/>
-                  </a:cubicBezTo>
-                  <a:cubicBezTo>
-                    <a:pt x="2227" y="1"/>
-                    <a:pt x="2216" y="0"/>
-                    <a:pt x="2206" y="0"/>
-                  </a:cubicBezTo>
-                  <a:close/>
-                </a:path>
-              </a:pathLst>
-            </a:custGeom>
-            <a:solidFill>
-              <a:schemeClr val="dk2"/>
-            </a:solidFill>
-            <a:ln>
-              <a:noFill/>
-            </a:ln>
-          </p:spPr>
-          <p:txBody>
-            <a:bodyPr spcFirstLastPara="1" wrap="square" lIns="91425" tIns="91425" rIns="91425" bIns="91425" anchor="ctr" anchorCtr="0">
-              <a:noAutofit/>
-            </a:bodyPr>
-            <a:lstStyle/>
-            <a:p>
-              <a:pPr marL="0" lvl="0" indent="0" algn="l" rtl="0">
-                <a:spcBef>
-                  <a:spcPts val="0"/>
-                </a:spcBef>
-                <a:spcAft>
-                  <a:spcPts val="0"/>
-                </a:spcAft>
-                <a:buNone/>
-              </a:pPr>
-              <a:endParaRPr/>
-            </a:p>
-          </p:txBody>
-        </p:sp>
-        <p:sp>
-          <p:nvSpPr>
-            <p:cNvPr id="1869" name="Google Shape;1869;p119"/>
-            <p:cNvSpPr/>
-            <p:nvPr/>
-          </p:nvSpPr>
-          <p:spPr>
-            <a:xfrm>
-              <a:off x="5386190" y="3237344"/>
-              <a:ext cx="108340" cy="304308"/>
-            </a:xfrm>
-            <a:custGeom>
-              <a:avLst/>
-              <a:gdLst/>
-              <a:ahLst/>
-              <a:cxnLst/>
-              <a:rect l="l" t="t" r="r" b="b"/>
-              <a:pathLst>
-                <a:path w="1862" h="5230" extrusionOk="0">
-                  <a:moveTo>
-                    <a:pt x="227" y="0"/>
-                  </a:moveTo>
-                  <a:cubicBezTo>
-                    <a:pt x="189" y="0"/>
-                    <a:pt x="151" y="11"/>
-                    <a:pt x="115" y="37"/>
-                  </a:cubicBezTo>
-                  <a:cubicBezTo>
-                    <a:pt x="7" y="115"/>
-                    <a:pt x="1" y="268"/>
-                    <a:pt x="10" y="401"/>
-                  </a:cubicBezTo>
-                  <a:cubicBezTo>
-                    <a:pt x="76" y="1276"/>
-                    <a:pt x="303" y="2139"/>
-                    <a:pt x="684" y="2929"/>
-                  </a:cubicBezTo>
-                  <a:cubicBezTo>
-                    <a:pt x="1052" y="3700"/>
-                    <a:pt x="1540" y="4406"/>
-                    <a:pt x="1793" y="5229"/>
-                  </a:cubicBezTo>
-                  <a:cubicBezTo>
-                    <a:pt x="1862" y="3658"/>
-                    <a:pt x="1426" y="1673"/>
-                    <a:pt x="606" y="294"/>
-                  </a:cubicBezTo>
-                  <a:cubicBezTo>
-                    <a:pt x="521" y="153"/>
-                    <a:pt x="370" y="0"/>
-                    <a:pt x="227" y="0"/>
-                  </a:cubicBezTo>
-                  <a:close/>
-                </a:path>
-              </a:pathLst>
-            </a:custGeom>
-            <a:solidFill>
-              <a:schemeClr val="dk2"/>
-            </a:solidFill>
-            <a:ln>
-              <a:noFill/>
-            </a:ln>
-          </p:spPr>
-          <p:txBody>
-            <a:bodyPr spcFirstLastPara="1" wrap="square" lIns="91425" tIns="91425" rIns="91425" bIns="91425" anchor="ctr" anchorCtr="0">
-              <a:noAutofit/>
-            </a:bodyPr>
-            <a:lstStyle/>
-            <a:p>
-              <a:pPr marL="0" lvl="0" indent="0" algn="l" rtl="0">
-                <a:spcBef>
-                  <a:spcPts val="0"/>
-                </a:spcBef>
-                <a:spcAft>
-                  <a:spcPts val="0"/>
-                </a:spcAft>
-                <a:buNone/>
-              </a:pPr>
-              <a:endParaRPr/>
-            </a:p>
-          </p:txBody>
-        </p:sp>
-        <p:sp>
-          <p:nvSpPr>
-            <p:cNvPr id="1870" name="Google Shape;1870;p119"/>
-            <p:cNvSpPr/>
-            <p:nvPr/>
-          </p:nvSpPr>
-          <p:spPr>
-            <a:xfrm>
-              <a:off x="5517570" y="3454313"/>
-              <a:ext cx="171180" cy="341022"/>
-            </a:xfrm>
-            <a:custGeom>
-              <a:avLst/>
-              <a:gdLst/>
-              <a:ahLst/>
-              <a:cxnLst/>
-              <a:rect l="l" t="t" r="r" b="b"/>
-              <a:pathLst>
-                <a:path w="2942" h="5861" extrusionOk="0">
-                  <a:moveTo>
-                    <a:pt x="2584" y="1"/>
-                  </a:moveTo>
-                  <a:cubicBezTo>
-                    <a:pt x="2462" y="1"/>
-                    <a:pt x="2324" y="94"/>
-                    <a:pt x="2229" y="189"/>
-                  </a:cubicBezTo>
-                  <a:cubicBezTo>
-                    <a:pt x="1230" y="1201"/>
-                    <a:pt x="843" y="2652"/>
-                    <a:pt x="492" y="4032"/>
-                  </a:cubicBezTo>
-                  <a:cubicBezTo>
-                    <a:pt x="362" y="4552"/>
-                    <a:pt x="1" y="5333"/>
-                    <a:pt x="134" y="5860"/>
-                  </a:cubicBezTo>
-                  <a:cubicBezTo>
-                    <a:pt x="674" y="4900"/>
-                    <a:pt x="1146" y="3921"/>
-                    <a:pt x="1784" y="3017"/>
-                  </a:cubicBezTo>
-                  <a:cubicBezTo>
-                    <a:pt x="2076" y="2597"/>
-                    <a:pt x="2392" y="2187"/>
-                    <a:pt x="2610" y="1722"/>
-                  </a:cubicBezTo>
-                  <a:cubicBezTo>
-                    <a:pt x="2828" y="1260"/>
-                    <a:pt x="2942" y="726"/>
-                    <a:pt x="2812" y="232"/>
-                  </a:cubicBezTo>
-                  <a:cubicBezTo>
-                    <a:pt x="2795" y="166"/>
-                    <a:pt x="2773" y="98"/>
-                    <a:pt x="2721" y="53"/>
-                  </a:cubicBezTo>
-                  <a:cubicBezTo>
-                    <a:pt x="2680" y="16"/>
-                    <a:pt x="2634" y="1"/>
-                    <a:pt x="2584" y="1"/>
-                  </a:cubicBezTo>
-                  <a:close/>
-                </a:path>
-              </a:pathLst>
-            </a:custGeom>
-            <a:solidFill>
-              <a:schemeClr val="dk2"/>
-            </a:solidFill>
-            <a:ln>
-              <a:noFill/>
-            </a:ln>
-          </p:spPr>
-          <p:txBody>
-            <a:bodyPr spcFirstLastPara="1" wrap="square" lIns="91425" tIns="91425" rIns="91425" bIns="91425" anchor="ctr" anchorCtr="0">
-              <a:noAutofit/>
-            </a:bodyPr>
-            <a:lstStyle/>
-            <a:p>
-              <a:pPr marL="0" lvl="0" indent="0" algn="l" rtl="0">
-                <a:spcBef>
-                  <a:spcPts val="0"/>
-                </a:spcBef>
-                <a:spcAft>
-                  <a:spcPts val="0"/>
-                </a:spcAft>
-                <a:buNone/>
-              </a:pPr>
-              <a:endParaRPr/>
-            </a:p>
-          </p:txBody>
-        </p:sp>
-        <p:sp>
-          <p:nvSpPr>
-            <p:cNvPr id="1871" name="Google Shape;1871;p119"/>
-            <p:cNvSpPr/>
-            <p:nvPr/>
-          </p:nvSpPr>
-          <p:spPr>
-            <a:xfrm>
-              <a:off x="5393404" y="3806152"/>
-              <a:ext cx="97169" cy="304133"/>
-            </a:xfrm>
-            <a:custGeom>
-              <a:avLst/>
-              <a:gdLst/>
-              <a:ahLst/>
-              <a:cxnLst/>
-              <a:rect l="l" t="t" r="r" b="b"/>
-              <a:pathLst>
-                <a:path w="1670" h="5227" extrusionOk="0">
-                  <a:moveTo>
-                    <a:pt x="481" y="0"/>
-                  </a:moveTo>
-                  <a:cubicBezTo>
-                    <a:pt x="409" y="0"/>
-                    <a:pt x="338" y="17"/>
-                    <a:pt x="274" y="54"/>
-                  </a:cubicBezTo>
-                  <a:cubicBezTo>
-                    <a:pt x="36" y="187"/>
-                    <a:pt x="0" y="509"/>
-                    <a:pt x="7" y="783"/>
-                  </a:cubicBezTo>
-                  <a:cubicBezTo>
-                    <a:pt x="36" y="1882"/>
-                    <a:pt x="361" y="2972"/>
-                    <a:pt x="934" y="3913"/>
-                  </a:cubicBezTo>
-                  <a:cubicBezTo>
-                    <a:pt x="1156" y="4275"/>
-                    <a:pt x="1411" y="4618"/>
-                    <a:pt x="1583" y="5006"/>
-                  </a:cubicBezTo>
-                  <a:lnTo>
-                    <a:pt x="1583" y="5006"/>
-                  </a:lnTo>
-                  <a:cubicBezTo>
-                    <a:pt x="1115" y="3667"/>
-                    <a:pt x="1548" y="2132"/>
-                    <a:pt x="1181" y="760"/>
-                  </a:cubicBezTo>
-                  <a:cubicBezTo>
-                    <a:pt x="1123" y="542"/>
-                    <a:pt x="1045" y="324"/>
-                    <a:pt x="882" y="171"/>
-                  </a:cubicBezTo>
-                  <a:cubicBezTo>
-                    <a:pt x="776" y="67"/>
-                    <a:pt x="626" y="0"/>
-                    <a:pt x="481" y="0"/>
-                  </a:cubicBezTo>
-                  <a:close/>
-                  <a:moveTo>
-                    <a:pt x="1583" y="5006"/>
-                  </a:moveTo>
-                  <a:cubicBezTo>
-                    <a:pt x="1609" y="5080"/>
-                    <a:pt x="1638" y="5154"/>
-                    <a:pt x="1669" y="5227"/>
-                  </a:cubicBezTo>
-                  <a:cubicBezTo>
-                    <a:pt x="1644" y="5152"/>
-                    <a:pt x="1615" y="5078"/>
-                    <a:pt x="1583" y="5006"/>
-                  </a:cubicBezTo>
-                  <a:close/>
-                </a:path>
-              </a:pathLst>
-            </a:custGeom>
-            <a:solidFill>
-              <a:schemeClr val="dk2"/>
-            </a:solidFill>
-            <a:ln>
-              <a:noFill/>
-            </a:ln>
-          </p:spPr>
-          <p:txBody>
-            <a:bodyPr spcFirstLastPara="1" wrap="square" lIns="91425" tIns="91425" rIns="91425" bIns="91425" anchor="ctr" anchorCtr="0">
-              <a:noAutofit/>
-            </a:bodyPr>
-            <a:lstStyle/>
-            <a:p>
-              <a:pPr marL="0" lvl="0" indent="0" algn="l" rtl="0">
-                <a:spcBef>
-                  <a:spcPts val="0"/>
-                </a:spcBef>
-                <a:spcAft>
-                  <a:spcPts val="0"/>
-                </a:spcAft>
-                <a:buNone/>
-              </a:pPr>
-              <a:endParaRPr/>
-            </a:p>
-          </p:txBody>
-        </p:sp>
-        <p:sp>
-          <p:nvSpPr>
-            <p:cNvPr id="1872" name="Google Shape;1872;p119"/>
-            <p:cNvSpPr/>
-            <p:nvPr/>
-          </p:nvSpPr>
-          <p:spPr>
-            <a:xfrm>
-              <a:off x="5486557" y="3058835"/>
-              <a:ext cx="34504" cy="1284259"/>
-            </a:xfrm>
-            <a:custGeom>
-              <a:avLst/>
-              <a:gdLst/>
-              <a:ahLst/>
-              <a:cxnLst/>
-              <a:rect l="l" t="t" r="r" b="b"/>
-              <a:pathLst>
-                <a:path w="593" h="22072" extrusionOk="0">
-                  <a:moveTo>
-                    <a:pt x="342" y="0"/>
-                  </a:moveTo>
-                  <a:cubicBezTo>
-                    <a:pt x="322" y="0"/>
-                    <a:pt x="303" y="12"/>
-                    <a:pt x="296" y="40"/>
-                  </a:cubicBezTo>
-                  <a:cubicBezTo>
-                    <a:pt x="94" y="873"/>
-                    <a:pt x="137" y="1810"/>
-                    <a:pt x="101" y="2666"/>
-                  </a:cubicBezTo>
-                  <a:cubicBezTo>
-                    <a:pt x="59" y="3603"/>
-                    <a:pt x="33" y="4540"/>
-                    <a:pt x="23" y="5480"/>
-                  </a:cubicBezTo>
-                  <a:cubicBezTo>
-                    <a:pt x="0" y="7344"/>
-                    <a:pt x="16" y="9212"/>
-                    <a:pt x="33" y="11076"/>
-                  </a:cubicBezTo>
-                  <a:cubicBezTo>
-                    <a:pt x="46" y="12921"/>
-                    <a:pt x="55" y="14765"/>
-                    <a:pt x="72" y="16610"/>
-                  </a:cubicBezTo>
-                  <a:cubicBezTo>
-                    <a:pt x="81" y="17534"/>
-                    <a:pt x="120" y="18455"/>
-                    <a:pt x="137" y="19379"/>
-                  </a:cubicBezTo>
-                  <a:cubicBezTo>
-                    <a:pt x="153" y="20241"/>
-                    <a:pt x="107" y="21133"/>
-                    <a:pt x="238" y="21985"/>
-                  </a:cubicBezTo>
-                  <a:cubicBezTo>
-                    <a:pt x="247" y="22046"/>
-                    <a:pt x="287" y="22072"/>
-                    <a:pt x="331" y="22072"/>
-                  </a:cubicBezTo>
-                  <a:cubicBezTo>
-                    <a:pt x="392" y="22072"/>
-                    <a:pt x="462" y="22022"/>
-                    <a:pt x="472" y="21952"/>
-                  </a:cubicBezTo>
-                  <a:cubicBezTo>
-                    <a:pt x="592" y="21048"/>
-                    <a:pt x="517" y="20095"/>
-                    <a:pt x="514" y="19184"/>
-                  </a:cubicBezTo>
-                  <a:cubicBezTo>
-                    <a:pt x="514" y="18256"/>
-                    <a:pt x="534" y="17336"/>
-                    <a:pt x="524" y="16412"/>
-                  </a:cubicBezTo>
-                  <a:cubicBezTo>
-                    <a:pt x="501" y="14632"/>
-                    <a:pt x="475" y="12852"/>
-                    <a:pt x="456" y="11076"/>
-                  </a:cubicBezTo>
-                  <a:cubicBezTo>
-                    <a:pt x="433" y="9277"/>
-                    <a:pt x="397" y="7481"/>
-                    <a:pt x="381" y="5682"/>
-                  </a:cubicBezTo>
-                  <a:cubicBezTo>
-                    <a:pt x="371" y="4741"/>
-                    <a:pt x="364" y="3804"/>
-                    <a:pt x="371" y="2864"/>
-                  </a:cubicBezTo>
-                  <a:cubicBezTo>
-                    <a:pt x="374" y="1943"/>
-                    <a:pt x="508" y="967"/>
-                    <a:pt x="400" y="53"/>
-                  </a:cubicBezTo>
-                  <a:cubicBezTo>
-                    <a:pt x="397" y="21"/>
-                    <a:pt x="368" y="0"/>
-                    <a:pt x="342" y="0"/>
-                  </a:cubicBezTo>
-                  <a:close/>
-                </a:path>
-              </a:pathLst>
-            </a:custGeom>
-            <a:solidFill>
-              <a:schemeClr val="dk2"/>
-            </a:solidFill>
-            <a:ln>
-              <a:noFill/>
-            </a:ln>
-          </p:spPr>
-          <p:txBody>
-            <a:bodyPr spcFirstLastPara="1" wrap="square" lIns="91425" tIns="91425" rIns="91425" bIns="91425" anchor="ctr" anchorCtr="0">
-              <a:noAutofit/>
-            </a:bodyPr>
-            <a:lstStyle/>
-            <a:p>
-              <a:pPr marL="0" lvl="0" indent="0" algn="l" rtl="0">
-                <a:spcBef>
-                  <a:spcPts val="0"/>
-                </a:spcBef>
-                <a:spcAft>
-                  <a:spcPts val="0"/>
-                </a:spcAft>
-                <a:buNone/>
-              </a:pPr>
-              <a:endParaRPr/>
-            </a:p>
-          </p:txBody>
-        </p:sp>
-        <p:sp>
-          <p:nvSpPr>
-            <p:cNvPr id="1873" name="Google Shape;1873;p119"/>
-            <p:cNvSpPr/>
-            <p:nvPr/>
-          </p:nvSpPr>
-          <p:spPr>
-            <a:xfrm>
-              <a:off x="5499591" y="3190796"/>
-              <a:ext cx="41777" cy="108515"/>
-            </a:xfrm>
-            <a:custGeom>
-              <a:avLst/>
-              <a:gdLst/>
-              <a:ahLst/>
-              <a:cxnLst/>
-              <a:rect l="l" t="t" r="r" b="b"/>
-              <a:pathLst>
-                <a:path w="718" h="1865" extrusionOk="0">
-                  <a:moveTo>
-                    <a:pt x="624" y="1"/>
-                  </a:moveTo>
-                  <a:cubicBezTo>
-                    <a:pt x="607" y="1"/>
-                    <a:pt x="589" y="8"/>
-                    <a:pt x="573" y="27"/>
-                  </a:cubicBezTo>
-                  <a:cubicBezTo>
-                    <a:pt x="180" y="502"/>
-                    <a:pt x="1" y="1218"/>
-                    <a:pt x="36" y="1826"/>
-                  </a:cubicBezTo>
-                  <a:cubicBezTo>
-                    <a:pt x="38" y="1850"/>
-                    <a:pt x="61" y="1864"/>
-                    <a:pt x="81" y="1864"/>
-                  </a:cubicBezTo>
-                  <a:cubicBezTo>
-                    <a:pt x="97" y="1864"/>
-                    <a:pt x="112" y="1856"/>
-                    <a:pt x="114" y="1836"/>
-                  </a:cubicBezTo>
-                  <a:cubicBezTo>
-                    <a:pt x="163" y="1553"/>
-                    <a:pt x="215" y="1270"/>
-                    <a:pt x="306" y="996"/>
-                  </a:cubicBezTo>
-                  <a:cubicBezTo>
-                    <a:pt x="407" y="687"/>
-                    <a:pt x="563" y="414"/>
-                    <a:pt x="694" y="118"/>
-                  </a:cubicBezTo>
-                  <a:cubicBezTo>
-                    <a:pt x="718" y="65"/>
-                    <a:pt x="674" y="1"/>
-                    <a:pt x="624" y="1"/>
-                  </a:cubicBezTo>
-                  <a:close/>
-                </a:path>
-              </a:pathLst>
-            </a:custGeom>
-            <a:solidFill>
-              <a:schemeClr val="dk2"/>
-            </a:solidFill>
-            <a:ln>
-              <a:noFill/>
-            </a:ln>
-          </p:spPr>
-          <p:txBody>
-            <a:bodyPr spcFirstLastPara="1" wrap="square" lIns="91425" tIns="91425" rIns="91425" bIns="91425" anchor="ctr" anchorCtr="0">
-              <a:noAutofit/>
-            </a:bodyPr>
-            <a:lstStyle/>
-            <a:p>
-              <a:pPr marL="0" lvl="0" indent="0" algn="l" rtl="0">
-                <a:spcBef>
-                  <a:spcPts val="0"/>
-                </a:spcBef>
-                <a:spcAft>
-                  <a:spcPts val="0"/>
-                </a:spcAft>
-                <a:buNone/>
-              </a:pPr>
-              <a:endParaRPr/>
-            </a:p>
-          </p:txBody>
-        </p:sp>
-        <p:sp>
-          <p:nvSpPr>
-            <p:cNvPr id="1874" name="Google Shape;1874;p119"/>
-            <p:cNvSpPr/>
-            <p:nvPr/>
-          </p:nvSpPr>
-          <p:spPr>
-            <a:xfrm>
-              <a:off x="5493132" y="3757743"/>
-              <a:ext cx="49225" cy="102056"/>
-            </a:xfrm>
-            <a:custGeom>
-              <a:avLst/>
-              <a:gdLst/>
-              <a:ahLst/>
-              <a:cxnLst/>
-              <a:rect l="l" t="t" r="r" b="b"/>
-              <a:pathLst>
-                <a:path w="846" h="1754" extrusionOk="0">
-                  <a:moveTo>
-                    <a:pt x="727" y="1"/>
-                  </a:moveTo>
-                  <a:cubicBezTo>
-                    <a:pt x="711" y="1"/>
-                    <a:pt x="694" y="6"/>
-                    <a:pt x="678" y="17"/>
-                  </a:cubicBezTo>
-                  <a:cubicBezTo>
-                    <a:pt x="203" y="339"/>
-                    <a:pt x="1" y="1140"/>
-                    <a:pt x="99" y="1680"/>
-                  </a:cubicBezTo>
-                  <a:cubicBezTo>
-                    <a:pt x="108" y="1731"/>
-                    <a:pt x="148" y="1753"/>
-                    <a:pt x="189" y="1753"/>
-                  </a:cubicBezTo>
-                  <a:cubicBezTo>
-                    <a:pt x="244" y="1753"/>
-                    <a:pt x="302" y="1715"/>
-                    <a:pt x="304" y="1650"/>
-                  </a:cubicBezTo>
-                  <a:cubicBezTo>
-                    <a:pt x="313" y="1374"/>
-                    <a:pt x="320" y="1114"/>
-                    <a:pt x="414" y="850"/>
-                  </a:cubicBezTo>
-                  <a:cubicBezTo>
-                    <a:pt x="505" y="587"/>
-                    <a:pt x="681" y="391"/>
-                    <a:pt x="811" y="151"/>
-                  </a:cubicBezTo>
-                  <a:cubicBezTo>
-                    <a:pt x="845" y="85"/>
-                    <a:pt x="793" y="1"/>
-                    <a:pt x="727" y="1"/>
-                  </a:cubicBezTo>
-                  <a:close/>
-                </a:path>
-              </a:pathLst>
-            </a:custGeom>
-            <a:solidFill>
-              <a:schemeClr val="dk2"/>
-            </a:solidFill>
-            <a:ln>
-              <a:noFill/>
-            </a:ln>
-          </p:spPr>
-          <p:txBody>
-            <a:bodyPr spcFirstLastPara="1" wrap="square" lIns="91425" tIns="91425" rIns="91425" bIns="91425" anchor="ctr" anchorCtr="0">
-              <a:noAutofit/>
-            </a:bodyPr>
-            <a:lstStyle/>
-            <a:p>
-              <a:pPr marL="0" lvl="0" indent="0" algn="l" rtl="0">
-                <a:spcBef>
-                  <a:spcPts val="0"/>
-                </a:spcBef>
-                <a:spcAft>
-                  <a:spcPts val="0"/>
-                </a:spcAft>
-                <a:buNone/>
-              </a:pPr>
-              <a:endParaRPr/>
-            </a:p>
-          </p:txBody>
-        </p:sp>
-        <p:sp>
-          <p:nvSpPr>
-            <p:cNvPr id="1875" name="Google Shape;1875;p119"/>
-            <p:cNvSpPr/>
-            <p:nvPr/>
-          </p:nvSpPr>
-          <p:spPr>
-            <a:xfrm>
-              <a:off x="5461015" y="4044475"/>
-              <a:ext cx="49050" cy="123061"/>
-            </a:xfrm>
-            <a:custGeom>
-              <a:avLst/>
-              <a:gdLst/>
-              <a:ahLst/>
-              <a:cxnLst/>
-              <a:rect l="l" t="t" r="r" b="b"/>
-              <a:pathLst>
-                <a:path w="843" h="2115" extrusionOk="0">
-                  <a:moveTo>
-                    <a:pt x="119" y="1"/>
-                  </a:moveTo>
-                  <a:cubicBezTo>
-                    <a:pt x="57" y="1"/>
-                    <a:pt x="0" y="49"/>
-                    <a:pt x="19" y="129"/>
-                  </a:cubicBezTo>
-                  <a:cubicBezTo>
-                    <a:pt x="110" y="477"/>
-                    <a:pt x="286" y="806"/>
-                    <a:pt x="387" y="1154"/>
-                  </a:cubicBezTo>
-                  <a:cubicBezTo>
-                    <a:pt x="478" y="1460"/>
-                    <a:pt x="501" y="1804"/>
-                    <a:pt x="657" y="2084"/>
-                  </a:cubicBezTo>
-                  <a:cubicBezTo>
-                    <a:pt x="669" y="2104"/>
-                    <a:pt x="690" y="2114"/>
-                    <a:pt x="712" y="2114"/>
-                  </a:cubicBezTo>
-                  <a:cubicBezTo>
-                    <a:pt x="739" y="2114"/>
-                    <a:pt x="766" y="2099"/>
-                    <a:pt x="771" y="2068"/>
-                  </a:cubicBezTo>
-                  <a:cubicBezTo>
-                    <a:pt x="843" y="1749"/>
-                    <a:pt x="729" y="1391"/>
-                    <a:pt x="641" y="1082"/>
-                  </a:cubicBezTo>
-                  <a:cubicBezTo>
-                    <a:pt x="540" y="737"/>
-                    <a:pt x="426" y="340"/>
-                    <a:pt x="211" y="48"/>
-                  </a:cubicBezTo>
-                  <a:cubicBezTo>
-                    <a:pt x="187" y="15"/>
-                    <a:pt x="152" y="1"/>
-                    <a:pt x="119" y="1"/>
-                  </a:cubicBezTo>
-                  <a:close/>
-                </a:path>
-              </a:pathLst>
-            </a:custGeom>
-            <a:solidFill>
-              <a:schemeClr val="dk2"/>
-            </a:solidFill>
-            <a:ln>
-              <a:noFill/>
-            </a:ln>
-          </p:spPr>
-          <p:txBody>
-            <a:bodyPr spcFirstLastPara="1" wrap="square" lIns="91425" tIns="91425" rIns="91425" bIns="91425" anchor="ctr" anchorCtr="0">
-              <a:noAutofit/>
-            </a:bodyPr>
-            <a:lstStyle/>
-            <a:p>
-              <a:pPr marL="0" lvl="0" indent="0" algn="l" rtl="0">
-                <a:spcBef>
-                  <a:spcPts val="0"/>
-                </a:spcBef>
-                <a:spcAft>
-                  <a:spcPts val="0"/>
-                </a:spcAft>
-                <a:buNone/>
-              </a:pPr>
-              <a:endParaRPr/>
-            </a:p>
-          </p:txBody>
-        </p:sp>
-        <p:sp>
-          <p:nvSpPr>
-            <p:cNvPr id="1876" name="Google Shape;1876;p119"/>
-            <p:cNvSpPr/>
-            <p:nvPr/>
-          </p:nvSpPr>
-          <p:spPr>
-            <a:xfrm>
-              <a:off x="5389797" y="4249574"/>
-              <a:ext cx="1222" cy="815"/>
-            </a:xfrm>
-            <a:custGeom>
-              <a:avLst/>
-              <a:gdLst/>
-              <a:ahLst/>
-              <a:cxnLst/>
-              <a:rect l="l" t="t" r="r" b="b"/>
-              <a:pathLst>
-                <a:path w="21" h="14" extrusionOk="0">
-                  <a:moveTo>
-                    <a:pt x="10" y="1"/>
-                  </a:moveTo>
-                  <a:cubicBezTo>
-                    <a:pt x="1" y="1"/>
-                    <a:pt x="1" y="14"/>
-                    <a:pt x="10" y="14"/>
-                  </a:cubicBezTo>
-                  <a:cubicBezTo>
-                    <a:pt x="20" y="14"/>
-                    <a:pt x="20" y="1"/>
-                    <a:pt x="10" y="1"/>
-                  </a:cubicBezTo>
-                  <a:close/>
-                </a:path>
-              </a:pathLst>
-            </a:custGeom>
-            <a:solidFill>
-              <a:schemeClr val="dk2"/>
-            </a:solidFill>
-            <a:ln>
-              <a:noFill/>
-            </a:ln>
-          </p:spPr>
-          <p:txBody>
-            <a:bodyPr spcFirstLastPara="1" wrap="square" lIns="91425" tIns="91425" rIns="91425" bIns="91425" anchor="ctr" anchorCtr="0">
-              <a:noAutofit/>
-            </a:bodyPr>
-            <a:lstStyle/>
-            <a:p>
-              <a:pPr marL="0" lvl="0" indent="0" algn="l" rtl="0">
-                <a:spcBef>
-                  <a:spcPts val="0"/>
-                </a:spcBef>
-                <a:spcAft>
-                  <a:spcPts val="0"/>
-                </a:spcAft>
-                <a:buNone/>
-              </a:pPr>
-              <a:endParaRPr/>
-            </a:p>
-          </p:txBody>
-        </p:sp>
-        <p:sp>
-          <p:nvSpPr>
-            <p:cNvPr id="1877" name="Google Shape;1877;p119"/>
-            <p:cNvSpPr/>
-            <p:nvPr/>
-          </p:nvSpPr>
-          <p:spPr>
-            <a:xfrm>
-              <a:off x="5372749" y="4181673"/>
-              <a:ext cx="16117" cy="37937"/>
-            </a:xfrm>
-            <a:custGeom>
-              <a:avLst/>
-              <a:gdLst/>
-              <a:ahLst/>
-              <a:cxnLst/>
-              <a:rect l="l" t="t" r="r" b="b"/>
-              <a:pathLst>
-                <a:path w="277" h="652" extrusionOk="0">
-                  <a:moveTo>
-                    <a:pt x="32" y="1"/>
-                  </a:moveTo>
-                  <a:cubicBezTo>
-                    <a:pt x="18" y="1"/>
-                    <a:pt x="4" y="13"/>
-                    <a:pt x="4" y="29"/>
-                  </a:cubicBezTo>
-                  <a:cubicBezTo>
-                    <a:pt x="1" y="117"/>
-                    <a:pt x="59" y="198"/>
-                    <a:pt x="92" y="279"/>
-                  </a:cubicBezTo>
-                  <a:cubicBezTo>
-                    <a:pt x="144" y="396"/>
-                    <a:pt x="183" y="517"/>
-                    <a:pt x="225" y="637"/>
-                  </a:cubicBezTo>
-                  <a:cubicBezTo>
-                    <a:pt x="229" y="647"/>
-                    <a:pt x="238" y="651"/>
-                    <a:pt x="247" y="651"/>
-                  </a:cubicBezTo>
-                  <a:cubicBezTo>
-                    <a:pt x="262" y="651"/>
-                    <a:pt x="277" y="640"/>
-                    <a:pt x="271" y="624"/>
-                  </a:cubicBezTo>
-                  <a:cubicBezTo>
-                    <a:pt x="228" y="510"/>
-                    <a:pt x="183" y="396"/>
-                    <a:pt x="147" y="279"/>
-                  </a:cubicBezTo>
-                  <a:cubicBezTo>
-                    <a:pt x="121" y="188"/>
-                    <a:pt x="115" y="81"/>
-                    <a:pt x="50" y="9"/>
-                  </a:cubicBezTo>
-                  <a:cubicBezTo>
-                    <a:pt x="44" y="3"/>
-                    <a:pt x="38" y="1"/>
-                    <a:pt x="32" y="1"/>
-                  </a:cubicBezTo>
-                  <a:close/>
-                </a:path>
-              </a:pathLst>
-            </a:custGeom>
-            <a:solidFill>
-              <a:schemeClr val="dk2"/>
-            </a:solidFill>
-            <a:ln>
-              <a:noFill/>
-            </a:ln>
-          </p:spPr>
-          <p:txBody>
-            <a:bodyPr spcFirstLastPara="1" wrap="square" lIns="91425" tIns="91425" rIns="91425" bIns="91425" anchor="ctr" anchorCtr="0">
-              <a:noAutofit/>
-            </a:bodyPr>
-            <a:lstStyle/>
-            <a:p>
-              <a:pPr marL="0" lvl="0" indent="0" algn="l" rtl="0">
-                <a:spcBef>
-                  <a:spcPts val="0"/>
-                </a:spcBef>
-                <a:spcAft>
-                  <a:spcPts val="0"/>
-                </a:spcAft>
-                <a:buNone/>
-              </a:pPr>
-              <a:endParaRPr/>
-            </a:p>
-          </p:txBody>
-        </p:sp>
-        <p:sp>
-          <p:nvSpPr>
-            <p:cNvPr id="1878" name="Google Shape;1878;p119"/>
-            <p:cNvSpPr/>
-            <p:nvPr/>
-          </p:nvSpPr>
-          <p:spPr>
-            <a:xfrm>
-              <a:off x="5245733" y="3845427"/>
-              <a:ext cx="157216" cy="517556"/>
-            </a:xfrm>
-            <a:custGeom>
-              <a:avLst/>
-              <a:gdLst/>
-              <a:ahLst/>
-              <a:cxnLst/>
-              <a:rect l="l" t="t" r="r" b="b"/>
-              <a:pathLst>
-                <a:path w="2702" h="8895" extrusionOk="0">
-                  <a:moveTo>
-                    <a:pt x="384" y="1"/>
-                  </a:moveTo>
-                  <a:cubicBezTo>
-                    <a:pt x="352" y="1"/>
-                    <a:pt x="321" y="19"/>
-                    <a:pt x="313" y="56"/>
-                  </a:cubicBezTo>
-                  <a:cubicBezTo>
-                    <a:pt x="1" y="1429"/>
-                    <a:pt x="739" y="2974"/>
-                    <a:pt x="1370" y="4152"/>
-                  </a:cubicBezTo>
-                  <a:cubicBezTo>
-                    <a:pt x="1758" y="4874"/>
-                    <a:pt x="2089" y="5596"/>
-                    <a:pt x="2259" y="6406"/>
-                  </a:cubicBezTo>
-                  <a:cubicBezTo>
-                    <a:pt x="2343" y="6797"/>
-                    <a:pt x="2392" y="7200"/>
-                    <a:pt x="2379" y="7604"/>
-                  </a:cubicBezTo>
-                  <a:cubicBezTo>
-                    <a:pt x="2369" y="8010"/>
-                    <a:pt x="2259" y="8420"/>
-                    <a:pt x="2291" y="8827"/>
-                  </a:cubicBezTo>
-                  <a:cubicBezTo>
-                    <a:pt x="2293" y="8864"/>
-                    <a:pt x="2331" y="8895"/>
-                    <a:pt x="2365" y="8895"/>
-                  </a:cubicBezTo>
-                  <a:cubicBezTo>
-                    <a:pt x="2385" y="8895"/>
-                    <a:pt x="2404" y="8885"/>
-                    <a:pt x="2415" y="8860"/>
-                  </a:cubicBezTo>
-                  <a:cubicBezTo>
-                    <a:pt x="2701" y="8232"/>
-                    <a:pt x="2587" y="7392"/>
-                    <a:pt x="2512" y="6725"/>
-                  </a:cubicBezTo>
-                  <a:cubicBezTo>
-                    <a:pt x="2441" y="6058"/>
-                    <a:pt x="2268" y="5421"/>
-                    <a:pt x="2002" y="4802"/>
-                  </a:cubicBezTo>
-                  <a:cubicBezTo>
-                    <a:pt x="1679" y="4051"/>
-                    <a:pt x="1269" y="3338"/>
-                    <a:pt x="993" y="2567"/>
-                  </a:cubicBezTo>
-                  <a:cubicBezTo>
-                    <a:pt x="697" y="1744"/>
-                    <a:pt x="677" y="892"/>
-                    <a:pt x="459" y="56"/>
-                  </a:cubicBezTo>
-                  <a:cubicBezTo>
-                    <a:pt x="449" y="19"/>
-                    <a:pt x="416" y="1"/>
-                    <a:pt x="384" y="1"/>
-                  </a:cubicBezTo>
-                  <a:close/>
-                </a:path>
-              </a:pathLst>
-            </a:custGeom>
-            <a:solidFill>
-              <a:schemeClr val="dk2"/>
-            </a:solidFill>
-            <a:ln>
-              <a:noFill/>
-            </a:ln>
-          </p:spPr>
-          <p:txBody>
-            <a:bodyPr spcFirstLastPara="1" wrap="square" lIns="91425" tIns="91425" rIns="91425" bIns="91425" anchor="ctr" anchorCtr="0">
-              <a:noAutofit/>
-            </a:bodyPr>
-            <a:lstStyle/>
-            <a:p>
-              <a:pPr marL="0" lvl="0" indent="0" algn="l" rtl="0">
-                <a:spcBef>
-                  <a:spcPts val="0"/>
-                </a:spcBef>
-                <a:spcAft>
-                  <a:spcPts val="0"/>
-                </a:spcAft>
-                <a:buNone/>
-              </a:pPr>
-              <a:endParaRPr/>
-            </a:p>
-          </p:txBody>
-        </p:sp>
-        <p:sp>
-          <p:nvSpPr>
-            <p:cNvPr id="1879" name="Google Shape;1879;p119"/>
-            <p:cNvSpPr/>
-            <p:nvPr/>
-          </p:nvSpPr>
-          <p:spPr>
-            <a:xfrm>
-              <a:off x="5174167" y="2885271"/>
-              <a:ext cx="8960" cy="18968"/>
-            </a:xfrm>
-            <a:custGeom>
-              <a:avLst/>
-              <a:gdLst/>
-              <a:ahLst/>
-              <a:cxnLst/>
-              <a:rect l="l" t="t" r="r" b="b"/>
-              <a:pathLst>
-                <a:path w="154" h="326" extrusionOk="0">
-                  <a:moveTo>
-                    <a:pt x="77" y="1"/>
-                  </a:moveTo>
-                  <a:cubicBezTo>
-                    <a:pt x="42" y="1"/>
-                    <a:pt x="7" y="23"/>
-                    <a:pt x="7" y="69"/>
-                  </a:cubicBezTo>
-                  <a:cubicBezTo>
-                    <a:pt x="7" y="140"/>
-                    <a:pt x="1" y="215"/>
-                    <a:pt x="24" y="284"/>
-                  </a:cubicBezTo>
-                  <a:cubicBezTo>
-                    <a:pt x="32" y="311"/>
-                    <a:pt x="54" y="325"/>
-                    <a:pt x="77" y="325"/>
-                  </a:cubicBezTo>
-                  <a:cubicBezTo>
-                    <a:pt x="100" y="325"/>
-                    <a:pt x="123" y="311"/>
-                    <a:pt x="131" y="284"/>
-                  </a:cubicBezTo>
-                  <a:cubicBezTo>
-                    <a:pt x="154" y="215"/>
-                    <a:pt x="144" y="140"/>
-                    <a:pt x="144" y="69"/>
-                  </a:cubicBezTo>
-                  <a:cubicBezTo>
-                    <a:pt x="146" y="23"/>
-                    <a:pt x="111" y="1"/>
-                    <a:pt x="77" y="1"/>
-                  </a:cubicBezTo>
-                  <a:close/>
-                </a:path>
-              </a:pathLst>
-            </a:custGeom>
-            <a:solidFill>
-              <a:schemeClr val="dk2"/>
-            </a:solidFill>
-            <a:ln>
-              <a:noFill/>
-            </a:ln>
-          </p:spPr>
-          <p:txBody>
-            <a:bodyPr spcFirstLastPara="1" wrap="square" lIns="91425" tIns="91425" rIns="91425" bIns="91425" anchor="ctr" anchorCtr="0">
-              <a:noAutofit/>
-            </a:bodyPr>
-            <a:lstStyle/>
-            <a:p>
-              <a:pPr marL="0" lvl="0" indent="0" algn="l" rtl="0">
-                <a:spcBef>
-                  <a:spcPts val="0"/>
-                </a:spcBef>
-                <a:spcAft>
-                  <a:spcPts val="0"/>
-                </a:spcAft>
-                <a:buNone/>
-              </a:pPr>
-              <a:endParaRPr/>
-            </a:p>
-          </p:txBody>
-        </p:sp>
-        <p:sp>
-          <p:nvSpPr>
-            <p:cNvPr id="1880" name="Google Shape;1880;p119"/>
-            <p:cNvSpPr/>
-            <p:nvPr/>
-          </p:nvSpPr>
-          <p:spPr>
-            <a:xfrm>
-              <a:off x="5151824" y="2831626"/>
-              <a:ext cx="120676" cy="1061760"/>
-            </a:xfrm>
-            <a:custGeom>
-              <a:avLst/>
-              <a:gdLst/>
-              <a:ahLst/>
-              <a:cxnLst/>
-              <a:rect l="l" t="t" r="r" b="b"/>
-              <a:pathLst>
-                <a:path w="2074" h="18248" extrusionOk="0">
-                  <a:moveTo>
-                    <a:pt x="561" y="0"/>
-                  </a:moveTo>
-                  <a:cubicBezTo>
-                    <a:pt x="544" y="0"/>
-                    <a:pt x="528" y="10"/>
-                    <a:pt x="525" y="31"/>
-                  </a:cubicBezTo>
-                  <a:cubicBezTo>
-                    <a:pt x="1" y="3041"/>
-                    <a:pt x="1247" y="5930"/>
-                    <a:pt x="1387" y="8923"/>
-                  </a:cubicBezTo>
-                  <a:cubicBezTo>
-                    <a:pt x="1462" y="10491"/>
-                    <a:pt x="1507" y="12059"/>
-                    <a:pt x="1579" y="13624"/>
-                  </a:cubicBezTo>
-                  <a:cubicBezTo>
-                    <a:pt x="1650" y="15150"/>
-                    <a:pt x="1647" y="16735"/>
-                    <a:pt x="1911" y="18244"/>
-                  </a:cubicBezTo>
-                  <a:cubicBezTo>
-                    <a:pt x="1912" y="18247"/>
-                    <a:pt x="1914" y="18248"/>
-                    <a:pt x="1916" y="18248"/>
-                  </a:cubicBezTo>
-                  <a:cubicBezTo>
-                    <a:pt x="1920" y="18248"/>
-                    <a:pt x="1924" y="18245"/>
-                    <a:pt x="1924" y="18241"/>
-                  </a:cubicBezTo>
-                  <a:cubicBezTo>
-                    <a:pt x="2073" y="16725"/>
-                    <a:pt x="1946" y="15147"/>
-                    <a:pt x="1901" y="13624"/>
-                  </a:cubicBezTo>
-                  <a:cubicBezTo>
-                    <a:pt x="1852" y="12059"/>
-                    <a:pt x="1836" y="10485"/>
-                    <a:pt x="1702" y="8923"/>
-                  </a:cubicBezTo>
-                  <a:cubicBezTo>
-                    <a:pt x="1449" y="5969"/>
-                    <a:pt x="440" y="3021"/>
-                    <a:pt x="606" y="41"/>
-                  </a:cubicBezTo>
-                  <a:cubicBezTo>
-                    <a:pt x="606" y="15"/>
-                    <a:pt x="583" y="0"/>
-                    <a:pt x="561" y="0"/>
-                  </a:cubicBezTo>
-                  <a:close/>
-                </a:path>
-              </a:pathLst>
-            </a:custGeom>
-            <a:solidFill>
-              <a:schemeClr val="dk2"/>
-            </a:solidFill>
-            <a:ln>
-              <a:noFill/>
-            </a:ln>
-          </p:spPr>
-          <p:txBody>
-            <a:bodyPr spcFirstLastPara="1" wrap="square" lIns="91425" tIns="91425" rIns="91425" bIns="91425" anchor="ctr" anchorCtr="0">
-              <a:noAutofit/>
-            </a:bodyPr>
-            <a:lstStyle/>
-            <a:p>
-              <a:pPr marL="0" lvl="0" indent="0" algn="l" rtl="0">
-                <a:spcBef>
-                  <a:spcPts val="0"/>
-                </a:spcBef>
-                <a:spcAft>
-                  <a:spcPts val="0"/>
-                </a:spcAft>
-                <a:buNone/>
-              </a:pPr>
-              <a:endParaRPr/>
-            </a:p>
-          </p:txBody>
-        </p:sp>
-      </p:grpSp>
-      <p:grpSp>
-        <p:nvGrpSpPr>
-          <p:cNvPr id="1881" name="Google Shape;1881;p119"/>
-          <p:cNvGrpSpPr/>
-          <p:nvPr/>
-        </p:nvGrpSpPr>
-        <p:grpSpPr>
-          <a:xfrm>
-            <a:off x="6305934" y="2473442"/>
-            <a:ext cx="1682045" cy="2018449"/>
-            <a:chOff x="6207126" y="2571754"/>
-            <a:chExt cx="1476125" cy="1771346"/>
-          </a:xfrm>
-        </p:grpSpPr>
-        <p:sp>
-          <p:nvSpPr>
-            <p:cNvPr id="1882" name="Google Shape;1882;p119"/>
-            <p:cNvSpPr/>
-            <p:nvPr/>
-          </p:nvSpPr>
-          <p:spPr>
-            <a:xfrm rot="-3078484">
-              <a:off x="6452238" y="3695137"/>
-              <a:ext cx="1471380" cy="90756"/>
-            </a:xfrm>
-            <a:custGeom>
-              <a:avLst/>
-              <a:gdLst/>
-              <a:ahLst/>
-              <a:cxnLst/>
-              <a:rect l="l" t="t" r="r" b="b"/>
-              <a:pathLst>
-                <a:path w="25453" h="1570" extrusionOk="0">
-                  <a:moveTo>
-                    <a:pt x="301" y="0"/>
-                  </a:moveTo>
-                  <a:cubicBezTo>
-                    <a:pt x="0" y="0"/>
-                    <a:pt x="1" y="484"/>
-                    <a:pt x="247" y="602"/>
-                  </a:cubicBezTo>
-                  <a:cubicBezTo>
-                    <a:pt x="2063" y="1487"/>
-                    <a:pt x="4087" y="1178"/>
-                    <a:pt x="6026" y="1305"/>
-                  </a:cubicBezTo>
-                  <a:cubicBezTo>
-                    <a:pt x="6661" y="1346"/>
-                    <a:pt x="7303" y="1373"/>
-                    <a:pt x="7944" y="1373"/>
-                  </a:cubicBezTo>
-                  <a:cubicBezTo>
-                    <a:pt x="8426" y="1373"/>
-                    <a:pt x="8907" y="1358"/>
-                    <a:pt x="9383" y="1321"/>
-                  </a:cubicBezTo>
-                  <a:cubicBezTo>
-                    <a:pt x="9685" y="1298"/>
-                    <a:pt x="9981" y="1287"/>
-                    <a:pt x="10275" y="1287"/>
-                  </a:cubicBezTo>
-                  <a:cubicBezTo>
-                    <a:pt x="11101" y="1287"/>
-                    <a:pt x="11905" y="1373"/>
-                    <a:pt x="12747" y="1500"/>
-                  </a:cubicBezTo>
-                  <a:cubicBezTo>
-                    <a:pt x="13074" y="1549"/>
-                    <a:pt x="13398" y="1570"/>
-                    <a:pt x="13720" y="1570"/>
-                  </a:cubicBezTo>
-                  <a:cubicBezTo>
-                    <a:pt x="15243" y="1570"/>
-                    <a:pt x="16720" y="1110"/>
-                    <a:pt x="18246" y="1019"/>
-                  </a:cubicBezTo>
-                  <a:cubicBezTo>
-                    <a:pt x="18864" y="981"/>
-                    <a:pt x="19484" y="968"/>
-                    <a:pt x="20104" y="968"/>
-                  </a:cubicBezTo>
-                  <a:cubicBezTo>
-                    <a:pt x="21555" y="968"/>
-                    <a:pt x="23008" y="1040"/>
-                    <a:pt x="24457" y="1040"/>
-                  </a:cubicBezTo>
-                  <a:cubicBezTo>
-                    <a:pt x="24672" y="1040"/>
-                    <a:pt x="24886" y="1039"/>
-                    <a:pt x="25101" y="1035"/>
-                  </a:cubicBezTo>
-                  <a:cubicBezTo>
-                    <a:pt x="25452" y="1029"/>
-                    <a:pt x="25452" y="394"/>
-                    <a:pt x="25101" y="388"/>
-                  </a:cubicBezTo>
-                  <a:cubicBezTo>
-                    <a:pt x="24152" y="371"/>
-                    <a:pt x="23200" y="363"/>
-                    <a:pt x="22247" y="363"/>
-                  </a:cubicBezTo>
-                  <a:cubicBezTo>
-                    <a:pt x="20912" y="363"/>
-                    <a:pt x="19575" y="379"/>
-                    <a:pt x="18246" y="414"/>
-                  </a:cubicBezTo>
-                  <a:cubicBezTo>
-                    <a:pt x="17075" y="445"/>
-                    <a:pt x="15852" y="564"/>
-                    <a:pt x="14645" y="564"/>
-                  </a:cubicBezTo>
-                  <a:cubicBezTo>
-                    <a:pt x="13947" y="564"/>
-                    <a:pt x="13255" y="524"/>
-                    <a:pt x="12582" y="404"/>
-                  </a:cubicBezTo>
-                  <a:cubicBezTo>
-                    <a:pt x="11784" y="263"/>
-                    <a:pt x="10987" y="229"/>
-                    <a:pt x="10189" y="229"/>
-                  </a:cubicBezTo>
-                  <a:cubicBezTo>
-                    <a:pt x="9426" y="229"/>
-                    <a:pt x="8662" y="260"/>
-                    <a:pt x="7896" y="260"/>
-                  </a:cubicBezTo>
-                  <a:cubicBezTo>
-                    <a:pt x="7372" y="260"/>
-                    <a:pt x="6847" y="245"/>
-                    <a:pt x="6322" y="196"/>
-                  </a:cubicBezTo>
-                  <a:cubicBezTo>
-                    <a:pt x="4314" y="7"/>
-                    <a:pt x="2320" y="114"/>
-                    <a:pt x="316" y="0"/>
-                  </a:cubicBezTo>
-                  <a:cubicBezTo>
-                    <a:pt x="311" y="0"/>
-                    <a:pt x="306" y="0"/>
-                    <a:pt x="301" y="0"/>
-                  </a:cubicBezTo>
-                  <a:close/>
-                </a:path>
-              </a:pathLst>
-            </a:custGeom>
-            <a:solidFill>
-              <a:schemeClr val="dk2"/>
-            </a:solidFill>
-            <a:ln>
-              <a:noFill/>
-            </a:ln>
-          </p:spPr>
-          <p:txBody>
-            <a:bodyPr spcFirstLastPara="1" wrap="square" lIns="91425" tIns="91425" rIns="91425" bIns="91425" anchor="ctr" anchorCtr="0">
-              <a:noAutofit/>
-            </a:bodyPr>
-            <a:lstStyle/>
-            <a:p>
-              <a:pPr marL="0" lvl="0" indent="0" algn="l" rtl="0">
-                <a:spcBef>
-                  <a:spcPts val="0"/>
-                </a:spcBef>
-                <a:spcAft>
-                  <a:spcPts val="0"/>
-                </a:spcAft>
-                <a:buNone/>
-              </a:pPr>
-              <a:endParaRPr/>
-            </a:p>
-          </p:txBody>
-        </p:sp>
-        <p:sp>
-          <p:nvSpPr>
-            <p:cNvPr id="1883" name="Google Shape;1883;p119"/>
-            <p:cNvSpPr/>
-            <p:nvPr/>
-          </p:nvSpPr>
-          <p:spPr>
-            <a:xfrm rot="-3078484">
-              <a:off x="6381960" y="3578104"/>
-              <a:ext cx="1470744" cy="108733"/>
-            </a:xfrm>
-            <a:custGeom>
-              <a:avLst/>
-              <a:gdLst/>
-              <a:ahLst/>
-              <a:cxnLst/>
-              <a:rect l="l" t="t" r="r" b="b"/>
-              <a:pathLst>
-                <a:path w="25442" h="1881" extrusionOk="0">
-                  <a:moveTo>
-                    <a:pt x="3069" y="1"/>
-                  </a:moveTo>
-                  <a:cubicBezTo>
-                    <a:pt x="2044" y="1"/>
-                    <a:pt x="1028" y="104"/>
-                    <a:pt x="100" y="462"/>
-                  </a:cubicBezTo>
-                  <a:cubicBezTo>
-                    <a:pt x="0" y="497"/>
-                    <a:pt x="11" y="683"/>
-                    <a:pt x="120" y="683"/>
-                  </a:cubicBezTo>
-                  <a:cubicBezTo>
-                    <a:pt x="122" y="683"/>
-                    <a:pt x="124" y="683"/>
-                    <a:pt x="126" y="683"/>
-                  </a:cubicBezTo>
-                  <a:cubicBezTo>
-                    <a:pt x="230" y="678"/>
-                    <a:pt x="335" y="676"/>
-                    <a:pt x="441" y="676"/>
-                  </a:cubicBezTo>
-                  <a:cubicBezTo>
-                    <a:pt x="1411" y="676"/>
-                    <a:pt x="2401" y="860"/>
-                    <a:pt x="3376" y="865"/>
-                  </a:cubicBezTo>
-                  <a:cubicBezTo>
-                    <a:pt x="4489" y="875"/>
-                    <a:pt x="5591" y="986"/>
-                    <a:pt x="6701" y="999"/>
-                  </a:cubicBezTo>
-                  <a:cubicBezTo>
-                    <a:pt x="7257" y="1005"/>
-                    <a:pt x="7814" y="1006"/>
-                    <a:pt x="8370" y="1006"/>
-                  </a:cubicBezTo>
-                  <a:cubicBezTo>
-                    <a:pt x="8555" y="1006"/>
-                    <a:pt x="8741" y="1006"/>
-                    <a:pt x="8926" y="1006"/>
-                  </a:cubicBezTo>
-                  <a:cubicBezTo>
-                    <a:pt x="9297" y="1006"/>
-                    <a:pt x="9668" y="1006"/>
-                    <a:pt x="10039" y="1009"/>
-                  </a:cubicBezTo>
-                  <a:cubicBezTo>
-                    <a:pt x="11155" y="1018"/>
-                    <a:pt x="12232" y="1240"/>
-                    <a:pt x="13345" y="1314"/>
-                  </a:cubicBezTo>
-                  <a:cubicBezTo>
-                    <a:pt x="14168" y="1372"/>
-                    <a:pt x="14997" y="1390"/>
-                    <a:pt x="15827" y="1390"/>
-                  </a:cubicBezTo>
-                  <a:cubicBezTo>
-                    <a:pt x="17166" y="1390"/>
-                    <a:pt x="18509" y="1344"/>
-                    <a:pt x="19840" y="1344"/>
-                  </a:cubicBezTo>
-                  <a:cubicBezTo>
-                    <a:pt x="19868" y="1344"/>
-                    <a:pt x="19895" y="1344"/>
-                    <a:pt x="19923" y="1344"/>
-                  </a:cubicBezTo>
-                  <a:cubicBezTo>
-                    <a:pt x="20308" y="1344"/>
-                    <a:pt x="20720" y="1296"/>
-                    <a:pt x="21116" y="1296"/>
-                  </a:cubicBezTo>
-                  <a:cubicBezTo>
-                    <a:pt x="21256" y="1296"/>
-                    <a:pt x="21393" y="1302"/>
-                    <a:pt x="21527" y="1318"/>
-                  </a:cubicBezTo>
-                  <a:cubicBezTo>
-                    <a:pt x="21927" y="1366"/>
-                    <a:pt x="22328" y="1506"/>
-                    <a:pt x="22728" y="1571"/>
-                  </a:cubicBezTo>
-                  <a:cubicBezTo>
-                    <a:pt x="23171" y="1642"/>
-                    <a:pt x="23772" y="1881"/>
-                    <a:pt x="24306" y="1881"/>
-                  </a:cubicBezTo>
-                  <a:cubicBezTo>
-                    <a:pt x="24556" y="1881"/>
-                    <a:pt x="24792" y="1828"/>
-                    <a:pt x="24989" y="1682"/>
-                  </a:cubicBezTo>
-                  <a:cubicBezTo>
-                    <a:pt x="25442" y="1346"/>
-                    <a:pt x="25151" y="564"/>
-                    <a:pt x="24744" y="564"/>
-                  </a:cubicBezTo>
-                  <a:cubicBezTo>
-                    <a:pt x="24662" y="564"/>
-                    <a:pt x="24577" y="595"/>
-                    <a:pt x="24491" y="667"/>
-                  </a:cubicBezTo>
-                  <a:cubicBezTo>
-                    <a:pt x="24413" y="733"/>
-                    <a:pt x="24305" y="757"/>
-                    <a:pt x="24182" y="757"/>
-                  </a:cubicBezTo>
-                  <a:cubicBezTo>
-                    <a:pt x="23860" y="757"/>
-                    <a:pt x="23439" y="591"/>
-                    <a:pt x="23206" y="569"/>
-                  </a:cubicBezTo>
-                  <a:cubicBezTo>
-                    <a:pt x="22780" y="527"/>
-                    <a:pt x="22360" y="511"/>
-                    <a:pt x="21937" y="439"/>
-                  </a:cubicBezTo>
-                  <a:cubicBezTo>
-                    <a:pt x="21570" y="376"/>
-                    <a:pt x="21192" y="357"/>
-                    <a:pt x="20811" y="357"/>
-                  </a:cubicBezTo>
-                  <a:cubicBezTo>
-                    <a:pt x="20232" y="357"/>
-                    <a:pt x="19645" y="401"/>
-                    <a:pt x="19077" y="403"/>
-                  </a:cubicBezTo>
-                  <a:cubicBezTo>
-                    <a:pt x="17842" y="405"/>
-                    <a:pt x="16596" y="452"/>
-                    <a:pt x="15353" y="452"/>
-                  </a:cubicBezTo>
-                  <a:cubicBezTo>
-                    <a:pt x="14458" y="452"/>
-                    <a:pt x="13564" y="428"/>
-                    <a:pt x="12678" y="345"/>
-                  </a:cubicBezTo>
-                  <a:cubicBezTo>
-                    <a:pt x="11677" y="250"/>
-                    <a:pt x="10729" y="136"/>
-                    <a:pt x="9725" y="136"/>
-                  </a:cubicBezTo>
-                  <a:cubicBezTo>
-                    <a:pt x="9697" y="136"/>
-                    <a:pt x="9670" y="136"/>
-                    <a:pt x="9642" y="137"/>
-                  </a:cubicBezTo>
-                  <a:cubicBezTo>
-                    <a:pt x="8795" y="139"/>
-                    <a:pt x="7941" y="185"/>
-                    <a:pt x="7091" y="185"/>
-                  </a:cubicBezTo>
-                  <a:cubicBezTo>
-                    <a:pt x="6763" y="185"/>
-                    <a:pt x="6435" y="178"/>
-                    <a:pt x="6109" y="159"/>
-                  </a:cubicBezTo>
-                  <a:cubicBezTo>
-                    <a:pt x="5142" y="106"/>
-                    <a:pt x="4101" y="1"/>
-                    <a:pt x="3069" y="1"/>
-                  </a:cubicBezTo>
-                  <a:close/>
-                </a:path>
-              </a:pathLst>
-            </a:custGeom>
-            <a:solidFill>
-              <a:schemeClr val="dk2"/>
-            </a:solidFill>
-            <a:ln>
-              <a:noFill/>
-            </a:ln>
-          </p:spPr>
-          <p:txBody>
-            <a:bodyPr spcFirstLastPara="1" wrap="square" lIns="91425" tIns="91425" rIns="91425" bIns="91425" anchor="ctr" anchorCtr="0">
-              <a:noAutofit/>
-            </a:bodyPr>
-            <a:lstStyle/>
-            <a:p>
-              <a:pPr marL="0" lvl="0" indent="0" algn="l" rtl="0">
-                <a:spcBef>
-                  <a:spcPts val="0"/>
-                </a:spcBef>
-                <a:spcAft>
-                  <a:spcPts val="0"/>
-                </a:spcAft>
-                <a:buNone/>
-              </a:pPr>
-              <a:endParaRPr/>
-            </a:p>
-          </p:txBody>
-        </p:sp>
-        <p:sp>
-          <p:nvSpPr>
-            <p:cNvPr id="1884" name="Google Shape;1884;p119"/>
-            <p:cNvSpPr/>
-            <p:nvPr/>
-          </p:nvSpPr>
-          <p:spPr>
-            <a:xfrm rot="-3078484">
-              <a:off x="6214998" y="3468644"/>
-              <a:ext cx="1582949" cy="130469"/>
-            </a:xfrm>
-            <a:custGeom>
-              <a:avLst/>
-              <a:gdLst/>
-              <a:ahLst/>
-              <a:cxnLst/>
-              <a:rect l="l" t="t" r="r" b="b"/>
-              <a:pathLst>
-                <a:path w="27383" h="2257" extrusionOk="0">
-                  <a:moveTo>
-                    <a:pt x="16574" y="0"/>
-                  </a:moveTo>
-                  <a:cubicBezTo>
-                    <a:pt x="15840" y="0"/>
-                    <a:pt x="15105" y="29"/>
-                    <a:pt x="14375" y="31"/>
-                  </a:cubicBezTo>
-                  <a:cubicBezTo>
-                    <a:pt x="11990" y="41"/>
-                    <a:pt x="9657" y="382"/>
-                    <a:pt x="7282" y="532"/>
-                  </a:cubicBezTo>
-                  <a:cubicBezTo>
-                    <a:pt x="6926" y="554"/>
-                    <a:pt x="6570" y="561"/>
-                    <a:pt x="6214" y="561"/>
-                  </a:cubicBezTo>
-                  <a:cubicBezTo>
-                    <a:pt x="5724" y="561"/>
-                    <a:pt x="5233" y="549"/>
-                    <a:pt x="4743" y="549"/>
-                  </a:cubicBezTo>
-                  <a:cubicBezTo>
-                    <a:pt x="4492" y="549"/>
-                    <a:pt x="4240" y="552"/>
-                    <a:pt x="3989" y="561"/>
-                  </a:cubicBezTo>
-                  <a:cubicBezTo>
-                    <a:pt x="2763" y="610"/>
-                    <a:pt x="1578" y="984"/>
-                    <a:pt x="368" y="1176"/>
-                  </a:cubicBezTo>
-                  <a:cubicBezTo>
-                    <a:pt x="14" y="1232"/>
-                    <a:pt x="1" y="1801"/>
-                    <a:pt x="368" y="1840"/>
-                  </a:cubicBezTo>
-                  <a:cubicBezTo>
-                    <a:pt x="575" y="1862"/>
-                    <a:pt x="780" y="1872"/>
-                    <a:pt x="985" y="1872"/>
-                  </a:cubicBezTo>
-                  <a:cubicBezTo>
-                    <a:pt x="1944" y="1872"/>
-                    <a:pt x="2884" y="1667"/>
-                    <a:pt x="3849" y="1635"/>
-                  </a:cubicBezTo>
-                  <a:cubicBezTo>
-                    <a:pt x="4066" y="1628"/>
-                    <a:pt x="4283" y="1625"/>
-                    <a:pt x="4500" y="1625"/>
-                  </a:cubicBezTo>
-                  <a:cubicBezTo>
-                    <a:pt x="5107" y="1625"/>
-                    <a:pt x="5714" y="1646"/>
-                    <a:pt x="6321" y="1646"/>
-                  </a:cubicBezTo>
-                  <a:cubicBezTo>
-                    <a:pt x="6641" y="1646"/>
-                    <a:pt x="6962" y="1640"/>
-                    <a:pt x="7282" y="1622"/>
-                  </a:cubicBezTo>
-                  <a:cubicBezTo>
-                    <a:pt x="9622" y="1487"/>
-                    <a:pt x="11921" y="1170"/>
-                    <a:pt x="14269" y="1170"/>
-                  </a:cubicBezTo>
-                  <a:cubicBezTo>
-                    <a:pt x="14304" y="1170"/>
-                    <a:pt x="14339" y="1170"/>
-                    <a:pt x="14375" y="1170"/>
-                  </a:cubicBezTo>
-                  <a:cubicBezTo>
-                    <a:pt x="14404" y="1170"/>
-                    <a:pt x="14434" y="1170"/>
-                    <a:pt x="14464" y="1170"/>
-                  </a:cubicBezTo>
-                  <a:cubicBezTo>
-                    <a:pt x="15097" y="1170"/>
-                    <a:pt x="15735" y="1152"/>
-                    <a:pt x="16371" y="1152"/>
-                  </a:cubicBezTo>
-                  <a:cubicBezTo>
-                    <a:pt x="16853" y="1152"/>
-                    <a:pt x="17335" y="1162"/>
-                    <a:pt x="17814" y="1199"/>
-                  </a:cubicBezTo>
-                  <a:cubicBezTo>
-                    <a:pt x="18796" y="1274"/>
-                    <a:pt x="19756" y="1550"/>
-                    <a:pt x="20738" y="1603"/>
-                  </a:cubicBezTo>
-                  <a:cubicBezTo>
-                    <a:pt x="21688" y="1651"/>
-                    <a:pt x="22625" y="1811"/>
-                    <a:pt x="23569" y="1905"/>
-                  </a:cubicBezTo>
-                  <a:cubicBezTo>
-                    <a:pt x="24579" y="2007"/>
-                    <a:pt x="25594" y="2257"/>
-                    <a:pt x="26607" y="2257"/>
-                  </a:cubicBezTo>
-                  <a:cubicBezTo>
-                    <a:pt x="26632" y="2257"/>
-                    <a:pt x="26657" y="2257"/>
-                    <a:pt x="26683" y="2256"/>
-                  </a:cubicBezTo>
-                  <a:cubicBezTo>
-                    <a:pt x="27373" y="2247"/>
-                    <a:pt x="27382" y="960"/>
-                    <a:pt x="26720" y="960"/>
-                  </a:cubicBezTo>
-                  <a:cubicBezTo>
-                    <a:pt x="26708" y="960"/>
-                    <a:pt x="26695" y="961"/>
-                    <a:pt x="26683" y="962"/>
-                  </a:cubicBezTo>
-                  <a:cubicBezTo>
-                    <a:pt x="26492" y="975"/>
-                    <a:pt x="26300" y="980"/>
-                    <a:pt x="26109" y="980"/>
-                  </a:cubicBezTo>
-                  <a:cubicBezTo>
-                    <a:pt x="24326" y="980"/>
-                    <a:pt x="22522" y="472"/>
-                    <a:pt x="20738" y="425"/>
-                  </a:cubicBezTo>
-                  <a:cubicBezTo>
-                    <a:pt x="19759" y="399"/>
-                    <a:pt x="18796" y="106"/>
-                    <a:pt x="17814" y="38"/>
-                  </a:cubicBezTo>
-                  <a:cubicBezTo>
-                    <a:pt x="17402" y="9"/>
-                    <a:pt x="16988" y="0"/>
-                    <a:pt x="16574" y="0"/>
-                  </a:cubicBezTo>
-                  <a:close/>
-                </a:path>
-              </a:pathLst>
-            </a:custGeom>
-            <a:solidFill>
-              <a:schemeClr val="dk2"/>
-            </a:solidFill>
-            <a:ln>
-              <a:noFill/>
-            </a:ln>
-          </p:spPr>
-          <p:txBody>
-            <a:bodyPr spcFirstLastPara="1" wrap="square" lIns="91425" tIns="91425" rIns="91425" bIns="91425" anchor="ctr" anchorCtr="0">
-              <a:noAutofit/>
-            </a:bodyPr>
-            <a:lstStyle/>
-            <a:p>
-              <a:pPr marL="0" lvl="0" indent="0" algn="l" rtl="0">
-                <a:spcBef>
-                  <a:spcPts val="0"/>
-                </a:spcBef>
-                <a:spcAft>
-                  <a:spcPts val="0"/>
-                </a:spcAft>
-                <a:buNone/>
-              </a:pPr>
-              <a:endParaRPr/>
-            </a:p>
-          </p:txBody>
-        </p:sp>
-        <p:sp>
-          <p:nvSpPr>
-            <p:cNvPr id="1885" name="Google Shape;1885;p119"/>
-            <p:cNvSpPr/>
-            <p:nvPr/>
-          </p:nvSpPr>
-          <p:spPr>
-            <a:xfrm rot="-3078484">
-              <a:off x="6155504" y="3380770"/>
-              <a:ext cx="1535547" cy="77576"/>
-            </a:xfrm>
-            <a:custGeom>
-              <a:avLst/>
-              <a:gdLst/>
-              <a:ahLst/>
-              <a:cxnLst/>
-              <a:rect l="l" t="t" r="r" b="b"/>
-              <a:pathLst>
-                <a:path w="26563" h="1342" extrusionOk="0">
-                  <a:moveTo>
-                    <a:pt x="14004" y="0"/>
-                  </a:moveTo>
-                  <a:cubicBezTo>
-                    <a:pt x="13784" y="0"/>
-                    <a:pt x="13564" y="1"/>
-                    <a:pt x="13343" y="4"/>
-                  </a:cubicBezTo>
-                  <a:cubicBezTo>
-                    <a:pt x="11238" y="23"/>
-                    <a:pt x="9130" y="14"/>
-                    <a:pt x="7028" y="111"/>
-                  </a:cubicBezTo>
-                  <a:cubicBezTo>
-                    <a:pt x="4735" y="215"/>
-                    <a:pt x="2447" y="515"/>
-                    <a:pt x="163" y="641"/>
-                  </a:cubicBezTo>
-                  <a:cubicBezTo>
-                    <a:pt x="1" y="651"/>
-                    <a:pt x="1" y="931"/>
-                    <a:pt x="163" y="941"/>
-                  </a:cubicBezTo>
-                  <a:cubicBezTo>
-                    <a:pt x="1236" y="992"/>
-                    <a:pt x="2293" y="1095"/>
-                    <a:pt x="3369" y="1095"/>
-                  </a:cubicBezTo>
-                  <a:cubicBezTo>
-                    <a:pt x="3444" y="1095"/>
-                    <a:pt x="3520" y="1095"/>
-                    <a:pt x="3596" y="1094"/>
-                  </a:cubicBezTo>
-                  <a:cubicBezTo>
-                    <a:pt x="4689" y="1081"/>
-                    <a:pt x="5779" y="1009"/>
-                    <a:pt x="6872" y="977"/>
-                  </a:cubicBezTo>
-                  <a:cubicBezTo>
-                    <a:pt x="7715" y="951"/>
-                    <a:pt x="8557" y="943"/>
-                    <a:pt x="9400" y="943"/>
-                  </a:cubicBezTo>
-                  <a:cubicBezTo>
-                    <a:pt x="10714" y="943"/>
-                    <a:pt x="12029" y="963"/>
-                    <a:pt x="13343" y="973"/>
-                  </a:cubicBezTo>
-                  <a:cubicBezTo>
-                    <a:pt x="15400" y="990"/>
-                    <a:pt x="17440" y="1100"/>
-                    <a:pt x="19496" y="1100"/>
-                  </a:cubicBezTo>
-                  <a:cubicBezTo>
-                    <a:pt x="20621" y="1100"/>
-                    <a:pt x="21750" y="1103"/>
-                    <a:pt x="22876" y="1103"/>
-                  </a:cubicBezTo>
-                  <a:cubicBezTo>
-                    <a:pt x="23199" y="1103"/>
-                    <a:pt x="23524" y="1093"/>
-                    <a:pt x="23849" y="1093"/>
-                  </a:cubicBezTo>
-                  <a:cubicBezTo>
-                    <a:pt x="24032" y="1093"/>
-                    <a:pt x="24214" y="1096"/>
-                    <a:pt x="24396" y="1107"/>
-                  </a:cubicBezTo>
-                  <a:cubicBezTo>
-                    <a:pt x="24926" y="1136"/>
-                    <a:pt x="25437" y="1308"/>
-                    <a:pt x="25967" y="1341"/>
-                  </a:cubicBezTo>
-                  <a:cubicBezTo>
-                    <a:pt x="25977" y="1342"/>
-                    <a:pt x="25987" y="1342"/>
-                    <a:pt x="25997" y="1342"/>
-                  </a:cubicBezTo>
-                  <a:cubicBezTo>
-                    <a:pt x="26562" y="1342"/>
-                    <a:pt x="26559" y="244"/>
-                    <a:pt x="25967" y="238"/>
-                  </a:cubicBezTo>
-                  <a:cubicBezTo>
-                    <a:pt x="24939" y="231"/>
-                    <a:pt x="23914" y="75"/>
-                    <a:pt x="22876" y="75"/>
-                  </a:cubicBezTo>
-                  <a:cubicBezTo>
-                    <a:pt x="21799" y="75"/>
-                    <a:pt x="20726" y="75"/>
-                    <a:pt x="19652" y="79"/>
-                  </a:cubicBezTo>
-                  <a:cubicBezTo>
-                    <a:pt x="17761" y="79"/>
-                    <a:pt x="15888" y="0"/>
-                    <a:pt x="14004" y="0"/>
-                  </a:cubicBezTo>
-                  <a:close/>
-                </a:path>
-              </a:pathLst>
-            </a:custGeom>
-            <a:solidFill>
-              <a:schemeClr val="dk2"/>
-            </a:solidFill>
-            <a:ln>
-              <a:noFill/>
-            </a:ln>
-          </p:spPr>
-          <p:txBody>
-            <a:bodyPr spcFirstLastPara="1" wrap="square" lIns="91425" tIns="91425" rIns="91425" bIns="91425" anchor="ctr" anchorCtr="0">
-              <a:noAutofit/>
-            </a:bodyPr>
-            <a:lstStyle/>
-            <a:p>
-              <a:pPr marL="0" lvl="0" indent="0" algn="l" rtl="0">
-                <a:spcBef>
-                  <a:spcPts val="0"/>
-                </a:spcBef>
-                <a:spcAft>
-                  <a:spcPts val="0"/>
-                </a:spcAft>
-                <a:buNone/>
-              </a:pPr>
-              <a:endParaRPr/>
-            </a:p>
-          </p:txBody>
-        </p:sp>
-        <p:sp>
-          <p:nvSpPr>
-            <p:cNvPr id="1886" name="Google Shape;1886;p119"/>
-            <p:cNvSpPr/>
-            <p:nvPr/>
-          </p:nvSpPr>
-          <p:spPr>
-            <a:xfrm rot="-3078484">
-              <a:off x="6035811" y="3287505"/>
-              <a:ext cx="1556589" cy="81102"/>
-            </a:xfrm>
-            <a:custGeom>
-              <a:avLst/>
-              <a:gdLst/>
-              <a:ahLst/>
-              <a:cxnLst/>
-              <a:rect l="l" t="t" r="r" b="b"/>
-              <a:pathLst>
-                <a:path w="26927" h="1403" extrusionOk="0">
-                  <a:moveTo>
-                    <a:pt x="22259" y="1"/>
-                  </a:moveTo>
-                  <a:cubicBezTo>
-                    <a:pt x="22015" y="1"/>
-                    <a:pt x="21769" y="14"/>
-                    <a:pt x="21523" y="45"/>
-                  </a:cubicBezTo>
-                  <a:cubicBezTo>
-                    <a:pt x="20433" y="185"/>
-                    <a:pt x="19297" y="142"/>
-                    <a:pt x="18194" y="158"/>
-                  </a:cubicBezTo>
-                  <a:cubicBezTo>
-                    <a:pt x="18070" y="161"/>
-                    <a:pt x="17945" y="161"/>
-                    <a:pt x="17821" y="161"/>
-                  </a:cubicBezTo>
-                  <a:cubicBezTo>
-                    <a:pt x="16754" y="161"/>
-                    <a:pt x="15698" y="93"/>
-                    <a:pt x="14632" y="58"/>
-                  </a:cubicBezTo>
-                  <a:cubicBezTo>
-                    <a:pt x="14353" y="49"/>
-                    <a:pt x="14074" y="45"/>
-                    <a:pt x="13795" y="45"/>
-                  </a:cubicBezTo>
-                  <a:cubicBezTo>
-                    <a:pt x="11651" y="45"/>
-                    <a:pt x="9508" y="280"/>
-                    <a:pt x="7360" y="292"/>
-                  </a:cubicBezTo>
-                  <a:cubicBezTo>
-                    <a:pt x="7207" y="293"/>
-                    <a:pt x="7054" y="293"/>
-                    <a:pt x="6901" y="293"/>
-                  </a:cubicBezTo>
-                  <a:cubicBezTo>
-                    <a:pt x="6582" y="293"/>
-                    <a:pt x="6263" y="292"/>
-                    <a:pt x="5944" y="292"/>
-                  </a:cubicBezTo>
-                  <a:cubicBezTo>
-                    <a:pt x="5258" y="292"/>
-                    <a:pt x="4571" y="298"/>
-                    <a:pt x="3885" y="334"/>
-                  </a:cubicBezTo>
-                  <a:cubicBezTo>
-                    <a:pt x="2633" y="402"/>
-                    <a:pt x="1445" y="721"/>
-                    <a:pt x="206" y="884"/>
-                  </a:cubicBezTo>
-                  <a:cubicBezTo>
-                    <a:pt x="11" y="910"/>
-                    <a:pt x="1" y="1239"/>
-                    <a:pt x="206" y="1252"/>
-                  </a:cubicBezTo>
-                  <a:cubicBezTo>
-                    <a:pt x="488" y="1271"/>
-                    <a:pt x="770" y="1278"/>
-                    <a:pt x="1052" y="1278"/>
-                  </a:cubicBezTo>
-                  <a:cubicBezTo>
-                    <a:pt x="1917" y="1278"/>
-                    <a:pt x="2782" y="1209"/>
-                    <a:pt x="3649" y="1209"/>
-                  </a:cubicBezTo>
-                  <a:cubicBezTo>
-                    <a:pt x="3678" y="1209"/>
-                    <a:pt x="3707" y="1209"/>
-                    <a:pt x="3736" y="1209"/>
-                  </a:cubicBezTo>
-                  <a:cubicBezTo>
-                    <a:pt x="4943" y="1216"/>
-                    <a:pt x="6153" y="1239"/>
-                    <a:pt x="7360" y="1242"/>
-                  </a:cubicBezTo>
-                  <a:cubicBezTo>
-                    <a:pt x="7389" y="1242"/>
-                    <a:pt x="7418" y="1242"/>
-                    <a:pt x="7447" y="1242"/>
-                  </a:cubicBezTo>
-                  <a:cubicBezTo>
-                    <a:pt x="9505" y="1242"/>
-                    <a:pt x="11558" y="1049"/>
-                    <a:pt x="13613" y="1049"/>
-                  </a:cubicBezTo>
-                  <a:cubicBezTo>
-                    <a:pt x="13953" y="1049"/>
-                    <a:pt x="14292" y="1054"/>
-                    <a:pt x="14632" y="1066"/>
-                  </a:cubicBezTo>
-                  <a:cubicBezTo>
-                    <a:pt x="16010" y="1116"/>
-                    <a:pt x="17388" y="1182"/>
-                    <a:pt x="18767" y="1182"/>
-                  </a:cubicBezTo>
-                  <a:cubicBezTo>
-                    <a:pt x="19659" y="1182"/>
-                    <a:pt x="20552" y="1154"/>
-                    <a:pt x="21445" y="1076"/>
-                  </a:cubicBezTo>
-                  <a:cubicBezTo>
-                    <a:pt x="21832" y="1042"/>
-                    <a:pt x="22207" y="1021"/>
-                    <a:pt x="22582" y="1021"/>
-                  </a:cubicBezTo>
-                  <a:cubicBezTo>
-                    <a:pt x="23029" y="1021"/>
-                    <a:pt x="23476" y="1051"/>
-                    <a:pt x="23940" y="1122"/>
-                  </a:cubicBezTo>
-                  <a:cubicBezTo>
-                    <a:pt x="24687" y="1236"/>
-                    <a:pt x="25464" y="1403"/>
-                    <a:pt x="26225" y="1403"/>
-                  </a:cubicBezTo>
-                  <a:cubicBezTo>
-                    <a:pt x="26266" y="1403"/>
-                    <a:pt x="26307" y="1402"/>
-                    <a:pt x="26348" y="1401"/>
-                  </a:cubicBezTo>
-                  <a:cubicBezTo>
-                    <a:pt x="26918" y="1385"/>
-                    <a:pt x="26927" y="330"/>
-                    <a:pt x="26373" y="330"/>
-                  </a:cubicBezTo>
-                  <a:cubicBezTo>
-                    <a:pt x="26365" y="330"/>
-                    <a:pt x="26356" y="330"/>
-                    <a:pt x="26348" y="331"/>
-                  </a:cubicBezTo>
-                  <a:cubicBezTo>
-                    <a:pt x="26229" y="338"/>
-                    <a:pt x="26111" y="341"/>
-                    <a:pt x="25993" y="341"/>
-                  </a:cubicBezTo>
-                  <a:cubicBezTo>
-                    <a:pt x="24747" y="341"/>
-                    <a:pt x="23512" y="1"/>
-                    <a:pt x="22259" y="1"/>
-                  </a:cubicBezTo>
-                  <a:close/>
-                </a:path>
-              </a:pathLst>
-            </a:custGeom>
-            <a:solidFill>
-              <a:schemeClr val="dk2"/>
-            </a:solidFill>
-            <a:ln>
-              <a:noFill/>
-            </a:ln>
-          </p:spPr>
-          <p:txBody>
-            <a:bodyPr spcFirstLastPara="1" wrap="square" lIns="91425" tIns="91425" rIns="91425" bIns="91425" anchor="ctr" anchorCtr="0">
-              <a:noAutofit/>
-            </a:bodyPr>
-            <a:lstStyle/>
-            <a:p>
-              <a:pPr marL="0" lvl="0" indent="0" algn="l" rtl="0">
-                <a:spcBef>
-                  <a:spcPts val="0"/>
-                </a:spcBef>
-                <a:spcAft>
-                  <a:spcPts val="0"/>
-                </a:spcAft>
-                <a:buNone/>
-              </a:pPr>
-              <a:endParaRPr/>
-            </a:p>
-          </p:txBody>
-        </p:sp>
-        <p:sp>
-          <p:nvSpPr>
-            <p:cNvPr id="1887" name="Google Shape;1887;p119"/>
-            <p:cNvSpPr/>
-            <p:nvPr/>
-          </p:nvSpPr>
-          <p:spPr>
-            <a:xfrm rot="-3078484">
-              <a:off x="5949262" y="3168537"/>
-              <a:ext cx="1575203" cy="95785"/>
-            </a:xfrm>
-            <a:custGeom>
-              <a:avLst/>
-              <a:gdLst/>
-              <a:ahLst/>
-              <a:cxnLst/>
-              <a:rect l="l" t="t" r="r" b="b"/>
-              <a:pathLst>
-                <a:path w="27249" h="1657" extrusionOk="0">
-                  <a:moveTo>
-                    <a:pt x="17847" y="1"/>
-                  </a:moveTo>
-                  <a:cubicBezTo>
-                    <a:pt x="17828" y="1"/>
-                    <a:pt x="17809" y="1"/>
-                    <a:pt x="17791" y="1"/>
-                  </a:cubicBezTo>
-                  <a:cubicBezTo>
-                    <a:pt x="16649" y="4"/>
-                    <a:pt x="15510" y="103"/>
-                    <a:pt x="14371" y="103"/>
-                  </a:cubicBezTo>
-                  <a:cubicBezTo>
-                    <a:pt x="14290" y="103"/>
-                    <a:pt x="14209" y="103"/>
-                    <a:pt x="14127" y="102"/>
-                  </a:cubicBezTo>
-                  <a:cubicBezTo>
-                    <a:pt x="14058" y="101"/>
-                    <a:pt x="13989" y="101"/>
-                    <a:pt x="13919" y="101"/>
-                  </a:cubicBezTo>
-                  <a:cubicBezTo>
-                    <a:pt x="11649" y="101"/>
-                    <a:pt x="9415" y="503"/>
-                    <a:pt x="7149" y="538"/>
-                  </a:cubicBezTo>
-                  <a:cubicBezTo>
-                    <a:pt x="5964" y="557"/>
-                    <a:pt x="4777" y="531"/>
-                    <a:pt x="3592" y="577"/>
-                  </a:cubicBezTo>
-                  <a:cubicBezTo>
-                    <a:pt x="3017" y="600"/>
-                    <a:pt x="2431" y="590"/>
-                    <a:pt x="1858" y="652"/>
-                  </a:cubicBezTo>
-                  <a:cubicBezTo>
-                    <a:pt x="1302" y="717"/>
-                    <a:pt x="765" y="889"/>
-                    <a:pt x="202" y="945"/>
-                  </a:cubicBezTo>
-                  <a:cubicBezTo>
-                    <a:pt x="1" y="964"/>
-                    <a:pt x="7" y="1283"/>
-                    <a:pt x="202" y="1312"/>
-                  </a:cubicBezTo>
-                  <a:cubicBezTo>
-                    <a:pt x="1495" y="1497"/>
-                    <a:pt x="2823" y="1538"/>
-                    <a:pt x="4149" y="1538"/>
-                  </a:cubicBezTo>
-                  <a:cubicBezTo>
-                    <a:pt x="5106" y="1538"/>
-                    <a:pt x="6062" y="1517"/>
-                    <a:pt x="7002" y="1514"/>
-                  </a:cubicBezTo>
-                  <a:cubicBezTo>
-                    <a:pt x="9246" y="1508"/>
-                    <a:pt x="11460" y="1142"/>
-                    <a:pt x="13703" y="1142"/>
-                  </a:cubicBezTo>
-                  <a:cubicBezTo>
-                    <a:pt x="13845" y="1142"/>
-                    <a:pt x="13986" y="1143"/>
-                    <a:pt x="14127" y="1146"/>
-                  </a:cubicBezTo>
-                  <a:cubicBezTo>
-                    <a:pt x="14239" y="1149"/>
-                    <a:pt x="14350" y="1150"/>
-                    <a:pt x="14461" y="1150"/>
-                  </a:cubicBezTo>
-                  <a:cubicBezTo>
-                    <a:pt x="15521" y="1150"/>
-                    <a:pt x="16578" y="1048"/>
-                    <a:pt x="17638" y="1045"/>
-                  </a:cubicBezTo>
-                  <a:cubicBezTo>
-                    <a:pt x="18728" y="1045"/>
-                    <a:pt x="19808" y="1234"/>
-                    <a:pt x="20895" y="1244"/>
-                  </a:cubicBezTo>
-                  <a:cubicBezTo>
-                    <a:pt x="21916" y="1254"/>
-                    <a:pt x="22922" y="1478"/>
-                    <a:pt x="23937" y="1566"/>
-                  </a:cubicBezTo>
-                  <a:cubicBezTo>
-                    <a:pt x="24031" y="1574"/>
-                    <a:pt x="24123" y="1577"/>
-                    <a:pt x="24213" y="1577"/>
-                  </a:cubicBezTo>
-                  <a:cubicBezTo>
-                    <a:pt x="24429" y="1577"/>
-                    <a:pt x="24636" y="1561"/>
-                    <a:pt x="24847" y="1561"/>
-                  </a:cubicBezTo>
-                  <a:cubicBezTo>
-                    <a:pt x="25011" y="1561"/>
-                    <a:pt x="25176" y="1570"/>
-                    <a:pt x="25349" y="1605"/>
-                  </a:cubicBezTo>
-                  <a:cubicBezTo>
-                    <a:pt x="25560" y="1646"/>
-                    <a:pt x="25775" y="1656"/>
-                    <a:pt x="25991" y="1656"/>
-                  </a:cubicBezTo>
-                  <a:cubicBezTo>
-                    <a:pt x="26224" y="1656"/>
-                    <a:pt x="26456" y="1644"/>
-                    <a:pt x="26686" y="1644"/>
-                  </a:cubicBezTo>
-                  <a:cubicBezTo>
-                    <a:pt x="27246" y="1644"/>
-                    <a:pt x="27249" y="613"/>
-                    <a:pt x="26686" y="613"/>
-                  </a:cubicBezTo>
-                  <a:cubicBezTo>
-                    <a:pt x="26227" y="609"/>
-                    <a:pt x="25807" y="613"/>
-                    <a:pt x="25358" y="522"/>
-                  </a:cubicBezTo>
-                  <a:cubicBezTo>
-                    <a:pt x="25237" y="498"/>
-                    <a:pt x="25117" y="489"/>
-                    <a:pt x="24996" y="489"/>
-                  </a:cubicBezTo>
-                  <a:cubicBezTo>
-                    <a:pt x="24712" y="489"/>
-                    <a:pt x="24430" y="536"/>
-                    <a:pt x="24146" y="536"/>
-                  </a:cubicBezTo>
-                  <a:cubicBezTo>
-                    <a:pt x="24054" y="536"/>
-                    <a:pt x="23963" y="531"/>
-                    <a:pt x="23872" y="518"/>
-                  </a:cubicBezTo>
-                  <a:cubicBezTo>
-                    <a:pt x="22918" y="388"/>
-                    <a:pt x="21975" y="219"/>
-                    <a:pt x="21012" y="199"/>
-                  </a:cubicBezTo>
-                  <a:cubicBezTo>
-                    <a:pt x="19953" y="180"/>
-                    <a:pt x="18908" y="1"/>
-                    <a:pt x="17847" y="1"/>
-                  </a:cubicBezTo>
-                  <a:close/>
-                </a:path>
-              </a:pathLst>
-            </a:custGeom>
-            <a:solidFill>
-              <a:schemeClr val="dk2"/>
-            </a:solidFill>
-            <a:ln>
-              <a:noFill/>
-            </a:ln>
-          </p:spPr>
-          <p:txBody>
-            <a:bodyPr spcFirstLastPara="1" wrap="square" lIns="91425" tIns="91425" rIns="91425" bIns="91425" anchor="ctr" anchorCtr="0">
-              <a:noAutofit/>
-            </a:bodyPr>
-            <a:lstStyle/>
-            <a:p>
-              <a:pPr marL="0" lvl="0" indent="0" algn="l" rtl="0">
-                <a:spcBef>
-                  <a:spcPts val="0"/>
-                </a:spcBef>
-                <a:spcAft>
-                  <a:spcPts val="0"/>
-                </a:spcAft>
-                <a:buNone/>
-              </a:pPr>
-              <a:endParaRPr/>
-            </a:p>
-          </p:txBody>
-        </p:sp>
-      </p:grpSp>
-    </p:spTree>
-  </p:cSld>
-  <p:clrMapOvr>
-    <a:masterClrMapping/>
-  </p:clrMapOvr>
-</p:sld>
-</file>
-
 <file path=ppt/slides/slide3.xml><?xml version="1.0" encoding="utf-8"?>
 <p:sld xmlns:a="http://schemas.openxmlformats.org/drawingml/2006/main" xmlns:r="http://schemas.openxmlformats.org/officeDocument/2006/relationships" xmlns:p="http://schemas.openxmlformats.org/presentationml/2006/main">
   <p:cSld>
@@ -44533,6 +37682,7 @@
       <p:sp>
         <p:nvSpPr>
           <p:cNvPr id="4" name="Google Shape;1375;p104">
+            <a:hlinkClick r:id="rId3" action="ppaction://hlinksldjump"/>
             <a:extLst>
               <a:ext uri="{FF2B5EF4-FFF2-40B4-BE49-F238E27FC236}">
                 <a16:creationId xmlns:a16="http://schemas.microsoft.com/office/drawing/2014/main" id="{904BBAEE-7579-44E2-A1FD-0775D5A5DE22}"/>
